--- a/Pristatymas/Pristatymas.pptx
+++ b/Pristatymas/Pristatymas.pptx
@@ -1,28 +1,28 @@
 
 <file path=ppt/presentation.xml><?xml version="1.0" encoding="utf-8"?>
-<p:presentation xmlns:a="http://schemas.openxmlformats.org/drawingml/2006/main" xmlns:r="http://schemas.openxmlformats.org/officeDocument/2006/relationships" xmlns:mc="http://schemas.openxmlformats.org/markup-compatibility/2006" xmlns:mv="urn:schemas-microsoft-com:mac:vml" xmlns:p="http://schemas.openxmlformats.org/presentationml/2006/main" xmlns:c="http://schemas.openxmlformats.org/drawingml/2006/chart" xmlns:dgm="http://schemas.openxmlformats.org/drawingml/2006/diagram" xmlns:o="urn:schemas-microsoft-com:office:office" xmlns:v="urn:schemas-microsoft-com:vml" xmlns:pvml="urn:schemas-microsoft-com:office:powerpoint" xmlns:com="http://schemas.openxmlformats.org/drawingml/2006/compatibility" xmlns:p14="http://schemas.microsoft.com/office/powerpoint/2010/main" xmlns:p15="http://schemas.microsoft.com/office/powerpoint/2012/main" autoCompressPictures="0" strictFirstAndLastChars="0" saveSubsetFonts="1" showSpecialPlsOnTitleSld="0">
+<p:presentation xmlns:a="http://schemas.openxmlformats.org/drawingml/2006/main" xmlns:r="http://schemas.openxmlformats.org/officeDocument/2006/relationships" xmlns:p="http://schemas.openxmlformats.org/presentationml/2006/main" showSpecialPlsOnTitleSld="0" strictFirstAndLastChars="0" saveSubsetFonts="1" autoCompressPictures="0">
   <p:sldMasterIdLst>
-    <p:sldMasterId id="2147483659" r:id="rId4"/>
+    <p:sldMasterId id="2147483659" r:id="rId1"/>
   </p:sldMasterIdLst>
   <p:notesMasterIdLst>
-    <p:notesMasterId r:id="rId5"/>
+    <p:notesMasterId r:id="rId12"/>
   </p:notesMasterIdLst>
   <p:sldIdLst>
-    <p:sldId id="256" r:id="rId6"/>
-    <p:sldId id="257" r:id="rId7"/>
-    <p:sldId id="258" r:id="rId8"/>
-    <p:sldId id="259" r:id="rId9"/>
-    <p:sldId id="260" r:id="rId10"/>
-    <p:sldId id="261" r:id="rId11"/>
-    <p:sldId id="262" r:id="rId12"/>
-    <p:sldId id="263" r:id="rId13"/>
-    <p:sldId id="264" r:id="rId14"/>
-    <p:sldId id="265" r:id="rId15"/>
+    <p:sldId id="256" r:id="rId2"/>
+    <p:sldId id="257" r:id="rId3"/>
+    <p:sldId id="258" r:id="rId4"/>
+    <p:sldId id="259" r:id="rId5"/>
+    <p:sldId id="260" r:id="rId6"/>
+    <p:sldId id="261" r:id="rId7"/>
+    <p:sldId id="262" r:id="rId8"/>
+    <p:sldId id="263" r:id="rId9"/>
+    <p:sldId id="264" r:id="rId10"/>
+    <p:sldId id="265" r:id="rId11"/>
   </p:sldIdLst>
-  <p:sldSz cy="5143500" cx="9144000"/>
+  <p:sldSz cx="9144000" cy="5143500" type="screen16x9"/>
   <p:notesSz cx="6858000" cy="9144000"/>
   <p:defaultTextStyle>
-    <a:defPPr lvl="0" marR="0" rtl="0" algn="l">
+    <a:defPPr marR="0" lvl="0" algn="l" rtl="0">
       <a:lnSpc>
         <a:spcPct val="100000"/>
       </a:lnSpc>
@@ -33,7 +33,7 @@
         <a:spcPts val="0"/>
       </a:spcAft>
     </a:defPPr>
-    <a:lvl1pPr lvl="0" marR="0" rtl="0" algn="l">
+    <a:lvl1pPr marR="0" lvl="0" algn="l" rtl="0">
       <a:lnSpc>
         <a:spcPct val="100000"/>
       </a:lnSpc>
@@ -47,7 +47,7 @@
         <a:srgbClr val="000000"/>
       </a:buClr>
       <a:buFont typeface="Arial"/>
-      <a:defRPr b="0" i="0" sz="1400" u="none" cap="none" strike="noStrike">
+      <a:defRPr sz="1400" b="0" i="0" u="none" strike="noStrike" cap="none">
         <a:solidFill>
           <a:srgbClr val="000000"/>
         </a:solidFill>
@@ -57,7 +57,7 @@
         <a:sym typeface="Arial"/>
       </a:defRPr>
     </a:lvl1pPr>
-    <a:lvl2pPr lvl="1" marR="0" rtl="0" algn="l">
+    <a:lvl2pPr marR="0" lvl="1" algn="l" rtl="0">
       <a:lnSpc>
         <a:spcPct val="100000"/>
       </a:lnSpc>
@@ -71,7 +71,7 @@
         <a:srgbClr val="000000"/>
       </a:buClr>
       <a:buFont typeface="Arial"/>
-      <a:defRPr b="0" i="0" sz="1400" u="none" cap="none" strike="noStrike">
+      <a:defRPr sz="1400" b="0" i="0" u="none" strike="noStrike" cap="none">
         <a:solidFill>
           <a:srgbClr val="000000"/>
         </a:solidFill>
@@ -81,7 +81,7 @@
         <a:sym typeface="Arial"/>
       </a:defRPr>
     </a:lvl2pPr>
-    <a:lvl3pPr lvl="2" marR="0" rtl="0" algn="l">
+    <a:lvl3pPr marR="0" lvl="2" algn="l" rtl="0">
       <a:lnSpc>
         <a:spcPct val="100000"/>
       </a:lnSpc>
@@ -95,7 +95,7 @@
         <a:srgbClr val="000000"/>
       </a:buClr>
       <a:buFont typeface="Arial"/>
-      <a:defRPr b="0" i="0" sz="1400" u="none" cap="none" strike="noStrike">
+      <a:defRPr sz="1400" b="0" i="0" u="none" strike="noStrike" cap="none">
         <a:solidFill>
           <a:srgbClr val="000000"/>
         </a:solidFill>
@@ -105,7 +105,7 @@
         <a:sym typeface="Arial"/>
       </a:defRPr>
     </a:lvl3pPr>
-    <a:lvl4pPr lvl="3" marR="0" rtl="0" algn="l">
+    <a:lvl4pPr marR="0" lvl="3" algn="l" rtl="0">
       <a:lnSpc>
         <a:spcPct val="100000"/>
       </a:lnSpc>
@@ -119,7 +119,7 @@
         <a:srgbClr val="000000"/>
       </a:buClr>
       <a:buFont typeface="Arial"/>
-      <a:defRPr b="0" i="0" sz="1400" u="none" cap="none" strike="noStrike">
+      <a:defRPr sz="1400" b="0" i="0" u="none" strike="noStrike" cap="none">
         <a:solidFill>
           <a:srgbClr val="000000"/>
         </a:solidFill>
@@ -129,7 +129,7 @@
         <a:sym typeface="Arial"/>
       </a:defRPr>
     </a:lvl4pPr>
-    <a:lvl5pPr lvl="4" marR="0" rtl="0" algn="l">
+    <a:lvl5pPr marR="0" lvl="4" algn="l" rtl="0">
       <a:lnSpc>
         <a:spcPct val="100000"/>
       </a:lnSpc>
@@ -143,7 +143,7 @@
         <a:srgbClr val="000000"/>
       </a:buClr>
       <a:buFont typeface="Arial"/>
-      <a:defRPr b="0" i="0" sz="1400" u="none" cap="none" strike="noStrike">
+      <a:defRPr sz="1400" b="0" i="0" u="none" strike="noStrike" cap="none">
         <a:solidFill>
           <a:srgbClr val="000000"/>
         </a:solidFill>
@@ -153,7 +153,7 @@
         <a:sym typeface="Arial"/>
       </a:defRPr>
     </a:lvl5pPr>
-    <a:lvl6pPr lvl="5" marR="0" rtl="0" algn="l">
+    <a:lvl6pPr marR="0" lvl="5" algn="l" rtl="0">
       <a:lnSpc>
         <a:spcPct val="100000"/>
       </a:lnSpc>
@@ -167,7 +167,7 @@
         <a:srgbClr val="000000"/>
       </a:buClr>
       <a:buFont typeface="Arial"/>
-      <a:defRPr b="0" i="0" sz="1400" u="none" cap="none" strike="noStrike">
+      <a:defRPr sz="1400" b="0" i="0" u="none" strike="noStrike" cap="none">
         <a:solidFill>
           <a:srgbClr val="000000"/>
         </a:solidFill>
@@ -177,7 +177,7 @@
         <a:sym typeface="Arial"/>
       </a:defRPr>
     </a:lvl6pPr>
-    <a:lvl7pPr lvl="6" marR="0" rtl="0" algn="l">
+    <a:lvl7pPr marR="0" lvl="6" algn="l" rtl="0">
       <a:lnSpc>
         <a:spcPct val="100000"/>
       </a:lnSpc>
@@ -191,7 +191,7 @@
         <a:srgbClr val="000000"/>
       </a:buClr>
       <a:buFont typeface="Arial"/>
-      <a:defRPr b="0" i="0" sz="1400" u="none" cap="none" strike="noStrike">
+      <a:defRPr sz="1400" b="0" i="0" u="none" strike="noStrike" cap="none">
         <a:solidFill>
           <a:srgbClr val="000000"/>
         </a:solidFill>
@@ -201,7 +201,7 @@
         <a:sym typeface="Arial"/>
       </a:defRPr>
     </a:lvl7pPr>
-    <a:lvl8pPr lvl="7" marR="0" rtl="0" algn="l">
+    <a:lvl8pPr marR="0" lvl="7" algn="l" rtl="0">
       <a:lnSpc>
         <a:spcPct val="100000"/>
       </a:lnSpc>
@@ -215,7 +215,7 @@
         <a:srgbClr val="000000"/>
       </a:buClr>
       <a:buFont typeface="Arial"/>
-      <a:defRPr b="0" i="0" sz="1400" u="none" cap="none" strike="noStrike">
+      <a:defRPr sz="1400" b="0" i="0" u="none" strike="noStrike" cap="none">
         <a:solidFill>
           <a:srgbClr val="000000"/>
         </a:solidFill>
@@ -225,7 +225,7 @@
         <a:sym typeface="Arial"/>
       </a:defRPr>
     </a:lvl8pPr>
-    <a:lvl9pPr lvl="8" marR="0" rtl="0" algn="l">
+    <a:lvl9pPr marR="0" lvl="8" algn="l" rtl="0">
       <a:lnSpc>
         <a:spcPct val="100000"/>
       </a:lnSpc>
@@ -239,7 +239,7 @@
         <a:srgbClr val="000000"/>
       </a:buClr>
       <a:buFont typeface="Arial"/>
-      <a:defRPr b="0" i="0" sz="1400" u="none" cap="none" strike="noStrike">
+      <a:defRPr sz="1400" b="0" i="0" u="none" strike="noStrike" cap="none">
         <a:solidFill>
           <a:srgbClr val="000000"/>
         </a:solidFill>
@@ -252,7 +252,7 @@
   </p:defaultTextStyle>
   <p:extLst>
     <p:ext uri="{EFAFB233-063F-42B5-8137-9DF3F51BA10A}">
-      <p15:sldGuideLst>
+      <p15:sldGuideLst xmlns:p15="http://schemas.microsoft.com/office/powerpoint/2012/main">
         <p15:guide id="1" orient="horz" pos="1620">
           <p15:clr>
             <a:srgbClr val="A4A3A4"/>
@@ -270,11 +270,16 @@
 </file>
 
 <file path=ppt/notesMasters/notesMaster1.xml><?xml version="1.0" encoding="utf-8"?>
-<p:notesMaster xmlns:a="http://schemas.openxmlformats.org/drawingml/2006/main" xmlns:r="http://schemas.openxmlformats.org/officeDocument/2006/relationships" xmlns:mc="http://schemas.openxmlformats.org/markup-compatibility/2006" xmlns:mv="urn:schemas-microsoft-com:mac:vml" xmlns:p="http://schemas.openxmlformats.org/presentationml/2006/main" xmlns:c="http://schemas.openxmlformats.org/drawingml/2006/chart" xmlns:dgm="http://schemas.openxmlformats.org/drawingml/2006/diagram" xmlns:o="urn:schemas-microsoft-com:office:office" xmlns:v="urn:schemas-microsoft-com:vml" xmlns:pvml="urn:schemas-microsoft-com:office:powerpoint" xmlns:com="http://schemas.openxmlformats.org/drawingml/2006/compatibility" xmlns:p14="http://schemas.microsoft.com/office/powerpoint/2010/main" xmlns:p15="http://schemas.microsoft.com/office/powerpoint/2012/main">
+<p:notesMaster xmlns:a="http://schemas.openxmlformats.org/drawingml/2006/main" xmlns:r="http://schemas.openxmlformats.org/officeDocument/2006/relationships" xmlns:p="http://schemas.openxmlformats.org/presentationml/2006/main">
   <p:cSld>
+    <p:bg>
+      <p:bgRef idx="1001">
+        <a:schemeClr val="bg1"/>
+      </p:bgRef>
+    </p:bg>
     <p:spTree>
       <p:nvGrpSpPr>
-        <p:cNvPr id="2" name="Shape 2"/>
+        <p:cNvPr id="1" name="Shape 2"/>
         <p:cNvGrpSpPr/>
         <p:nvPr/>
       </p:nvGrpSpPr>
@@ -289,9 +294,11 @@
       <p:sp>
         <p:nvSpPr>
           <p:cNvPr id="3" name="Google Shape;3;n"/>
-          <p:cNvSpPr/>
+          <p:cNvSpPr>
+            <a:spLocks noGrp="1" noRot="1" noChangeAspect="1"/>
+          </p:cNvSpPr>
           <p:nvPr>
-            <p:ph idx="2" type="sldImg"/>
+            <p:ph type="sldImg" idx="2"/>
           </p:nvPr>
         </p:nvSpPr>
         <p:spPr>
@@ -300,9 +307,13 @@
             <a:ext cx="6096075" cy="3429000"/>
           </a:xfrm>
           <a:custGeom>
-            <a:rect b="b" l="l" r="r" t="t"/>
+            <a:avLst/>
+            <a:gdLst/>
+            <a:ahLst/>
+            <a:cxnLst/>
+            <a:rect l="l" t="t" r="r" b="b"/>
             <a:pathLst>
-              <a:path extrusionOk="0" h="120000" w="120000">
+              <a:path w="120000" h="120000" extrusionOk="0">
                 <a:moveTo>
                   <a:pt x="0" y="0"/>
                 </a:moveTo>
@@ -320,23 +331,25 @@
             </a:pathLst>
           </a:custGeom>
           <a:noFill/>
-          <a:ln cap="flat" cmpd="sng" w="9525">
+          <a:ln w="9525" cap="flat" cmpd="sng">
             <a:solidFill>
               <a:srgbClr val="000000"/>
             </a:solidFill>
             <a:prstDash val="solid"/>
             <a:round/>
-            <a:headEnd len="sm" w="sm" type="none"/>
-            <a:tailEnd len="sm" w="sm" type="none"/>
+            <a:headEnd type="none" w="sm" len="sm"/>
+            <a:tailEnd type="none" w="sm" len="sm"/>
           </a:ln>
         </p:spPr>
       </p:sp>
       <p:sp>
         <p:nvSpPr>
           <p:cNvPr id="4" name="Google Shape;4;n"/>
-          <p:cNvSpPr txBox="1"/>
+          <p:cNvSpPr txBox="1">
+            <a:spLocks noGrp="1"/>
+          </p:cNvSpPr>
           <p:nvPr>
-            <p:ph idx="1" type="body"/>
+            <p:ph type="body" idx="1"/>
           </p:nvPr>
         </p:nvSpPr>
         <p:spPr>
@@ -353,11 +366,11 @@
           </a:ln>
         </p:spPr>
         <p:txBody>
-          <a:bodyPr anchorCtr="0" anchor="t" bIns="91425" lIns="91425" spcFirstLastPara="1" rIns="91425" wrap="square" tIns="91425">
+          <a:bodyPr spcFirstLastPara="1" wrap="square" lIns="91425" tIns="91425" rIns="91425" bIns="91425" anchor="t" anchorCtr="0">
             <a:noAutofit/>
           </a:bodyPr>
           <a:lstStyle>
-            <a:lvl1pPr indent="-298450" lvl="0" marL="457200">
+            <a:lvl1pPr marL="457200" lvl="0" indent="-298450">
               <a:spcBef>
                 <a:spcPts val="0"/>
               </a:spcBef>
@@ -368,7 +381,7 @@
               <a:buChar char="●"/>
               <a:defRPr sz="1100"/>
             </a:lvl1pPr>
-            <a:lvl2pPr indent="-298450" lvl="1" marL="914400">
+            <a:lvl2pPr marL="914400" lvl="1" indent="-298450">
               <a:spcBef>
                 <a:spcPts val="0"/>
               </a:spcBef>
@@ -379,7 +392,7 @@
               <a:buChar char="○"/>
               <a:defRPr sz="1100"/>
             </a:lvl2pPr>
-            <a:lvl3pPr indent="-298450" lvl="2" marL="1371600">
+            <a:lvl3pPr marL="1371600" lvl="2" indent="-298450">
               <a:spcBef>
                 <a:spcPts val="0"/>
               </a:spcBef>
@@ -390,7 +403,7 @@
               <a:buChar char="■"/>
               <a:defRPr sz="1100"/>
             </a:lvl3pPr>
-            <a:lvl4pPr indent="-298450" lvl="3" marL="1828800">
+            <a:lvl4pPr marL="1828800" lvl="3" indent="-298450">
               <a:spcBef>
                 <a:spcPts val="0"/>
               </a:spcBef>
@@ -401,7 +414,7 @@
               <a:buChar char="●"/>
               <a:defRPr sz="1100"/>
             </a:lvl4pPr>
-            <a:lvl5pPr indent="-298450" lvl="4" marL="2286000">
+            <a:lvl5pPr marL="2286000" lvl="4" indent="-298450">
               <a:spcBef>
                 <a:spcPts val="0"/>
               </a:spcBef>
@@ -412,7 +425,7 @@
               <a:buChar char="○"/>
               <a:defRPr sz="1100"/>
             </a:lvl5pPr>
-            <a:lvl6pPr indent="-298450" lvl="5" marL="2743200">
+            <a:lvl6pPr marL="2743200" lvl="5" indent="-298450">
               <a:spcBef>
                 <a:spcPts val="0"/>
               </a:spcBef>
@@ -423,7 +436,7 @@
               <a:buChar char="■"/>
               <a:defRPr sz="1100"/>
             </a:lvl6pPr>
-            <a:lvl7pPr indent="-298450" lvl="6" marL="3200400">
+            <a:lvl7pPr marL="3200400" lvl="6" indent="-298450">
               <a:spcBef>
                 <a:spcPts val="0"/>
               </a:spcBef>
@@ -434,7 +447,7 @@
               <a:buChar char="●"/>
               <a:defRPr sz="1100"/>
             </a:lvl7pPr>
-            <a:lvl8pPr indent="-298450" lvl="7" marL="3657600">
+            <a:lvl8pPr marL="3657600" lvl="7" indent="-298450">
               <a:spcBef>
                 <a:spcPts val="0"/>
               </a:spcBef>
@@ -445,7 +458,7 @@
               <a:buChar char="○"/>
               <a:defRPr sz="1100"/>
             </a:lvl8pPr>
-            <a:lvl9pPr indent="-298450" lvl="8" marL="4114800">
+            <a:lvl9pPr marL="4114800" lvl="8" indent="-298450">
               <a:spcBef>
                 <a:spcPts val="0"/>
               </a:spcBef>
@@ -457,14 +470,16 @@
               <a:defRPr sz="1100"/>
             </a:lvl9pPr>
           </a:lstStyle>
-          <a:p/>
+          <a:p>
+            <a:endParaRPr/>
+          </a:p>
         </p:txBody>
       </p:sp>
     </p:spTree>
   </p:cSld>
-  <p:clrMap accent1="accent1" accent2="accent2" accent3="accent3" accent4="accent4" accent5="accent5" accent6="accent6" bg1="lt1" bg2="dk2" tx1="dk1" tx2="lt2" folHlink="folHlink" hlink="hlink"/>
+  <p:clrMap bg1="lt1" tx1="dk1" bg2="dk2" tx2="lt2" accent1="accent1" accent2="accent2" accent3="accent3" accent4="accent4" accent5="accent5" accent6="accent6" hlink="hlink" folHlink="folHlink"/>
   <p:notesStyle>
-    <a:defPPr lvl="0" marR="0" rtl="0" algn="l">
+    <a:defPPr marR="0" lvl="0" algn="l" rtl="0">
       <a:lnSpc>
         <a:spcPct val="100000"/>
       </a:lnSpc>
@@ -475,7 +490,7 @@
         <a:spcPts val="0"/>
       </a:spcAft>
     </a:defPPr>
-    <a:lvl1pPr lvl="0" marR="0" rtl="0" algn="l">
+    <a:lvl1pPr marR="0" lvl="0" algn="l" rtl="0">
       <a:lnSpc>
         <a:spcPct val="100000"/>
       </a:lnSpc>
@@ -489,7 +504,7 @@
         <a:srgbClr val="000000"/>
       </a:buClr>
       <a:buFont typeface="Arial"/>
-      <a:defRPr b="0" i="0" sz="1400" u="none" cap="none" strike="noStrike">
+      <a:defRPr sz="1400" b="0" i="0" u="none" strike="noStrike" cap="none">
         <a:solidFill>
           <a:srgbClr val="000000"/>
         </a:solidFill>
@@ -499,7 +514,7 @@
         <a:sym typeface="Arial"/>
       </a:defRPr>
     </a:lvl1pPr>
-    <a:lvl2pPr lvl="1" marR="0" rtl="0" algn="l">
+    <a:lvl2pPr marR="0" lvl="1" algn="l" rtl="0">
       <a:lnSpc>
         <a:spcPct val="100000"/>
       </a:lnSpc>
@@ -513,7 +528,7 @@
         <a:srgbClr val="000000"/>
       </a:buClr>
       <a:buFont typeface="Arial"/>
-      <a:defRPr b="0" i="0" sz="1400" u="none" cap="none" strike="noStrike">
+      <a:defRPr sz="1400" b="0" i="0" u="none" strike="noStrike" cap="none">
         <a:solidFill>
           <a:srgbClr val="000000"/>
         </a:solidFill>
@@ -523,7 +538,7 @@
         <a:sym typeface="Arial"/>
       </a:defRPr>
     </a:lvl2pPr>
-    <a:lvl3pPr lvl="2" marR="0" rtl="0" algn="l">
+    <a:lvl3pPr marR="0" lvl="2" algn="l" rtl="0">
       <a:lnSpc>
         <a:spcPct val="100000"/>
       </a:lnSpc>
@@ -537,7 +552,7 @@
         <a:srgbClr val="000000"/>
       </a:buClr>
       <a:buFont typeface="Arial"/>
-      <a:defRPr b="0" i="0" sz="1400" u="none" cap="none" strike="noStrike">
+      <a:defRPr sz="1400" b="0" i="0" u="none" strike="noStrike" cap="none">
         <a:solidFill>
           <a:srgbClr val="000000"/>
         </a:solidFill>
@@ -547,7 +562,7 @@
         <a:sym typeface="Arial"/>
       </a:defRPr>
     </a:lvl3pPr>
-    <a:lvl4pPr lvl="3" marR="0" rtl="0" algn="l">
+    <a:lvl4pPr marR="0" lvl="3" algn="l" rtl="0">
       <a:lnSpc>
         <a:spcPct val="100000"/>
       </a:lnSpc>
@@ -561,7 +576,7 @@
         <a:srgbClr val="000000"/>
       </a:buClr>
       <a:buFont typeface="Arial"/>
-      <a:defRPr b="0" i="0" sz="1400" u="none" cap="none" strike="noStrike">
+      <a:defRPr sz="1400" b="0" i="0" u="none" strike="noStrike" cap="none">
         <a:solidFill>
           <a:srgbClr val="000000"/>
         </a:solidFill>
@@ -571,7 +586,7 @@
         <a:sym typeface="Arial"/>
       </a:defRPr>
     </a:lvl4pPr>
-    <a:lvl5pPr lvl="4" marR="0" rtl="0" algn="l">
+    <a:lvl5pPr marR="0" lvl="4" algn="l" rtl="0">
       <a:lnSpc>
         <a:spcPct val="100000"/>
       </a:lnSpc>
@@ -585,7 +600,7 @@
         <a:srgbClr val="000000"/>
       </a:buClr>
       <a:buFont typeface="Arial"/>
-      <a:defRPr b="0" i="0" sz="1400" u="none" cap="none" strike="noStrike">
+      <a:defRPr sz="1400" b="0" i="0" u="none" strike="noStrike" cap="none">
         <a:solidFill>
           <a:srgbClr val="000000"/>
         </a:solidFill>
@@ -595,7 +610,7 @@
         <a:sym typeface="Arial"/>
       </a:defRPr>
     </a:lvl5pPr>
-    <a:lvl6pPr lvl="5" marR="0" rtl="0" algn="l">
+    <a:lvl6pPr marR="0" lvl="5" algn="l" rtl="0">
       <a:lnSpc>
         <a:spcPct val="100000"/>
       </a:lnSpc>
@@ -609,7 +624,7 @@
         <a:srgbClr val="000000"/>
       </a:buClr>
       <a:buFont typeface="Arial"/>
-      <a:defRPr b="0" i="0" sz="1400" u="none" cap="none" strike="noStrike">
+      <a:defRPr sz="1400" b="0" i="0" u="none" strike="noStrike" cap="none">
         <a:solidFill>
           <a:srgbClr val="000000"/>
         </a:solidFill>
@@ -619,7 +634,7 @@
         <a:sym typeface="Arial"/>
       </a:defRPr>
     </a:lvl6pPr>
-    <a:lvl7pPr lvl="6" marR="0" rtl="0" algn="l">
+    <a:lvl7pPr marR="0" lvl="6" algn="l" rtl="0">
       <a:lnSpc>
         <a:spcPct val="100000"/>
       </a:lnSpc>
@@ -633,7 +648,7 @@
         <a:srgbClr val="000000"/>
       </a:buClr>
       <a:buFont typeface="Arial"/>
-      <a:defRPr b="0" i="0" sz="1400" u="none" cap="none" strike="noStrike">
+      <a:defRPr sz="1400" b="0" i="0" u="none" strike="noStrike" cap="none">
         <a:solidFill>
           <a:srgbClr val="000000"/>
         </a:solidFill>
@@ -643,7 +658,7 @@
         <a:sym typeface="Arial"/>
       </a:defRPr>
     </a:lvl7pPr>
-    <a:lvl8pPr lvl="7" marR="0" rtl="0" algn="l">
+    <a:lvl8pPr marR="0" lvl="7" algn="l" rtl="0">
       <a:lnSpc>
         <a:spcPct val="100000"/>
       </a:lnSpc>
@@ -657,7 +672,7 @@
         <a:srgbClr val="000000"/>
       </a:buClr>
       <a:buFont typeface="Arial"/>
-      <a:defRPr b="0" i="0" sz="1400" u="none" cap="none" strike="noStrike">
+      <a:defRPr sz="1400" b="0" i="0" u="none" strike="noStrike" cap="none">
         <a:solidFill>
           <a:srgbClr val="000000"/>
         </a:solidFill>
@@ -667,7 +682,7 @@
         <a:sym typeface="Arial"/>
       </a:defRPr>
     </a:lvl8pPr>
-    <a:lvl9pPr lvl="8" marR="0" rtl="0" algn="l">
+    <a:lvl9pPr marR="0" lvl="8" algn="l" rtl="0">
       <a:lnSpc>
         <a:spcPct val="100000"/>
       </a:lnSpc>
@@ -681,7 +696,7 @@
         <a:srgbClr val="000000"/>
       </a:buClr>
       <a:buFont typeface="Arial"/>
-      <a:defRPr b="0" i="0" sz="1400" u="none" cap="none" strike="noStrike">
+      <a:defRPr sz="1400" b="0" i="0" u="none" strike="noStrike" cap="none">
         <a:solidFill>
           <a:srgbClr val="000000"/>
         </a:solidFill>
@@ -696,11 +711,11 @@
 </file>
 
 <file path=ppt/notesSlides/notesSlide1.xml><?xml version="1.0" encoding="utf-8"?>
-<p:notes xmlns:a="http://schemas.openxmlformats.org/drawingml/2006/main" xmlns:r="http://schemas.openxmlformats.org/officeDocument/2006/relationships" xmlns:mc="http://schemas.openxmlformats.org/markup-compatibility/2006" xmlns:mv="urn:schemas-microsoft-com:mac:vml" xmlns:p="http://schemas.openxmlformats.org/presentationml/2006/main" xmlns:c="http://schemas.openxmlformats.org/drawingml/2006/chart" xmlns:dgm="http://schemas.openxmlformats.org/drawingml/2006/diagram" xmlns:o="urn:schemas-microsoft-com:office:office" xmlns:v="urn:schemas-microsoft-com:vml" xmlns:pvml="urn:schemas-microsoft-com:office:powerpoint" xmlns:com="http://schemas.openxmlformats.org/drawingml/2006/compatibility" xmlns:p14="http://schemas.microsoft.com/office/powerpoint/2010/main" xmlns:p15="http://schemas.microsoft.com/office/powerpoint/2012/main" showMasterPhAnim="0" showMasterSp="0">
+<p:notes xmlns:a="http://schemas.openxmlformats.org/drawingml/2006/main" xmlns:r="http://schemas.openxmlformats.org/officeDocument/2006/relationships" xmlns:p="http://schemas.openxmlformats.org/presentationml/2006/main" showMasterSp="0" showMasterPhAnim="0">
   <p:cSld>
     <p:spTree>
       <p:nvGrpSpPr>
-        <p:cNvPr id="50" name="Shape 50"/>
+        <p:cNvPr id="1" name="Shape 50"/>
         <p:cNvGrpSpPr/>
         <p:nvPr/>
       </p:nvGrpSpPr>
@@ -715,9 +730,11 @@
       <p:sp>
         <p:nvSpPr>
           <p:cNvPr id="51" name="Google Shape;51;p:notes"/>
-          <p:cNvSpPr/>
+          <p:cNvSpPr>
+            <a:spLocks noGrp="1" noRot="1" noChangeAspect="1"/>
+          </p:cNvSpPr>
           <p:nvPr>
-            <p:ph idx="2" type="sldImg"/>
+            <p:ph type="sldImg" idx="2"/>
           </p:nvPr>
         </p:nvSpPr>
         <p:spPr>
@@ -726,9 +743,13 @@
             <a:ext cx="6096075" cy="3429000"/>
           </a:xfrm>
           <a:custGeom>
-            <a:rect b="b" l="l" r="r" t="t"/>
+            <a:avLst/>
+            <a:gdLst/>
+            <a:ahLst/>
+            <a:cxnLst/>
+            <a:rect l="l" t="t" r="r" b="b"/>
             <a:pathLst>
-              <a:path extrusionOk="0" h="120000" w="120000">
+              <a:path w="120000" h="120000" extrusionOk="0">
                 <a:moveTo>
                   <a:pt x="0" y="0"/>
                 </a:moveTo>
@@ -750,9 +771,11 @@
       <p:sp>
         <p:nvSpPr>
           <p:cNvPr id="52" name="Google Shape;52;p:notes"/>
-          <p:cNvSpPr txBox="1"/>
+          <p:cNvSpPr txBox="1">
+            <a:spLocks noGrp="1"/>
+          </p:cNvSpPr>
           <p:nvPr>
-            <p:ph idx="1" type="body"/>
+            <p:ph type="body" idx="1"/>
           </p:nvPr>
         </p:nvSpPr>
         <p:spPr>
@@ -765,12 +788,12 @@
           </a:prstGeom>
         </p:spPr>
         <p:txBody>
-          <a:bodyPr anchorCtr="0" anchor="t" bIns="91425" lIns="91425" spcFirstLastPara="1" rIns="91425" wrap="square" tIns="91425">
+          <a:bodyPr spcFirstLastPara="1" wrap="square" lIns="91425" tIns="91425" rIns="91425" bIns="91425" anchor="t" anchorCtr="0">
             <a:noAutofit/>
           </a:bodyPr>
           <a:lstStyle/>
           <a:p>
-            <a:pPr indent="0" lvl="0" marL="0" rtl="0" algn="l">
+            <a:pPr marL="0" lvl="0" indent="0" algn="l" rtl="0">
               <a:spcBef>
                 <a:spcPts val="0"/>
               </a:spcBef>
@@ -779,9 +802,6 @@
               </a:spcAft>
               <a:buNone/>
             </a:pPr>
-            <a:r>
-              <a:t/>
-            </a:r>
             <a:endParaRPr/>
           </a:p>
         </p:txBody>
@@ -795,11 +815,11 @@
 </file>
 
 <file path=ppt/notesSlides/notesSlide10.xml><?xml version="1.0" encoding="utf-8"?>
-<p:notes xmlns:a="http://schemas.openxmlformats.org/drawingml/2006/main" xmlns:r="http://schemas.openxmlformats.org/officeDocument/2006/relationships" xmlns:mc="http://schemas.openxmlformats.org/markup-compatibility/2006" xmlns:mv="urn:schemas-microsoft-com:mac:vml" xmlns:p="http://schemas.openxmlformats.org/presentationml/2006/main" xmlns:c="http://schemas.openxmlformats.org/drawingml/2006/chart" xmlns:dgm="http://schemas.openxmlformats.org/drawingml/2006/diagram" xmlns:o="urn:schemas-microsoft-com:office:office" xmlns:v="urn:schemas-microsoft-com:vml" xmlns:pvml="urn:schemas-microsoft-com:office:powerpoint" xmlns:com="http://schemas.openxmlformats.org/drawingml/2006/compatibility" xmlns:p14="http://schemas.microsoft.com/office/powerpoint/2010/main" xmlns:p15="http://schemas.microsoft.com/office/powerpoint/2012/main" showMasterPhAnim="0" showMasterSp="0">
+<p:notes xmlns:a="http://schemas.openxmlformats.org/drawingml/2006/main" xmlns:r="http://schemas.openxmlformats.org/officeDocument/2006/relationships" xmlns:p="http://schemas.openxmlformats.org/presentationml/2006/main" showMasterSp="0" showMasterPhAnim="0">
   <p:cSld>
     <p:spTree>
       <p:nvGrpSpPr>
-        <p:cNvPr id="130" name="Shape 130"/>
+        <p:cNvPr id="1" name="Shape 130"/>
         <p:cNvGrpSpPr/>
         <p:nvPr/>
       </p:nvGrpSpPr>
@@ -814,9 +834,11 @@
       <p:sp>
         <p:nvSpPr>
           <p:cNvPr id="131" name="Google Shape;131;g893e595a90_0_159:notes"/>
-          <p:cNvSpPr/>
+          <p:cNvSpPr>
+            <a:spLocks noGrp="1" noRot="1" noChangeAspect="1"/>
+          </p:cNvSpPr>
           <p:nvPr>
-            <p:ph idx="2" type="sldImg"/>
+            <p:ph type="sldImg" idx="2"/>
           </p:nvPr>
         </p:nvSpPr>
         <p:spPr>
@@ -825,9 +847,13 @@
             <a:ext cx="6096000" cy="3429000"/>
           </a:xfrm>
           <a:custGeom>
-            <a:rect b="b" l="l" r="r" t="t"/>
+            <a:avLst/>
+            <a:gdLst/>
+            <a:ahLst/>
+            <a:cxnLst/>
+            <a:rect l="l" t="t" r="r" b="b"/>
             <a:pathLst>
-              <a:path extrusionOk="0" h="120000" w="120000">
+              <a:path w="120000" h="120000" extrusionOk="0">
                 <a:moveTo>
                   <a:pt x="0" y="0"/>
                 </a:moveTo>
@@ -849,9 +875,11 @@
       <p:sp>
         <p:nvSpPr>
           <p:cNvPr id="132" name="Google Shape;132;g893e595a90_0_159:notes"/>
-          <p:cNvSpPr txBox="1"/>
+          <p:cNvSpPr txBox="1">
+            <a:spLocks noGrp="1"/>
+          </p:cNvSpPr>
           <p:nvPr>
-            <p:ph idx="1" type="body"/>
+            <p:ph type="body" idx="1"/>
           </p:nvPr>
         </p:nvSpPr>
         <p:spPr>
@@ -864,12 +892,12 @@
           </a:prstGeom>
         </p:spPr>
         <p:txBody>
-          <a:bodyPr anchorCtr="0" anchor="t" bIns="91425" lIns="91425" spcFirstLastPara="1" rIns="91425" wrap="square" tIns="91425">
+          <a:bodyPr spcFirstLastPara="1" wrap="square" lIns="91425" tIns="91425" rIns="91425" bIns="91425" anchor="t" anchorCtr="0">
             <a:noAutofit/>
           </a:bodyPr>
           <a:lstStyle/>
           <a:p>
-            <a:pPr indent="0" lvl="0" marL="0" rtl="0" algn="l">
+            <a:pPr marL="0" lvl="0" indent="0" algn="l" rtl="0">
               <a:spcBef>
                 <a:spcPts val="0"/>
               </a:spcBef>
@@ -878,9 +906,6 @@
               </a:spcAft>
               <a:buNone/>
             </a:pPr>
-            <a:r>
-              <a:t/>
-            </a:r>
             <a:endParaRPr/>
           </a:p>
         </p:txBody>
@@ -894,11 +919,11 @@
 </file>
 
 <file path=ppt/notesSlides/notesSlide2.xml><?xml version="1.0" encoding="utf-8"?>
-<p:notes xmlns:a="http://schemas.openxmlformats.org/drawingml/2006/main" xmlns:r="http://schemas.openxmlformats.org/officeDocument/2006/relationships" xmlns:mc="http://schemas.openxmlformats.org/markup-compatibility/2006" xmlns:mv="urn:schemas-microsoft-com:mac:vml" xmlns:p="http://schemas.openxmlformats.org/presentationml/2006/main" xmlns:c="http://schemas.openxmlformats.org/drawingml/2006/chart" xmlns:dgm="http://schemas.openxmlformats.org/drawingml/2006/diagram" xmlns:o="urn:schemas-microsoft-com:office:office" xmlns:v="urn:schemas-microsoft-com:vml" xmlns:pvml="urn:schemas-microsoft-com:office:powerpoint" xmlns:com="http://schemas.openxmlformats.org/drawingml/2006/compatibility" xmlns:p14="http://schemas.microsoft.com/office/powerpoint/2010/main" xmlns:p15="http://schemas.microsoft.com/office/powerpoint/2012/main" showMasterPhAnim="0" showMasterSp="0">
+<p:notes xmlns:a="http://schemas.openxmlformats.org/drawingml/2006/main" xmlns:r="http://schemas.openxmlformats.org/officeDocument/2006/relationships" xmlns:p="http://schemas.openxmlformats.org/presentationml/2006/main" showMasterSp="0" showMasterPhAnim="0">
   <p:cSld>
     <p:spTree>
       <p:nvGrpSpPr>
-        <p:cNvPr id="58" name="Shape 58"/>
+        <p:cNvPr id="1" name="Shape 58"/>
         <p:cNvGrpSpPr/>
         <p:nvPr/>
       </p:nvGrpSpPr>
@@ -913,9 +938,11 @@
       <p:sp>
         <p:nvSpPr>
           <p:cNvPr id="59" name="Google Shape;59;g893e595a90_0_88:notes"/>
-          <p:cNvSpPr/>
+          <p:cNvSpPr>
+            <a:spLocks noGrp="1" noRot="1" noChangeAspect="1"/>
+          </p:cNvSpPr>
           <p:nvPr>
-            <p:ph idx="2" type="sldImg"/>
+            <p:ph type="sldImg" idx="2"/>
           </p:nvPr>
         </p:nvSpPr>
         <p:spPr>
@@ -924,9 +951,13 @@
             <a:ext cx="6096000" cy="3429000"/>
           </a:xfrm>
           <a:custGeom>
-            <a:rect b="b" l="l" r="r" t="t"/>
+            <a:avLst/>
+            <a:gdLst/>
+            <a:ahLst/>
+            <a:cxnLst/>
+            <a:rect l="l" t="t" r="r" b="b"/>
             <a:pathLst>
-              <a:path extrusionOk="0" h="120000" w="120000">
+              <a:path w="120000" h="120000" extrusionOk="0">
                 <a:moveTo>
                   <a:pt x="0" y="0"/>
                 </a:moveTo>
@@ -948,9 +979,11 @@
       <p:sp>
         <p:nvSpPr>
           <p:cNvPr id="60" name="Google Shape;60;g893e595a90_0_88:notes"/>
-          <p:cNvSpPr txBox="1"/>
+          <p:cNvSpPr txBox="1">
+            <a:spLocks noGrp="1"/>
+          </p:cNvSpPr>
           <p:nvPr>
-            <p:ph idx="1" type="body"/>
+            <p:ph type="body" idx="1"/>
           </p:nvPr>
         </p:nvSpPr>
         <p:spPr>
@@ -963,12 +996,12 @@
           </a:prstGeom>
         </p:spPr>
         <p:txBody>
-          <a:bodyPr anchorCtr="0" anchor="t" bIns="91425" lIns="91425" spcFirstLastPara="1" rIns="91425" wrap="square" tIns="91425">
+          <a:bodyPr spcFirstLastPara="1" wrap="square" lIns="91425" tIns="91425" rIns="91425" bIns="91425" anchor="t" anchorCtr="0">
             <a:noAutofit/>
           </a:bodyPr>
           <a:lstStyle/>
           <a:p>
-            <a:pPr indent="0" lvl="0" marL="0" rtl="0" algn="l">
+            <a:pPr marL="0" lvl="0" indent="0" algn="l" rtl="0">
               <a:spcBef>
                 <a:spcPts val="0"/>
               </a:spcBef>
@@ -977,9 +1010,6 @@
               </a:spcAft>
               <a:buNone/>
             </a:pPr>
-            <a:r>
-              <a:t/>
-            </a:r>
             <a:endParaRPr/>
           </a:p>
         </p:txBody>
@@ -993,11 +1023,11 @@
 </file>
 
 <file path=ppt/notesSlides/notesSlide3.xml><?xml version="1.0" encoding="utf-8"?>
-<p:notes xmlns:a="http://schemas.openxmlformats.org/drawingml/2006/main" xmlns:r="http://schemas.openxmlformats.org/officeDocument/2006/relationships" xmlns:mc="http://schemas.openxmlformats.org/markup-compatibility/2006" xmlns:mv="urn:schemas-microsoft-com:mac:vml" xmlns:p="http://schemas.openxmlformats.org/presentationml/2006/main" xmlns:c="http://schemas.openxmlformats.org/drawingml/2006/chart" xmlns:dgm="http://schemas.openxmlformats.org/drawingml/2006/diagram" xmlns:o="urn:schemas-microsoft-com:office:office" xmlns:v="urn:schemas-microsoft-com:vml" xmlns:pvml="urn:schemas-microsoft-com:office:powerpoint" xmlns:com="http://schemas.openxmlformats.org/drawingml/2006/compatibility" xmlns:p14="http://schemas.microsoft.com/office/powerpoint/2010/main" xmlns:p15="http://schemas.microsoft.com/office/powerpoint/2012/main" showMasterPhAnim="0" showMasterSp="0">
+<p:notes xmlns:a="http://schemas.openxmlformats.org/drawingml/2006/main" xmlns:r="http://schemas.openxmlformats.org/officeDocument/2006/relationships" xmlns:p="http://schemas.openxmlformats.org/presentationml/2006/main" showMasterSp="0" showMasterPhAnim="0">
   <p:cSld>
     <p:spTree>
       <p:nvGrpSpPr>
-        <p:cNvPr id="65" name="Shape 65"/>
+        <p:cNvPr id="1" name="Shape 65"/>
         <p:cNvGrpSpPr/>
         <p:nvPr/>
       </p:nvGrpSpPr>
@@ -1012,20 +1042,26 @@
       <p:sp>
         <p:nvSpPr>
           <p:cNvPr id="66" name="Google Shape;66;g893e595a90_0_95:notes"/>
-          <p:cNvSpPr/>
+          <p:cNvSpPr>
+            <a:spLocks noGrp="1" noRot="1" noChangeAspect="1"/>
+          </p:cNvSpPr>
           <p:nvPr>
-            <p:ph idx="2" type="sldImg"/>
+            <p:ph type="sldImg" idx="2"/>
           </p:nvPr>
         </p:nvSpPr>
         <p:spPr>
           <a:xfrm>
-            <a:off x="381300" y="685800"/>
+            <a:off x="381000" y="685800"/>
             <a:ext cx="6096000" cy="3429000"/>
           </a:xfrm>
           <a:custGeom>
-            <a:rect b="b" l="l" r="r" t="t"/>
+            <a:avLst/>
+            <a:gdLst/>
+            <a:ahLst/>
+            <a:cxnLst/>
+            <a:rect l="l" t="t" r="r" b="b"/>
             <a:pathLst>
-              <a:path extrusionOk="0" h="120000" w="120000">
+              <a:path w="120000" h="120000" extrusionOk="0">
                 <a:moveTo>
                   <a:pt x="0" y="0"/>
                 </a:moveTo>
@@ -1047,9 +1083,11 @@
       <p:sp>
         <p:nvSpPr>
           <p:cNvPr id="67" name="Google Shape;67;g893e595a90_0_95:notes"/>
-          <p:cNvSpPr txBox="1"/>
+          <p:cNvSpPr txBox="1">
+            <a:spLocks noGrp="1"/>
+          </p:cNvSpPr>
           <p:nvPr>
-            <p:ph idx="1" type="body"/>
+            <p:ph type="body" idx="1"/>
           </p:nvPr>
         </p:nvSpPr>
         <p:spPr>
@@ -1062,12 +1100,12 @@
           </a:prstGeom>
         </p:spPr>
         <p:txBody>
-          <a:bodyPr anchorCtr="0" anchor="t" bIns="91425" lIns="91425" spcFirstLastPara="1" rIns="91425" wrap="square" tIns="91425">
+          <a:bodyPr spcFirstLastPara="1" wrap="square" lIns="91425" tIns="91425" rIns="91425" bIns="91425" anchor="t" anchorCtr="0">
             <a:noAutofit/>
           </a:bodyPr>
           <a:lstStyle/>
           <a:p>
-            <a:pPr indent="0" lvl="0" marL="0" rtl="0" algn="l">
+            <a:pPr marL="0" lvl="0" indent="0" algn="l" rtl="0">
               <a:spcBef>
                 <a:spcPts val="0"/>
               </a:spcBef>
@@ -1076,9 +1114,6 @@
               </a:spcAft>
               <a:buNone/>
             </a:pPr>
-            <a:r>
-              <a:t/>
-            </a:r>
             <a:endParaRPr/>
           </a:p>
         </p:txBody>
@@ -1092,11 +1127,11 @@
 </file>
 
 <file path=ppt/notesSlides/notesSlide4.xml><?xml version="1.0" encoding="utf-8"?>
-<p:notes xmlns:a="http://schemas.openxmlformats.org/drawingml/2006/main" xmlns:r="http://schemas.openxmlformats.org/officeDocument/2006/relationships" xmlns:mc="http://schemas.openxmlformats.org/markup-compatibility/2006" xmlns:mv="urn:schemas-microsoft-com:mac:vml" xmlns:p="http://schemas.openxmlformats.org/presentationml/2006/main" xmlns:c="http://schemas.openxmlformats.org/drawingml/2006/chart" xmlns:dgm="http://schemas.openxmlformats.org/drawingml/2006/diagram" xmlns:o="urn:schemas-microsoft-com:office:office" xmlns:v="urn:schemas-microsoft-com:vml" xmlns:pvml="urn:schemas-microsoft-com:office:powerpoint" xmlns:com="http://schemas.openxmlformats.org/drawingml/2006/compatibility" xmlns:p14="http://schemas.microsoft.com/office/powerpoint/2010/main" xmlns:p15="http://schemas.microsoft.com/office/powerpoint/2012/main" showMasterPhAnim="0" showMasterSp="0">
+<p:notes xmlns:a="http://schemas.openxmlformats.org/drawingml/2006/main" xmlns:r="http://schemas.openxmlformats.org/officeDocument/2006/relationships" xmlns:p="http://schemas.openxmlformats.org/presentationml/2006/main" showMasterSp="0" showMasterPhAnim="0">
   <p:cSld>
     <p:spTree>
       <p:nvGrpSpPr>
-        <p:cNvPr id="72" name="Shape 72"/>
+        <p:cNvPr id="1" name="Shape 72"/>
         <p:cNvGrpSpPr/>
         <p:nvPr/>
       </p:nvGrpSpPr>
@@ -1111,9 +1146,11 @@
       <p:sp>
         <p:nvSpPr>
           <p:cNvPr id="73" name="Google Shape;73;g893e595a90_1_1:notes"/>
-          <p:cNvSpPr/>
+          <p:cNvSpPr>
+            <a:spLocks noGrp="1" noRot="1" noChangeAspect="1"/>
+          </p:cNvSpPr>
           <p:nvPr>
-            <p:ph idx="2" type="sldImg"/>
+            <p:ph type="sldImg" idx="2"/>
           </p:nvPr>
         </p:nvSpPr>
         <p:spPr>
@@ -1122,9 +1159,13 @@
             <a:ext cx="6096000" cy="3429000"/>
           </a:xfrm>
           <a:custGeom>
-            <a:rect b="b" l="l" r="r" t="t"/>
+            <a:avLst/>
+            <a:gdLst/>
+            <a:ahLst/>
+            <a:cxnLst/>
+            <a:rect l="l" t="t" r="r" b="b"/>
             <a:pathLst>
-              <a:path extrusionOk="0" h="120000" w="120000">
+              <a:path w="120000" h="120000" extrusionOk="0">
                 <a:moveTo>
                   <a:pt x="0" y="0"/>
                 </a:moveTo>
@@ -1146,9 +1187,11 @@
       <p:sp>
         <p:nvSpPr>
           <p:cNvPr id="74" name="Google Shape;74;g893e595a90_1_1:notes"/>
-          <p:cNvSpPr txBox="1"/>
+          <p:cNvSpPr txBox="1">
+            <a:spLocks noGrp="1"/>
+          </p:cNvSpPr>
           <p:nvPr>
-            <p:ph idx="1" type="body"/>
+            <p:ph type="body" idx="1"/>
           </p:nvPr>
         </p:nvSpPr>
         <p:spPr>
@@ -1161,12 +1204,12 @@
           </a:prstGeom>
         </p:spPr>
         <p:txBody>
-          <a:bodyPr anchorCtr="0" anchor="t" bIns="91425" lIns="91425" spcFirstLastPara="1" rIns="91425" wrap="square" tIns="91425">
+          <a:bodyPr spcFirstLastPara="1" wrap="square" lIns="91425" tIns="91425" rIns="91425" bIns="91425" anchor="t" anchorCtr="0">
             <a:noAutofit/>
           </a:bodyPr>
           <a:lstStyle/>
           <a:p>
-            <a:pPr indent="0" lvl="0" marL="0" rtl="0" algn="l">
+            <a:pPr marL="0" lvl="0" indent="0" algn="l" rtl="0">
               <a:spcBef>
                 <a:spcPts val="0"/>
               </a:spcBef>
@@ -1175,9 +1218,6 @@
               </a:spcAft>
               <a:buNone/>
             </a:pPr>
-            <a:r>
-              <a:t/>
-            </a:r>
             <a:endParaRPr/>
           </a:p>
         </p:txBody>
@@ -1191,11 +1231,11 @@
 </file>
 
 <file path=ppt/notesSlides/notesSlide5.xml><?xml version="1.0" encoding="utf-8"?>
-<p:notes xmlns:a="http://schemas.openxmlformats.org/drawingml/2006/main" xmlns:r="http://schemas.openxmlformats.org/officeDocument/2006/relationships" xmlns:mc="http://schemas.openxmlformats.org/markup-compatibility/2006" xmlns:mv="urn:schemas-microsoft-com:mac:vml" xmlns:p="http://schemas.openxmlformats.org/presentationml/2006/main" xmlns:c="http://schemas.openxmlformats.org/drawingml/2006/chart" xmlns:dgm="http://schemas.openxmlformats.org/drawingml/2006/diagram" xmlns:o="urn:schemas-microsoft-com:office:office" xmlns:v="urn:schemas-microsoft-com:vml" xmlns:pvml="urn:schemas-microsoft-com:office:powerpoint" xmlns:com="http://schemas.openxmlformats.org/drawingml/2006/compatibility" xmlns:p14="http://schemas.microsoft.com/office/powerpoint/2010/main" xmlns:p15="http://schemas.microsoft.com/office/powerpoint/2012/main" showMasterPhAnim="0" showMasterSp="0">
+<p:notes xmlns:a="http://schemas.openxmlformats.org/drawingml/2006/main" xmlns:r="http://schemas.openxmlformats.org/officeDocument/2006/relationships" xmlns:p="http://schemas.openxmlformats.org/presentationml/2006/main" showMasterSp="0" showMasterPhAnim="0">
   <p:cSld>
     <p:spTree>
       <p:nvGrpSpPr>
-        <p:cNvPr id="83" name="Shape 83"/>
+        <p:cNvPr id="1" name="Shape 83"/>
         <p:cNvGrpSpPr/>
         <p:nvPr/>
       </p:nvGrpSpPr>
@@ -1210,9 +1250,11 @@
       <p:sp>
         <p:nvSpPr>
           <p:cNvPr id="84" name="Google Shape;84;g893e595a90_1_25:notes"/>
-          <p:cNvSpPr/>
+          <p:cNvSpPr>
+            <a:spLocks noGrp="1" noRot="1" noChangeAspect="1"/>
+          </p:cNvSpPr>
           <p:nvPr>
-            <p:ph idx="2" type="sldImg"/>
+            <p:ph type="sldImg" idx="2"/>
           </p:nvPr>
         </p:nvSpPr>
         <p:spPr>
@@ -1221,9 +1263,13 @@
             <a:ext cx="6096000" cy="3429000"/>
           </a:xfrm>
           <a:custGeom>
-            <a:rect b="b" l="l" r="r" t="t"/>
+            <a:avLst/>
+            <a:gdLst/>
+            <a:ahLst/>
+            <a:cxnLst/>
+            <a:rect l="l" t="t" r="r" b="b"/>
             <a:pathLst>
-              <a:path extrusionOk="0" h="120000" w="120000">
+              <a:path w="120000" h="120000" extrusionOk="0">
                 <a:moveTo>
                   <a:pt x="0" y="0"/>
                 </a:moveTo>
@@ -1245,9 +1291,11 @@
       <p:sp>
         <p:nvSpPr>
           <p:cNvPr id="85" name="Google Shape;85;g893e595a90_1_25:notes"/>
-          <p:cNvSpPr txBox="1"/>
+          <p:cNvSpPr txBox="1">
+            <a:spLocks noGrp="1"/>
+          </p:cNvSpPr>
           <p:nvPr>
-            <p:ph idx="1" type="body"/>
+            <p:ph type="body" idx="1"/>
           </p:nvPr>
         </p:nvSpPr>
         <p:spPr>
@@ -1260,12 +1308,12 @@
           </a:prstGeom>
         </p:spPr>
         <p:txBody>
-          <a:bodyPr anchorCtr="0" anchor="t" bIns="91425" lIns="91425" spcFirstLastPara="1" rIns="91425" wrap="square" tIns="91425">
+          <a:bodyPr spcFirstLastPara="1" wrap="square" lIns="91425" tIns="91425" rIns="91425" bIns="91425" anchor="t" anchorCtr="0">
             <a:noAutofit/>
           </a:bodyPr>
           <a:lstStyle/>
           <a:p>
-            <a:pPr indent="0" lvl="0" marL="0" rtl="0" algn="l">
+            <a:pPr marL="0" lvl="0" indent="0" algn="l" rtl="0">
               <a:spcBef>
                 <a:spcPts val="0"/>
               </a:spcBef>
@@ -1274,9 +1322,6 @@
               </a:spcAft>
               <a:buNone/>
             </a:pPr>
-            <a:r>
-              <a:t/>
-            </a:r>
             <a:endParaRPr/>
           </a:p>
         </p:txBody>
@@ -1290,11 +1335,11 @@
 </file>
 
 <file path=ppt/notesSlides/notesSlide6.xml><?xml version="1.0" encoding="utf-8"?>
-<p:notes xmlns:a="http://schemas.openxmlformats.org/drawingml/2006/main" xmlns:r="http://schemas.openxmlformats.org/officeDocument/2006/relationships" xmlns:mc="http://schemas.openxmlformats.org/markup-compatibility/2006" xmlns:mv="urn:schemas-microsoft-com:mac:vml" xmlns:p="http://schemas.openxmlformats.org/presentationml/2006/main" xmlns:c="http://schemas.openxmlformats.org/drawingml/2006/chart" xmlns:dgm="http://schemas.openxmlformats.org/drawingml/2006/diagram" xmlns:o="urn:schemas-microsoft-com:office:office" xmlns:v="urn:schemas-microsoft-com:vml" xmlns:pvml="urn:schemas-microsoft-com:office:powerpoint" xmlns:com="http://schemas.openxmlformats.org/drawingml/2006/compatibility" xmlns:p14="http://schemas.microsoft.com/office/powerpoint/2010/main" xmlns:p15="http://schemas.microsoft.com/office/powerpoint/2012/main" showMasterPhAnim="0" showMasterSp="0">
+<p:notes xmlns:a="http://schemas.openxmlformats.org/drawingml/2006/main" xmlns:r="http://schemas.openxmlformats.org/officeDocument/2006/relationships" xmlns:p="http://schemas.openxmlformats.org/presentationml/2006/main" showMasterSp="0" showMasterPhAnim="0">
   <p:cSld>
     <p:spTree>
       <p:nvGrpSpPr>
-        <p:cNvPr id="92" name="Shape 92"/>
+        <p:cNvPr id="1" name="Shape 92"/>
         <p:cNvGrpSpPr/>
         <p:nvPr/>
       </p:nvGrpSpPr>
@@ -1309,9 +1354,11 @@
       <p:sp>
         <p:nvSpPr>
           <p:cNvPr id="93" name="Google Shape;93;g893e595a90_0_105:notes"/>
-          <p:cNvSpPr/>
+          <p:cNvSpPr>
+            <a:spLocks noGrp="1" noRot="1" noChangeAspect="1"/>
+          </p:cNvSpPr>
           <p:nvPr>
-            <p:ph idx="2" type="sldImg"/>
+            <p:ph type="sldImg" idx="2"/>
           </p:nvPr>
         </p:nvSpPr>
         <p:spPr>
@@ -1320,9 +1367,13 @@
             <a:ext cx="6096000" cy="3429000"/>
           </a:xfrm>
           <a:custGeom>
-            <a:rect b="b" l="l" r="r" t="t"/>
+            <a:avLst/>
+            <a:gdLst/>
+            <a:ahLst/>
+            <a:cxnLst/>
+            <a:rect l="l" t="t" r="r" b="b"/>
             <a:pathLst>
-              <a:path extrusionOk="0" h="120000" w="120000">
+              <a:path w="120000" h="120000" extrusionOk="0">
                 <a:moveTo>
                   <a:pt x="0" y="0"/>
                 </a:moveTo>
@@ -1344,9 +1395,11 @@
       <p:sp>
         <p:nvSpPr>
           <p:cNvPr id="94" name="Google Shape;94;g893e595a90_0_105:notes"/>
-          <p:cNvSpPr txBox="1"/>
+          <p:cNvSpPr txBox="1">
+            <a:spLocks noGrp="1"/>
+          </p:cNvSpPr>
           <p:nvPr>
-            <p:ph idx="1" type="body"/>
+            <p:ph type="body" idx="1"/>
           </p:nvPr>
         </p:nvSpPr>
         <p:spPr>
@@ -1359,12 +1412,12 @@
           </a:prstGeom>
         </p:spPr>
         <p:txBody>
-          <a:bodyPr anchorCtr="0" anchor="t" bIns="91425" lIns="91425" spcFirstLastPara="1" rIns="91425" wrap="square" tIns="91425">
+          <a:bodyPr spcFirstLastPara="1" wrap="square" lIns="91425" tIns="91425" rIns="91425" bIns="91425" anchor="t" anchorCtr="0">
             <a:noAutofit/>
           </a:bodyPr>
           <a:lstStyle/>
           <a:p>
-            <a:pPr indent="0" lvl="0" marL="0" rtl="0" algn="l">
+            <a:pPr marL="0" lvl="0" indent="0" algn="l" rtl="0">
               <a:spcBef>
                 <a:spcPts val="0"/>
               </a:spcBef>
@@ -1373,9 +1426,6 @@
               </a:spcAft>
               <a:buNone/>
             </a:pPr>
-            <a:r>
-              <a:t/>
-            </a:r>
             <a:endParaRPr/>
           </a:p>
         </p:txBody>
@@ -1389,11 +1439,11 @@
 </file>
 
 <file path=ppt/notesSlides/notesSlide7.xml><?xml version="1.0" encoding="utf-8"?>
-<p:notes xmlns:a="http://schemas.openxmlformats.org/drawingml/2006/main" xmlns:r="http://schemas.openxmlformats.org/officeDocument/2006/relationships" xmlns:mc="http://schemas.openxmlformats.org/markup-compatibility/2006" xmlns:mv="urn:schemas-microsoft-com:mac:vml" xmlns:p="http://schemas.openxmlformats.org/presentationml/2006/main" xmlns:c="http://schemas.openxmlformats.org/drawingml/2006/chart" xmlns:dgm="http://schemas.openxmlformats.org/drawingml/2006/diagram" xmlns:o="urn:schemas-microsoft-com:office:office" xmlns:v="urn:schemas-microsoft-com:vml" xmlns:pvml="urn:schemas-microsoft-com:office:powerpoint" xmlns:com="http://schemas.openxmlformats.org/drawingml/2006/compatibility" xmlns:p14="http://schemas.microsoft.com/office/powerpoint/2010/main" xmlns:p15="http://schemas.microsoft.com/office/powerpoint/2012/main" showMasterPhAnim="0" showMasterSp="0">
+<p:notes xmlns:a="http://schemas.openxmlformats.org/drawingml/2006/main" xmlns:r="http://schemas.openxmlformats.org/officeDocument/2006/relationships" xmlns:p="http://schemas.openxmlformats.org/presentationml/2006/main" showMasterSp="0" showMasterPhAnim="0">
   <p:cSld>
     <p:spTree>
       <p:nvGrpSpPr>
-        <p:cNvPr id="99" name="Shape 99"/>
+        <p:cNvPr id="1" name="Shape 99"/>
         <p:cNvGrpSpPr/>
         <p:nvPr/>
       </p:nvGrpSpPr>
@@ -1408,9 +1458,11 @@
       <p:sp>
         <p:nvSpPr>
           <p:cNvPr id="100" name="Google Shape;100;g893e595a90_0_117:notes"/>
-          <p:cNvSpPr/>
+          <p:cNvSpPr>
+            <a:spLocks noGrp="1" noRot="1" noChangeAspect="1"/>
+          </p:cNvSpPr>
           <p:nvPr>
-            <p:ph idx="2" type="sldImg"/>
+            <p:ph type="sldImg" idx="2"/>
           </p:nvPr>
         </p:nvSpPr>
         <p:spPr>
@@ -1419,9 +1471,13 @@
             <a:ext cx="6096000" cy="3429000"/>
           </a:xfrm>
           <a:custGeom>
-            <a:rect b="b" l="l" r="r" t="t"/>
+            <a:avLst/>
+            <a:gdLst/>
+            <a:ahLst/>
+            <a:cxnLst/>
+            <a:rect l="l" t="t" r="r" b="b"/>
             <a:pathLst>
-              <a:path extrusionOk="0" h="120000" w="120000">
+              <a:path w="120000" h="120000" extrusionOk="0">
                 <a:moveTo>
                   <a:pt x="0" y="0"/>
                 </a:moveTo>
@@ -1443,9 +1499,11 @@
       <p:sp>
         <p:nvSpPr>
           <p:cNvPr id="101" name="Google Shape;101;g893e595a90_0_117:notes"/>
-          <p:cNvSpPr txBox="1"/>
+          <p:cNvSpPr txBox="1">
+            <a:spLocks noGrp="1"/>
+          </p:cNvSpPr>
           <p:nvPr>
-            <p:ph idx="1" type="body"/>
+            <p:ph type="body" idx="1"/>
           </p:nvPr>
         </p:nvSpPr>
         <p:spPr>
@@ -1458,12 +1516,12 @@
           </a:prstGeom>
         </p:spPr>
         <p:txBody>
-          <a:bodyPr anchorCtr="0" anchor="t" bIns="91425" lIns="91425" spcFirstLastPara="1" rIns="91425" wrap="square" tIns="91425">
+          <a:bodyPr spcFirstLastPara="1" wrap="square" lIns="91425" tIns="91425" rIns="91425" bIns="91425" anchor="t" anchorCtr="0">
             <a:noAutofit/>
           </a:bodyPr>
           <a:lstStyle/>
           <a:p>
-            <a:pPr indent="0" lvl="0" marL="0" rtl="0" algn="l">
+            <a:pPr marL="0" lvl="0" indent="0" algn="l" rtl="0">
               <a:spcBef>
                 <a:spcPts val="0"/>
               </a:spcBef>
@@ -1472,9 +1530,6 @@
               </a:spcAft>
               <a:buNone/>
             </a:pPr>
-            <a:r>
-              <a:t/>
-            </a:r>
             <a:endParaRPr/>
           </a:p>
         </p:txBody>
@@ -1488,11 +1543,11 @@
 </file>
 
 <file path=ppt/notesSlides/notesSlide8.xml><?xml version="1.0" encoding="utf-8"?>
-<p:notes xmlns:a="http://schemas.openxmlformats.org/drawingml/2006/main" xmlns:r="http://schemas.openxmlformats.org/officeDocument/2006/relationships" xmlns:mc="http://schemas.openxmlformats.org/markup-compatibility/2006" xmlns:mv="urn:schemas-microsoft-com:mac:vml" xmlns:p="http://schemas.openxmlformats.org/presentationml/2006/main" xmlns:c="http://schemas.openxmlformats.org/drawingml/2006/chart" xmlns:dgm="http://schemas.openxmlformats.org/drawingml/2006/diagram" xmlns:o="urn:schemas-microsoft-com:office:office" xmlns:v="urn:schemas-microsoft-com:vml" xmlns:pvml="urn:schemas-microsoft-com:office:powerpoint" xmlns:com="http://schemas.openxmlformats.org/drawingml/2006/compatibility" xmlns:p14="http://schemas.microsoft.com/office/powerpoint/2010/main" xmlns:p15="http://schemas.microsoft.com/office/powerpoint/2012/main" showMasterPhAnim="0" showMasterSp="0">
+<p:notes xmlns:a="http://schemas.openxmlformats.org/drawingml/2006/main" xmlns:r="http://schemas.openxmlformats.org/officeDocument/2006/relationships" xmlns:p="http://schemas.openxmlformats.org/presentationml/2006/main" showMasterSp="0" showMasterPhAnim="0">
   <p:cSld>
     <p:spTree>
       <p:nvGrpSpPr>
-        <p:cNvPr id="112" name="Shape 112"/>
+        <p:cNvPr id="1" name="Shape 112"/>
         <p:cNvGrpSpPr/>
         <p:nvPr/>
       </p:nvGrpSpPr>
@@ -1507,9 +1562,11 @@
       <p:sp>
         <p:nvSpPr>
           <p:cNvPr id="113" name="Google Shape;113;g893e595a90_0_110:notes"/>
-          <p:cNvSpPr/>
+          <p:cNvSpPr>
+            <a:spLocks noGrp="1" noRot="1" noChangeAspect="1"/>
+          </p:cNvSpPr>
           <p:nvPr>
-            <p:ph idx="2" type="sldImg"/>
+            <p:ph type="sldImg" idx="2"/>
           </p:nvPr>
         </p:nvSpPr>
         <p:spPr>
@@ -1518,9 +1575,13 @@
             <a:ext cx="6096000" cy="3429000"/>
           </a:xfrm>
           <a:custGeom>
-            <a:rect b="b" l="l" r="r" t="t"/>
+            <a:avLst/>
+            <a:gdLst/>
+            <a:ahLst/>
+            <a:cxnLst/>
+            <a:rect l="l" t="t" r="r" b="b"/>
             <a:pathLst>
-              <a:path extrusionOk="0" h="120000" w="120000">
+              <a:path w="120000" h="120000" extrusionOk="0">
                 <a:moveTo>
                   <a:pt x="0" y="0"/>
                 </a:moveTo>
@@ -1542,9 +1603,11 @@
       <p:sp>
         <p:nvSpPr>
           <p:cNvPr id="114" name="Google Shape;114;g893e595a90_0_110:notes"/>
-          <p:cNvSpPr txBox="1"/>
+          <p:cNvSpPr txBox="1">
+            <a:spLocks noGrp="1"/>
+          </p:cNvSpPr>
           <p:nvPr>
-            <p:ph idx="1" type="body"/>
+            <p:ph type="body" idx="1"/>
           </p:nvPr>
         </p:nvSpPr>
         <p:spPr>
@@ -1557,12 +1620,12 @@
           </a:prstGeom>
         </p:spPr>
         <p:txBody>
-          <a:bodyPr anchorCtr="0" anchor="t" bIns="91425" lIns="91425" spcFirstLastPara="1" rIns="91425" wrap="square" tIns="91425">
+          <a:bodyPr spcFirstLastPara="1" wrap="square" lIns="91425" tIns="91425" rIns="91425" bIns="91425" anchor="t" anchorCtr="0">
             <a:noAutofit/>
           </a:bodyPr>
           <a:lstStyle/>
           <a:p>
-            <a:pPr indent="0" lvl="0" marL="0" rtl="0" algn="l">
+            <a:pPr marL="0" lvl="0" indent="0" algn="l" rtl="0">
               <a:spcBef>
                 <a:spcPts val="0"/>
               </a:spcBef>
@@ -1571,9 +1634,6 @@
               </a:spcAft>
               <a:buNone/>
             </a:pPr>
-            <a:r>
-              <a:t/>
-            </a:r>
             <a:endParaRPr/>
           </a:p>
         </p:txBody>
@@ -1587,11 +1647,11 @@
 </file>
 
 <file path=ppt/notesSlides/notesSlide9.xml><?xml version="1.0" encoding="utf-8"?>
-<p:notes xmlns:a="http://schemas.openxmlformats.org/drawingml/2006/main" xmlns:r="http://schemas.openxmlformats.org/officeDocument/2006/relationships" xmlns:mc="http://schemas.openxmlformats.org/markup-compatibility/2006" xmlns:mv="urn:schemas-microsoft-com:mac:vml" xmlns:p="http://schemas.openxmlformats.org/presentationml/2006/main" xmlns:c="http://schemas.openxmlformats.org/drawingml/2006/chart" xmlns:dgm="http://schemas.openxmlformats.org/drawingml/2006/diagram" xmlns:o="urn:schemas-microsoft-com:office:office" xmlns:v="urn:schemas-microsoft-com:vml" xmlns:pvml="urn:schemas-microsoft-com:office:powerpoint" xmlns:com="http://schemas.openxmlformats.org/drawingml/2006/compatibility" xmlns:p14="http://schemas.microsoft.com/office/powerpoint/2010/main" xmlns:p15="http://schemas.microsoft.com/office/powerpoint/2012/main" showMasterPhAnim="0" showMasterSp="0">
+<p:notes xmlns:a="http://schemas.openxmlformats.org/drawingml/2006/main" xmlns:r="http://schemas.openxmlformats.org/officeDocument/2006/relationships" xmlns:p="http://schemas.openxmlformats.org/presentationml/2006/main" showMasterSp="0" showMasterPhAnim="0">
   <p:cSld>
     <p:spTree>
       <p:nvGrpSpPr>
-        <p:cNvPr id="123" name="Shape 123"/>
+        <p:cNvPr id="1" name="Shape 123"/>
         <p:cNvGrpSpPr/>
         <p:nvPr/>
       </p:nvGrpSpPr>
@@ -1606,20 +1666,26 @@
       <p:sp>
         <p:nvSpPr>
           <p:cNvPr id="124" name="Google Shape;124;g893e595a90_0_153:notes"/>
-          <p:cNvSpPr/>
+          <p:cNvSpPr>
+            <a:spLocks noGrp="1" noRot="1" noChangeAspect="1"/>
+          </p:cNvSpPr>
           <p:nvPr>
-            <p:ph idx="2" type="sldImg"/>
+            <p:ph type="sldImg" idx="2"/>
           </p:nvPr>
         </p:nvSpPr>
         <p:spPr>
           <a:xfrm>
-            <a:off x="381300" y="685800"/>
+            <a:off x="381000" y="685800"/>
             <a:ext cx="6096000" cy="3429000"/>
           </a:xfrm>
           <a:custGeom>
-            <a:rect b="b" l="l" r="r" t="t"/>
+            <a:avLst/>
+            <a:gdLst/>
+            <a:ahLst/>
+            <a:cxnLst/>
+            <a:rect l="l" t="t" r="r" b="b"/>
             <a:pathLst>
-              <a:path extrusionOk="0" h="120000" w="120000">
+              <a:path w="120000" h="120000" extrusionOk="0">
                 <a:moveTo>
                   <a:pt x="0" y="0"/>
                 </a:moveTo>
@@ -1641,9 +1707,11 @@
       <p:sp>
         <p:nvSpPr>
           <p:cNvPr id="125" name="Google Shape;125;g893e595a90_0_153:notes"/>
-          <p:cNvSpPr txBox="1"/>
+          <p:cNvSpPr txBox="1">
+            <a:spLocks noGrp="1"/>
+          </p:cNvSpPr>
           <p:nvPr>
-            <p:ph idx="1" type="body"/>
+            <p:ph type="body" idx="1"/>
           </p:nvPr>
         </p:nvSpPr>
         <p:spPr>
@@ -1656,12 +1724,12 @@
           </a:prstGeom>
         </p:spPr>
         <p:txBody>
-          <a:bodyPr anchorCtr="0" anchor="t" bIns="91425" lIns="91425" spcFirstLastPara="1" rIns="91425" wrap="square" tIns="91425">
+          <a:bodyPr spcFirstLastPara="1" wrap="square" lIns="91425" tIns="91425" rIns="91425" bIns="91425" anchor="t" anchorCtr="0">
             <a:noAutofit/>
           </a:bodyPr>
           <a:lstStyle/>
           <a:p>
-            <a:pPr indent="0" lvl="0" marL="0" rtl="0" algn="l">
+            <a:pPr marL="0" lvl="0" indent="0" algn="l" rtl="0">
               <a:spcBef>
                 <a:spcPts val="0"/>
               </a:spcBef>
@@ -1670,9 +1738,6 @@
               </a:spcAft>
               <a:buNone/>
             </a:pPr>
-            <a:r>
-              <a:t/>
-            </a:r>
             <a:endParaRPr/>
           </a:p>
         </p:txBody>
@@ -1686,11 +1751,11 @@
 </file>
 
 <file path=ppt/slideLayouts/slideLayout1.xml><?xml version="1.0" encoding="utf-8"?>
-<p:sldLayout xmlns:a="http://schemas.openxmlformats.org/drawingml/2006/main" xmlns:r="http://schemas.openxmlformats.org/officeDocument/2006/relationships" xmlns:mc="http://schemas.openxmlformats.org/markup-compatibility/2006" xmlns:mv="urn:schemas-microsoft-com:mac:vml" xmlns:p="http://schemas.openxmlformats.org/presentationml/2006/main" xmlns:c="http://schemas.openxmlformats.org/drawingml/2006/chart" xmlns:dgm="http://schemas.openxmlformats.org/drawingml/2006/diagram" xmlns:o="urn:schemas-microsoft-com:office:office" xmlns:v="urn:schemas-microsoft-com:vml" xmlns:pvml="urn:schemas-microsoft-com:office:powerpoint" xmlns:com="http://schemas.openxmlformats.org/drawingml/2006/compatibility" xmlns:p14="http://schemas.microsoft.com/office/powerpoint/2010/main" xmlns:p15="http://schemas.microsoft.com/office/powerpoint/2012/main" matchingName="Title slide" type="title">
+<p:sldLayout xmlns:a="http://schemas.openxmlformats.org/drawingml/2006/main" xmlns:r="http://schemas.openxmlformats.org/officeDocument/2006/relationships" xmlns:p="http://schemas.openxmlformats.org/presentationml/2006/main" matchingName="Title slide" type="title">
   <p:cSld name="TITLE">
     <p:spTree>
       <p:nvGrpSpPr>
-        <p:cNvPr id="9" name="Shape 9"/>
+        <p:cNvPr id="1" name="Shape 9"/>
         <p:cNvGrpSpPr/>
         <p:nvPr/>
       </p:nvGrpSpPr>
@@ -1705,7 +1770,9 @@
       <p:sp>
         <p:nvSpPr>
           <p:cNvPr id="10" name="Google Shape;10;p2"/>
-          <p:cNvSpPr txBox="1"/>
+          <p:cNvSpPr txBox="1">
+            <a:spLocks noGrp="1"/>
+          </p:cNvSpPr>
           <p:nvPr>
             <p:ph type="ctrTitle"/>
           </p:nvPr>
@@ -1720,11 +1787,11 @@
           </a:prstGeom>
         </p:spPr>
         <p:txBody>
-          <a:bodyPr anchorCtr="0" anchor="b" bIns="91425" lIns="91425" spcFirstLastPara="1" rIns="91425" wrap="square" tIns="91425">
+          <a:bodyPr spcFirstLastPara="1" wrap="square" lIns="91425" tIns="91425" rIns="91425" bIns="91425" anchor="b" anchorCtr="0">
             <a:noAutofit/>
           </a:bodyPr>
           <a:lstStyle>
-            <a:lvl1pPr lvl="0" rtl="0" algn="ctr">
+            <a:lvl1pPr lvl="0" algn="ctr" rtl="0">
               <a:spcBef>
                 <a:spcPts val="0"/>
               </a:spcBef>
@@ -1735,7 +1802,7 @@
               <a:buNone/>
               <a:defRPr sz="5200"/>
             </a:lvl1pPr>
-            <a:lvl2pPr lvl="1" rtl="0" algn="ctr">
+            <a:lvl2pPr lvl="1" algn="ctr" rtl="0">
               <a:spcBef>
                 <a:spcPts val="0"/>
               </a:spcBef>
@@ -1746,7 +1813,7 @@
               <a:buNone/>
               <a:defRPr sz="5200"/>
             </a:lvl2pPr>
-            <a:lvl3pPr lvl="2" rtl="0" algn="ctr">
+            <a:lvl3pPr lvl="2" algn="ctr" rtl="0">
               <a:spcBef>
                 <a:spcPts val="0"/>
               </a:spcBef>
@@ -1757,7 +1824,7 @@
               <a:buNone/>
               <a:defRPr sz="5200"/>
             </a:lvl3pPr>
-            <a:lvl4pPr lvl="3" rtl="0" algn="ctr">
+            <a:lvl4pPr lvl="3" algn="ctr" rtl="0">
               <a:spcBef>
                 <a:spcPts val="0"/>
               </a:spcBef>
@@ -1768,7 +1835,7 @@
               <a:buNone/>
               <a:defRPr sz="5200"/>
             </a:lvl4pPr>
-            <a:lvl5pPr lvl="4" rtl="0" algn="ctr">
+            <a:lvl5pPr lvl="4" algn="ctr" rtl="0">
               <a:spcBef>
                 <a:spcPts val="0"/>
               </a:spcBef>
@@ -1779,7 +1846,7 @@
               <a:buNone/>
               <a:defRPr sz="5200"/>
             </a:lvl5pPr>
-            <a:lvl6pPr lvl="5" rtl="0" algn="ctr">
+            <a:lvl6pPr lvl="5" algn="ctr" rtl="0">
               <a:spcBef>
                 <a:spcPts val="0"/>
               </a:spcBef>
@@ -1790,7 +1857,7 @@
               <a:buNone/>
               <a:defRPr sz="5200"/>
             </a:lvl6pPr>
-            <a:lvl7pPr lvl="6" rtl="0" algn="ctr">
+            <a:lvl7pPr lvl="6" algn="ctr" rtl="0">
               <a:spcBef>
                 <a:spcPts val="0"/>
               </a:spcBef>
@@ -1801,7 +1868,7 @@
               <a:buNone/>
               <a:defRPr sz="5200"/>
             </a:lvl7pPr>
-            <a:lvl8pPr lvl="7" rtl="0" algn="ctr">
+            <a:lvl8pPr lvl="7" algn="ctr" rtl="0">
               <a:spcBef>
                 <a:spcPts val="0"/>
               </a:spcBef>
@@ -1812,7 +1879,7 @@
               <a:buNone/>
               <a:defRPr sz="5200"/>
             </a:lvl8pPr>
-            <a:lvl9pPr lvl="8" rtl="0" algn="ctr">
+            <a:lvl9pPr lvl="8" algn="ctr" rtl="0">
               <a:spcBef>
                 <a:spcPts val="0"/>
               </a:spcBef>
@@ -1824,15 +1891,19 @@
               <a:defRPr sz="5200"/>
             </a:lvl9pPr>
           </a:lstStyle>
-          <a:p/>
+          <a:p>
+            <a:endParaRPr/>
+          </a:p>
         </p:txBody>
       </p:sp>
       <p:sp>
         <p:nvSpPr>
           <p:cNvPr id="11" name="Google Shape;11;p2"/>
-          <p:cNvSpPr txBox="1"/>
+          <p:cNvSpPr txBox="1">
+            <a:spLocks noGrp="1"/>
+          </p:cNvSpPr>
           <p:nvPr>
-            <p:ph idx="1" type="subTitle"/>
+            <p:ph type="subTitle" idx="1"/>
           </p:nvPr>
         </p:nvSpPr>
         <p:spPr>
@@ -1845,11 +1916,11 @@
           </a:prstGeom>
         </p:spPr>
         <p:txBody>
-          <a:bodyPr anchorCtr="0" anchor="t" bIns="91425" lIns="91425" spcFirstLastPara="1" rIns="91425" wrap="square" tIns="91425">
+          <a:bodyPr spcFirstLastPara="1" wrap="square" lIns="91425" tIns="91425" rIns="91425" bIns="91425" anchor="t" anchorCtr="0">
             <a:noAutofit/>
           </a:bodyPr>
           <a:lstStyle>
-            <a:lvl1pPr lvl="0" rtl="0" algn="ctr">
+            <a:lvl1pPr lvl="0" algn="ctr" rtl="0">
               <a:lnSpc>
                 <a:spcPct val="100000"/>
               </a:lnSpc>
@@ -1863,7 +1934,7 @@
               <a:buNone/>
               <a:defRPr sz="2800"/>
             </a:lvl1pPr>
-            <a:lvl2pPr lvl="1" rtl="0" algn="ctr">
+            <a:lvl2pPr lvl="1" algn="ctr" rtl="0">
               <a:lnSpc>
                 <a:spcPct val="100000"/>
               </a:lnSpc>
@@ -1877,7 +1948,7 @@
               <a:buNone/>
               <a:defRPr sz="2800"/>
             </a:lvl2pPr>
-            <a:lvl3pPr lvl="2" rtl="0" algn="ctr">
+            <a:lvl3pPr lvl="2" algn="ctr" rtl="0">
               <a:lnSpc>
                 <a:spcPct val="100000"/>
               </a:lnSpc>
@@ -1891,7 +1962,7 @@
               <a:buNone/>
               <a:defRPr sz="2800"/>
             </a:lvl3pPr>
-            <a:lvl4pPr lvl="3" rtl="0" algn="ctr">
+            <a:lvl4pPr lvl="3" algn="ctr" rtl="0">
               <a:lnSpc>
                 <a:spcPct val="100000"/>
               </a:lnSpc>
@@ -1905,7 +1976,7 @@
               <a:buNone/>
               <a:defRPr sz="2800"/>
             </a:lvl4pPr>
-            <a:lvl5pPr lvl="4" rtl="0" algn="ctr">
+            <a:lvl5pPr lvl="4" algn="ctr" rtl="0">
               <a:lnSpc>
                 <a:spcPct val="100000"/>
               </a:lnSpc>
@@ -1919,7 +1990,7 @@
               <a:buNone/>
               <a:defRPr sz="2800"/>
             </a:lvl5pPr>
-            <a:lvl6pPr lvl="5" rtl="0" algn="ctr">
+            <a:lvl6pPr lvl="5" algn="ctr" rtl="0">
               <a:lnSpc>
                 <a:spcPct val="100000"/>
               </a:lnSpc>
@@ -1933,7 +2004,7 @@
               <a:buNone/>
               <a:defRPr sz="2800"/>
             </a:lvl6pPr>
-            <a:lvl7pPr lvl="6" rtl="0" algn="ctr">
+            <a:lvl7pPr lvl="6" algn="ctr" rtl="0">
               <a:lnSpc>
                 <a:spcPct val="100000"/>
               </a:lnSpc>
@@ -1947,7 +2018,7 @@
               <a:buNone/>
               <a:defRPr sz="2800"/>
             </a:lvl7pPr>
-            <a:lvl8pPr lvl="7" rtl="0" algn="ctr">
+            <a:lvl8pPr lvl="7" algn="ctr" rtl="0">
               <a:lnSpc>
                 <a:spcPct val="100000"/>
               </a:lnSpc>
@@ -1961,7 +2032,7 @@
               <a:buNone/>
               <a:defRPr sz="2800"/>
             </a:lvl8pPr>
-            <a:lvl9pPr lvl="8" rtl="0" algn="ctr">
+            <a:lvl9pPr lvl="8" algn="ctr" rtl="0">
               <a:lnSpc>
                 <a:spcPct val="100000"/>
               </a:lnSpc>
@@ -1976,15 +2047,19 @@
               <a:defRPr sz="2800"/>
             </a:lvl9pPr>
           </a:lstStyle>
-          <a:p/>
+          <a:p>
+            <a:endParaRPr/>
+          </a:p>
         </p:txBody>
       </p:sp>
       <p:sp>
         <p:nvSpPr>
           <p:cNvPr id="12" name="Google Shape;12;p2"/>
-          <p:cNvSpPr txBox="1"/>
+          <p:cNvSpPr txBox="1">
+            <a:spLocks noGrp="1"/>
+          </p:cNvSpPr>
           <p:nvPr>
-            <p:ph idx="12" type="sldNum"/>
+            <p:ph type="sldNum" idx="12"/>
           </p:nvPr>
         </p:nvSpPr>
         <p:spPr>
@@ -1997,7 +2072,7 @@
           </a:prstGeom>
         </p:spPr>
         <p:txBody>
-          <a:bodyPr anchorCtr="0" anchor="ctr" bIns="91425" lIns="91425" spcFirstLastPara="1" rIns="91425" wrap="square" tIns="91425">
+          <a:bodyPr spcFirstLastPara="1" wrap="square" lIns="91425" tIns="91425" rIns="91425" bIns="91425" anchor="ctr" anchorCtr="0">
             <a:noAutofit/>
           </a:bodyPr>
           <a:lstStyle>
@@ -2039,7 +2114,7 @@
             </a:lvl9pPr>
           </a:lstStyle>
           <a:p>
-            <a:pPr indent="0" lvl="0" marL="0" rtl="0" algn="r">
+            <a:pPr marL="0" lvl="0" indent="0" algn="r" rtl="0">
               <a:spcBef>
                 <a:spcPts val="0"/>
               </a:spcBef>
@@ -2065,11 +2140,11 @@
 </file>
 
 <file path=ppt/slideLayouts/slideLayout10.xml><?xml version="1.0" encoding="utf-8"?>
-<p:sldLayout xmlns:a="http://schemas.openxmlformats.org/drawingml/2006/main" xmlns:r="http://schemas.openxmlformats.org/officeDocument/2006/relationships" xmlns:mc="http://schemas.openxmlformats.org/markup-compatibility/2006" xmlns:mv="urn:schemas-microsoft-com:mac:vml" xmlns:p="http://schemas.openxmlformats.org/presentationml/2006/main" xmlns:c="http://schemas.openxmlformats.org/drawingml/2006/chart" xmlns:dgm="http://schemas.openxmlformats.org/drawingml/2006/diagram" xmlns:o="urn:schemas-microsoft-com:office:office" xmlns:v="urn:schemas-microsoft-com:vml" xmlns:pvml="urn:schemas-microsoft-com:office:powerpoint" xmlns:com="http://schemas.openxmlformats.org/drawingml/2006/compatibility" xmlns:p14="http://schemas.microsoft.com/office/powerpoint/2010/main" xmlns:p15="http://schemas.microsoft.com/office/powerpoint/2012/main" matchingName="Big number">
+<p:sldLayout xmlns:a="http://schemas.openxmlformats.org/drawingml/2006/main" xmlns:r="http://schemas.openxmlformats.org/officeDocument/2006/relationships" xmlns:p="http://schemas.openxmlformats.org/presentationml/2006/main" matchingName="Big number">
   <p:cSld name="BIG_NUMBER">
     <p:spTree>
       <p:nvGrpSpPr>
-        <p:cNvPr id="44" name="Shape 44"/>
+        <p:cNvPr id="1" name="Shape 44"/>
         <p:cNvGrpSpPr/>
         <p:nvPr/>
       </p:nvGrpSpPr>
@@ -2084,9 +2159,11 @@
       <p:sp>
         <p:nvSpPr>
           <p:cNvPr id="45" name="Google Shape;45;p11"/>
-          <p:cNvSpPr txBox="1"/>
+          <p:cNvSpPr txBox="1">
+            <a:spLocks noGrp="1"/>
+          </p:cNvSpPr>
           <p:nvPr>
-            <p:ph hasCustomPrompt="1" type="title"/>
+            <p:ph type="title" hasCustomPrompt="1"/>
           </p:nvPr>
         </p:nvSpPr>
         <p:spPr>
@@ -2099,11 +2176,11 @@
           </a:prstGeom>
         </p:spPr>
         <p:txBody>
-          <a:bodyPr anchorCtr="0" anchor="b" bIns="91425" lIns="91425" spcFirstLastPara="1" rIns="91425" wrap="square" tIns="91425">
+          <a:bodyPr spcFirstLastPara="1" wrap="square" lIns="91425" tIns="91425" rIns="91425" bIns="91425" anchor="b" anchorCtr="0">
             <a:noAutofit/>
           </a:bodyPr>
           <a:lstStyle>
-            <a:lvl1pPr lvl="0" rtl="0" algn="ctr">
+            <a:lvl1pPr lvl="0" algn="ctr" rtl="0">
               <a:spcBef>
                 <a:spcPts val="0"/>
               </a:spcBef>
@@ -2114,7 +2191,7 @@
               <a:buNone/>
               <a:defRPr sz="12000"/>
             </a:lvl1pPr>
-            <a:lvl2pPr lvl="1" rtl="0" algn="ctr">
+            <a:lvl2pPr lvl="1" algn="ctr" rtl="0">
               <a:spcBef>
                 <a:spcPts val="0"/>
               </a:spcBef>
@@ -2125,7 +2202,7 @@
               <a:buNone/>
               <a:defRPr sz="12000"/>
             </a:lvl2pPr>
-            <a:lvl3pPr lvl="2" rtl="0" algn="ctr">
+            <a:lvl3pPr lvl="2" algn="ctr" rtl="0">
               <a:spcBef>
                 <a:spcPts val="0"/>
               </a:spcBef>
@@ -2136,7 +2213,7 @@
               <a:buNone/>
               <a:defRPr sz="12000"/>
             </a:lvl3pPr>
-            <a:lvl4pPr lvl="3" rtl="0" algn="ctr">
+            <a:lvl4pPr lvl="3" algn="ctr" rtl="0">
               <a:spcBef>
                 <a:spcPts val="0"/>
               </a:spcBef>
@@ -2147,7 +2224,7 @@
               <a:buNone/>
               <a:defRPr sz="12000"/>
             </a:lvl4pPr>
-            <a:lvl5pPr lvl="4" rtl="0" algn="ctr">
+            <a:lvl5pPr lvl="4" algn="ctr" rtl="0">
               <a:spcBef>
                 <a:spcPts val="0"/>
               </a:spcBef>
@@ -2158,7 +2235,7 @@
               <a:buNone/>
               <a:defRPr sz="12000"/>
             </a:lvl5pPr>
-            <a:lvl6pPr lvl="5" rtl="0" algn="ctr">
+            <a:lvl6pPr lvl="5" algn="ctr" rtl="0">
               <a:spcBef>
                 <a:spcPts val="0"/>
               </a:spcBef>
@@ -2169,7 +2246,7 @@
               <a:buNone/>
               <a:defRPr sz="12000"/>
             </a:lvl6pPr>
-            <a:lvl7pPr lvl="6" rtl="0" algn="ctr">
+            <a:lvl7pPr lvl="6" algn="ctr" rtl="0">
               <a:spcBef>
                 <a:spcPts val="0"/>
               </a:spcBef>
@@ -2180,7 +2257,7 @@
               <a:buNone/>
               <a:defRPr sz="12000"/>
             </a:lvl7pPr>
-            <a:lvl8pPr lvl="7" rtl="0" algn="ctr">
+            <a:lvl8pPr lvl="7" algn="ctr" rtl="0">
               <a:spcBef>
                 <a:spcPts val="0"/>
               </a:spcBef>
@@ -2191,7 +2268,7 @@
               <a:buNone/>
               <a:defRPr sz="12000"/>
             </a:lvl8pPr>
-            <a:lvl9pPr lvl="8" rtl="0" algn="ctr">
+            <a:lvl9pPr lvl="8" algn="ctr" rtl="0">
               <a:spcBef>
                 <a:spcPts val="0"/>
               </a:spcBef>
@@ -2213,9 +2290,11 @@
       <p:sp>
         <p:nvSpPr>
           <p:cNvPr id="46" name="Google Shape;46;p11"/>
-          <p:cNvSpPr txBox="1"/>
+          <p:cNvSpPr txBox="1">
+            <a:spLocks noGrp="1"/>
+          </p:cNvSpPr>
           <p:nvPr>
-            <p:ph idx="1" type="body"/>
+            <p:ph type="body" idx="1"/>
           </p:nvPr>
         </p:nvSpPr>
         <p:spPr>
@@ -2228,11 +2307,11 @@
           </a:prstGeom>
         </p:spPr>
         <p:txBody>
-          <a:bodyPr anchorCtr="0" anchor="t" bIns="91425" lIns="91425" spcFirstLastPara="1" rIns="91425" wrap="square" tIns="91425">
+          <a:bodyPr spcFirstLastPara="1" wrap="square" lIns="91425" tIns="91425" rIns="91425" bIns="91425" anchor="t" anchorCtr="0">
             <a:noAutofit/>
           </a:bodyPr>
           <a:lstStyle>
-            <a:lvl1pPr indent="-342900" lvl="0" marL="457200" rtl="0" algn="ctr">
+            <a:lvl1pPr marL="457200" lvl="0" indent="-342900" algn="ctr" rtl="0">
               <a:spcBef>
                 <a:spcPts val="0"/>
               </a:spcBef>
@@ -2243,7 +2322,7 @@
               <a:buChar char="●"/>
               <a:defRPr/>
             </a:lvl1pPr>
-            <a:lvl2pPr indent="-317500" lvl="1" marL="914400" rtl="0" algn="ctr">
+            <a:lvl2pPr marL="914400" lvl="1" indent="-317500" algn="ctr" rtl="0">
               <a:spcBef>
                 <a:spcPts val="1600"/>
               </a:spcBef>
@@ -2254,7 +2333,7 @@
               <a:buChar char="○"/>
               <a:defRPr/>
             </a:lvl2pPr>
-            <a:lvl3pPr indent="-317500" lvl="2" marL="1371600" rtl="0" algn="ctr">
+            <a:lvl3pPr marL="1371600" lvl="2" indent="-317500" algn="ctr" rtl="0">
               <a:spcBef>
                 <a:spcPts val="1600"/>
               </a:spcBef>
@@ -2265,7 +2344,7 @@
               <a:buChar char="■"/>
               <a:defRPr/>
             </a:lvl3pPr>
-            <a:lvl4pPr indent="-317500" lvl="3" marL="1828800" rtl="0" algn="ctr">
+            <a:lvl4pPr marL="1828800" lvl="3" indent="-317500" algn="ctr" rtl="0">
               <a:spcBef>
                 <a:spcPts val="1600"/>
               </a:spcBef>
@@ -2276,7 +2355,7 @@
               <a:buChar char="●"/>
               <a:defRPr/>
             </a:lvl4pPr>
-            <a:lvl5pPr indent="-317500" lvl="4" marL="2286000" rtl="0" algn="ctr">
+            <a:lvl5pPr marL="2286000" lvl="4" indent="-317500" algn="ctr" rtl="0">
               <a:spcBef>
                 <a:spcPts val="1600"/>
               </a:spcBef>
@@ -2287,7 +2366,7 @@
               <a:buChar char="○"/>
               <a:defRPr/>
             </a:lvl5pPr>
-            <a:lvl6pPr indent="-317500" lvl="5" marL="2743200" rtl="0" algn="ctr">
+            <a:lvl6pPr marL="2743200" lvl="5" indent="-317500" algn="ctr" rtl="0">
               <a:spcBef>
                 <a:spcPts val="1600"/>
               </a:spcBef>
@@ -2298,7 +2377,7 @@
               <a:buChar char="■"/>
               <a:defRPr/>
             </a:lvl6pPr>
-            <a:lvl7pPr indent="-317500" lvl="6" marL="3200400" rtl="0" algn="ctr">
+            <a:lvl7pPr marL="3200400" lvl="6" indent="-317500" algn="ctr" rtl="0">
               <a:spcBef>
                 <a:spcPts val="1600"/>
               </a:spcBef>
@@ -2309,7 +2388,7 @@
               <a:buChar char="●"/>
               <a:defRPr/>
             </a:lvl7pPr>
-            <a:lvl8pPr indent="-317500" lvl="7" marL="3657600" rtl="0" algn="ctr">
+            <a:lvl8pPr marL="3657600" lvl="7" indent="-317500" algn="ctr" rtl="0">
               <a:spcBef>
                 <a:spcPts val="1600"/>
               </a:spcBef>
@@ -2320,7 +2399,7 @@
               <a:buChar char="○"/>
               <a:defRPr/>
             </a:lvl8pPr>
-            <a:lvl9pPr indent="-317500" lvl="8" marL="4114800" rtl="0" algn="ctr">
+            <a:lvl9pPr marL="4114800" lvl="8" indent="-317500" algn="ctr" rtl="0">
               <a:spcBef>
                 <a:spcPts val="1600"/>
               </a:spcBef>
@@ -2332,15 +2411,19 @@
               <a:defRPr/>
             </a:lvl9pPr>
           </a:lstStyle>
-          <a:p/>
+          <a:p>
+            <a:endParaRPr/>
+          </a:p>
         </p:txBody>
       </p:sp>
       <p:sp>
         <p:nvSpPr>
           <p:cNvPr id="47" name="Google Shape;47;p11"/>
-          <p:cNvSpPr txBox="1"/>
+          <p:cNvSpPr txBox="1">
+            <a:spLocks noGrp="1"/>
+          </p:cNvSpPr>
           <p:nvPr>
-            <p:ph idx="12" type="sldNum"/>
+            <p:ph type="sldNum" idx="12"/>
           </p:nvPr>
         </p:nvSpPr>
         <p:spPr>
@@ -2353,7 +2436,7 @@
           </a:prstGeom>
         </p:spPr>
         <p:txBody>
-          <a:bodyPr anchorCtr="0" anchor="ctr" bIns="91425" lIns="91425" spcFirstLastPara="1" rIns="91425" wrap="square" tIns="91425">
+          <a:bodyPr spcFirstLastPara="1" wrap="square" lIns="91425" tIns="91425" rIns="91425" bIns="91425" anchor="ctr" anchorCtr="0">
             <a:noAutofit/>
           </a:bodyPr>
           <a:lstStyle>
@@ -2395,7 +2478,7 @@
             </a:lvl9pPr>
           </a:lstStyle>
           <a:p>
-            <a:pPr indent="0" lvl="0" marL="0" rtl="0" algn="r">
+            <a:pPr marL="0" lvl="0" indent="0" algn="r" rtl="0">
               <a:spcBef>
                 <a:spcPts val="0"/>
               </a:spcBef>
@@ -2421,11 +2504,11 @@
 </file>
 
 <file path=ppt/slideLayouts/slideLayout11.xml><?xml version="1.0" encoding="utf-8"?>
-<p:sldLayout xmlns:a="http://schemas.openxmlformats.org/drawingml/2006/main" xmlns:r="http://schemas.openxmlformats.org/officeDocument/2006/relationships" xmlns:mc="http://schemas.openxmlformats.org/markup-compatibility/2006" xmlns:mv="urn:schemas-microsoft-com:mac:vml" xmlns:p="http://schemas.openxmlformats.org/presentationml/2006/main" xmlns:c="http://schemas.openxmlformats.org/drawingml/2006/chart" xmlns:dgm="http://schemas.openxmlformats.org/drawingml/2006/diagram" xmlns:o="urn:schemas-microsoft-com:office:office" xmlns:v="urn:schemas-microsoft-com:vml" xmlns:pvml="urn:schemas-microsoft-com:office:powerpoint" xmlns:com="http://schemas.openxmlformats.org/drawingml/2006/compatibility" xmlns:p14="http://schemas.microsoft.com/office/powerpoint/2010/main" xmlns:p15="http://schemas.microsoft.com/office/powerpoint/2012/main" matchingName="Blank" type="blank">
+<p:sldLayout xmlns:a="http://schemas.openxmlformats.org/drawingml/2006/main" xmlns:r="http://schemas.openxmlformats.org/officeDocument/2006/relationships" xmlns:p="http://schemas.openxmlformats.org/presentationml/2006/main" matchingName="Blank" type="blank">
   <p:cSld name="BLANK">
     <p:spTree>
       <p:nvGrpSpPr>
-        <p:cNvPr id="48" name="Shape 48"/>
+        <p:cNvPr id="1" name="Shape 48"/>
         <p:cNvGrpSpPr/>
         <p:nvPr/>
       </p:nvGrpSpPr>
@@ -2440,9 +2523,11 @@
       <p:sp>
         <p:nvSpPr>
           <p:cNvPr id="49" name="Google Shape;49;p12"/>
-          <p:cNvSpPr txBox="1"/>
+          <p:cNvSpPr txBox="1">
+            <a:spLocks noGrp="1"/>
+          </p:cNvSpPr>
           <p:nvPr>
-            <p:ph idx="12" type="sldNum"/>
+            <p:ph type="sldNum" idx="12"/>
           </p:nvPr>
         </p:nvSpPr>
         <p:spPr>
@@ -2455,7 +2540,7 @@
           </a:prstGeom>
         </p:spPr>
         <p:txBody>
-          <a:bodyPr anchorCtr="0" anchor="ctr" bIns="91425" lIns="91425" spcFirstLastPara="1" rIns="91425" wrap="square" tIns="91425">
+          <a:bodyPr spcFirstLastPara="1" wrap="square" lIns="91425" tIns="91425" rIns="91425" bIns="91425" anchor="ctr" anchorCtr="0">
             <a:noAutofit/>
           </a:bodyPr>
           <a:lstStyle>
@@ -2497,7 +2582,7 @@
             </a:lvl9pPr>
           </a:lstStyle>
           <a:p>
-            <a:pPr indent="0" lvl="0" marL="0" rtl="0" algn="r">
+            <a:pPr marL="0" lvl="0" indent="0" algn="r" rtl="0">
               <a:spcBef>
                 <a:spcPts val="0"/>
               </a:spcBef>
@@ -2523,11 +2608,11 @@
 </file>
 
 <file path=ppt/slideLayouts/slideLayout2.xml><?xml version="1.0" encoding="utf-8"?>
-<p:sldLayout xmlns:a="http://schemas.openxmlformats.org/drawingml/2006/main" xmlns:r="http://schemas.openxmlformats.org/officeDocument/2006/relationships" xmlns:mc="http://schemas.openxmlformats.org/markup-compatibility/2006" xmlns:mv="urn:schemas-microsoft-com:mac:vml" xmlns:p="http://schemas.openxmlformats.org/presentationml/2006/main" xmlns:c="http://schemas.openxmlformats.org/drawingml/2006/chart" xmlns:dgm="http://schemas.openxmlformats.org/drawingml/2006/diagram" xmlns:o="urn:schemas-microsoft-com:office:office" xmlns:v="urn:schemas-microsoft-com:vml" xmlns:pvml="urn:schemas-microsoft-com:office:powerpoint" xmlns:com="http://schemas.openxmlformats.org/drawingml/2006/compatibility" xmlns:p14="http://schemas.microsoft.com/office/powerpoint/2010/main" xmlns:p15="http://schemas.microsoft.com/office/powerpoint/2012/main" matchingName="Section header" type="secHead">
+<p:sldLayout xmlns:a="http://schemas.openxmlformats.org/drawingml/2006/main" xmlns:r="http://schemas.openxmlformats.org/officeDocument/2006/relationships" xmlns:p="http://schemas.openxmlformats.org/presentationml/2006/main" matchingName="Section header" type="secHead">
   <p:cSld name="SECTION_HEADER">
     <p:spTree>
       <p:nvGrpSpPr>
-        <p:cNvPr id="13" name="Shape 13"/>
+        <p:cNvPr id="1" name="Shape 13"/>
         <p:cNvGrpSpPr/>
         <p:nvPr/>
       </p:nvGrpSpPr>
@@ -2542,7 +2627,9 @@
       <p:sp>
         <p:nvSpPr>
           <p:cNvPr id="14" name="Google Shape;14;p3"/>
-          <p:cNvSpPr txBox="1"/>
+          <p:cNvSpPr txBox="1">
+            <a:spLocks noGrp="1"/>
+          </p:cNvSpPr>
           <p:nvPr>
             <p:ph type="title"/>
           </p:nvPr>
@@ -2557,11 +2644,11 @@
           </a:prstGeom>
         </p:spPr>
         <p:txBody>
-          <a:bodyPr anchorCtr="0" anchor="ctr" bIns="91425" lIns="91425" spcFirstLastPara="1" rIns="91425" wrap="square" tIns="91425">
+          <a:bodyPr spcFirstLastPara="1" wrap="square" lIns="91425" tIns="91425" rIns="91425" bIns="91425" anchor="ctr" anchorCtr="0">
             <a:noAutofit/>
           </a:bodyPr>
           <a:lstStyle>
-            <a:lvl1pPr lvl="0" rtl="0" algn="ctr">
+            <a:lvl1pPr lvl="0" algn="ctr" rtl="0">
               <a:spcBef>
                 <a:spcPts val="0"/>
               </a:spcBef>
@@ -2572,7 +2659,7 @@
               <a:buNone/>
               <a:defRPr sz="3600"/>
             </a:lvl1pPr>
-            <a:lvl2pPr lvl="1" rtl="0" algn="ctr">
+            <a:lvl2pPr lvl="1" algn="ctr" rtl="0">
               <a:spcBef>
                 <a:spcPts val="0"/>
               </a:spcBef>
@@ -2583,7 +2670,7 @@
               <a:buNone/>
               <a:defRPr sz="3600"/>
             </a:lvl2pPr>
-            <a:lvl3pPr lvl="2" rtl="0" algn="ctr">
+            <a:lvl3pPr lvl="2" algn="ctr" rtl="0">
               <a:spcBef>
                 <a:spcPts val="0"/>
               </a:spcBef>
@@ -2594,7 +2681,7 @@
               <a:buNone/>
               <a:defRPr sz="3600"/>
             </a:lvl3pPr>
-            <a:lvl4pPr lvl="3" rtl="0" algn="ctr">
+            <a:lvl4pPr lvl="3" algn="ctr" rtl="0">
               <a:spcBef>
                 <a:spcPts val="0"/>
               </a:spcBef>
@@ -2605,7 +2692,7 @@
               <a:buNone/>
               <a:defRPr sz="3600"/>
             </a:lvl4pPr>
-            <a:lvl5pPr lvl="4" rtl="0" algn="ctr">
+            <a:lvl5pPr lvl="4" algn="ctr" rtl="0">
               <a:spcBef>
                 <a:spcPts val="0"/>
               </a:spcBef>
@@ -2616,7 +2703,7 @@
               <a:buNone/>
               <a:defRPr sz="3600"/>
             </a:lvl5pPr>
-            <a:lvl6pPr lvl="5" rtl="0" algn="ctr">
+            <a:lvl6pPr lvl="5" algn="ctr" rtl="0">
               <a:spcBef>
                 <a:spcPts val="0"/>
               </a:spcBef>
@@ -2627,7 +2714,7 @@
               <a:buNone/>
               <a:defRPr sz="3600"/>
             </a:lvl6pPr>
-            <a:lvl7pPr lvl="6" rtl="0" algn="ctr">
+            <a:lvl7pPr lvl="6" algn="ctr" rtl="0">
               <a:spcBef>
                 <a:spcPts val="0"/>
               </a:spcBef>
@@ -2638,7 +2725,7 @@
               <a:buNone/>
               <a:defRPr sz="3600"/>
             </a:lvl7pPr>
-            <a:lvl8pPr lvl="7" rtl="0" algn="ctr">
+            <a:lvl8pPr lvl="7" algn="ctr" rtl="0">
               <a:spcBef>
                 <a:spcPts val="0"/>
               </a:spcBef>
@@ -2649,7 +2736,7 @@
               <a:buNone/>
               <a:defRPr sz="3600"/>
             </a:lvl8pPr>
-            <a:lvl9pPr lvl="8" rtl="0" algn="ctr">
+            <a:lvl9pPr lvl="8" algn="ctr" rtl="0">
               <a:spcBef>
                 <a:spcPts val="0"/>
               </a:spcBef>
@@ -2661,15 +2748,19 @@
               <a:defRPr sz="3600"/>
             </a:lvl9pPr>
           </a:lstStyle>
-          <a:p/>
+          <a:p>
+            <a:endParaRPr/>
+          </a:p>
         </p:txBody>
       </p:sp>
       <p:sp>
         <p:nvSpPr>
           <p:cNvPr id="15" name="Google Shape;15;p3"/>
-          <p:cNvSpPr txBox="1"/>
+          <p:cNvSpPr txBox="1">
+            <a:spLocks noGrp="1"/>
+          </p:cNvSpPr>
           <p:nvPr>
-            <p:ph idx="12" type="sldNum"/>
+            <p:ph type="sldNum" idx="12"/>
           </p:nvPr>
         </p:nvSpPr>
         <p:spPr>
@@ -2682,7 +2773,7 @@
           </a:prstGeom>
         </p:spPr>
         <p:txBody>
-          <a:bodyPr anchorCtr="0" anchor="ctr" bIns="91425" lIns="91425" spcFirstLastPara="1" rIns="91425" wrap="square" tIns="91425">
+          <a:bodyPr spcFirstLastPara="1" wrap="square" lIns="91425" tIns="91425" rIns="91425" bIns="91425" anchor="ctr" anchorCtr="0">
             <a:noAutofit/>
           </a:bodyPr>
           <a:lstStyle>
@@ -2724,7 +2815,7 @@
             </a:lvl9pPr>
           </a:lstStyle>
           <a:p>
-            <a:pPr indent="0" lvl="0" marL="0" rtl="0" algn="r">
+            <a:pPr marL="0" lvl="0" indent="0" algn="r" rtl="0">
               <a:spcBef>
                 <a:spcPts val="0"/>
               </a:spcBef>
@@ -2750,11 +2841,11 @@
 </file>
 
 <file path=ppt/slideLayouts/slideLayout3.xml><?xml version="1.0" encoding="utf-8"?>
-<p:sldLayout xmlns:a="http://schemas.openxmlformats.org/drawingml/2006/main" xmlns:r="http://schemas.openxmlformats.org/officeDocument/2006/relationships" xmlns:mc="http://schemas.openxmlformats.org/markup-compatibility/2006" xmlns:mv="urn:schemas-microsoft-com:mac:vml" xmlns:p="http://schemas.openxmlformats.org/presentationml/2006/main" xmlns:c="http://schemas.openxmlformats.org/drawingml/2006/chart" xmlns:dgm="http://schemas.openxmlformats.org/drawingml/2006/diagram" xmlns:o="urn:schemas-microsoft-com:office:office" xmlns:v="urn:schemas-microsoft-com:vml" xmlns:pvml="urn:schemas-microsoft-com:office:powerpoint" xmlns:com="http://schemas.openxmlformats.org/drawingml/2006/compatibility" xmlns:p14="http://schemas.microsoft.com/office/powerpoint/2010/main" xmlns:p15="http://schemas.microsoft.com/office/powerpoint/2012/main" matchingName="Title and body" type="tx">
+<p:sldLayout xmlns:a="http://schemas.openxmlformats.org/drawingml/2006/main" xmlns:r="http://schemas.openxmlformats.org/officeDocument/2006/relationships" xmlns:p="http://schemas.openxmlformats.org/presentationml/2006/main" matchingName="Title and body" type="tx">
   <p:cSld name="TITLE_AND_BODY">
     <p:spTree>
       <p:nvGrpSpPr>
-        <p:cNvPr id="16" name="Shape 16"/>
+        <p:cNvPr id="1" name="Shape 16"/>
         <p:cNvGrpSpPr/>
         <p:nvPr/>
       </p:nvGrpSpPr>
@@ -2769,7 +2860,9 @@
       <p:sp>
         <p:nvSpPr>
           <p:cNvPr id="17" name="Google Shape;17;p4"/>
-          <p:cNvSpPr txBox="1"/>
+          <p:cNvSpPr txBox="1">
+            <a:spLocks noGrp="1"/>
+          </p:cNvSpPr>
           <p:nvPr>
             <p:ph type="title"/>
           </p:nvPr>
@@ -2784,7 +2877,7 @@
           </a:prstGeom>
         </p:spPr>
         <p:txBody>
-          <a:bodyPr anchorCtr="0" anchor="t" bIns="91425" lIns="91425" spcFirstLastPara="1" rIns="91425" wrap="square" tIns="91425">
+          <a:bodyPr spcFirstLastPara="1" wrap="square" lIns="91425" tIns="91425" rIns="91425" bIns="91425" anchor="t" anchorCtr="0">
             <a:noAutofit/>
           </a:bodyPr>
           <a:lstStyle>
@@ -2888,15 +2981,19 @@
               <a:defRPr/>
             </a:lvl9pPr>
           </a:lstStyle>
-          <a:p/>
+          <a:p>
+            <a:endParaRPr/>
+          </a:p>
         </p:txBody>
       </p:sp>
       <p:sp>
         <p:nvSpPr>
           <p:cNvPr id="18" name="Google Shape;18;p4"/>
-          <p:cNvSpPr txBox="1"/>
+          <p:cNvSpPr txBox="1">
+            <a:spLocks noGrp="1"/>
+          </p:cNvSpPr>
           <p:nvPr>
-            <p:ph idx="1" type="body"/>
+            <p:ph type="body" idx="1"/>
           </p:nvPr>
         </p:nvSpPr>
         <p:spPr>
@@ -2909,11 +3006,11 @@
           </a:prstGeom>
         </p:spPr>
         <p:txBody>
-          <a:bodyPr anchorCtr="0" anchor="t" bIns="91425" lIns="91425" spcFirstLastPara="1" rIns="91425" wrap="square" tIns="91425">
+          <a:bodyPr spcFirstLastPara="1" wrap="square" lIns="91425" tIns="91425" rIns="91425" bIns="91425" anchor="t" anchorCtr="0">
             <a:noAutofit/>
           </a:bodyPr>
           <a:lstStyle>
-            <a:lvl1pPr indent="-342900" lvl="0" marL="457200" rtl="0">
+            <a:lvl1pPr marL="457200" lvl="0" indent="-342900" rtl="0">
               <a:spcBef>
                 <a:spcPts val="0"/>
               </a:spcBef>
@@ -2924,7 +3021,7 @@
               <a:buChar char="●"/>
               <a:defRPr/>
             </a:lvl1pPr>
-            <a:lvl2pPr indent="-317500" lvl="1" marL="914400" rtl="0">
+            <a:lvl2pPr marL="914400" lvl="1" indent="-317500" rtl="0">
               <a:spcBef>
                 <a:spcPts val="1600"/>
               </a:spcBef>
@@ -2935,7 +3032,7 @@
               <a:buChar char="○"/>
               <a:defRPr/>
             </a:lvl2pPr>
-            <a:lvl3pPr indent="-317500" lvl="2" marL="1371600" rtl="0">
+            <a:lvl3pPr marL="1371600" lvl="2" indent="-317500" rtl="0">
               <a:spcBef>
                 <a:spcPts val="1600"/>
               </a:spcBef>
@@ -2946,7 +3043,7 @@
               <a:buChar char="■"/>
               <a:defRPr/>
             </a:lvl3pPr>
-            <a:lvl4pPr indent="-317500" lvl="3" marL="1828800" rtl="0">
+            <a:lvl4pPr marL="1828800" lvl="3" indent="-317500" rtl="0">
               <a:spcBef>
                 <a:spcPts val="1600"/>
               </a:spcBef>
@@ -2957,7 +3054,7 @@
               <a:buChar char="●"/>
               <a:defRPr/>
             </a:lvl4pPr>
-            <a:lvl5pPr indent="-317500" lvl="4" marL="2286000" rtl="0">
+            <a:lvl5pPr marL="2286000" lvl="4" indent="-317500" rtl="0">
               <a:spcBef>
                 <a:spcPts val="1600"/>
               </a:spcBef>
@@ -2968,7 +3065,7 @@
               <a:buChar char="○"/>
               <a:defRPr/>
             </a:lvl5pPr>
-            <a:lvl6pPr indent="-317500" lvl="5" marL="2743200" rtl="0">
+            <a:lvl6pPr marL="2743200" lvl="5" indent="-317500" rtl="0">
               <a:spcBef>
                 <a:spcPts val="1600"/>
               </a:spcBef>
@@ -2979,7 +3076,7 @@
               <a:buChar char="■"/>
               <a:defRPr/>
             </a:lvl6pPr>
-            <a:lvl7pPr indent="-317500" lvl="6" marL="3200400" rtl="0">
+            <a:lvl7pPr marL="3200400" lvl="6" indent="-317500" rtl="0">
               <a:spcBef>
                 <a:spcPts val="1600"/>
               </a:spcBef>
@@ -2990,7 +3087,7 @@
               <a:buChar char="●"/>
               <a:defRPr/>
             </a:lvl7pPr>
-            <a:lvl8pPr indent="-317500" lvl="7" marL="3657600" rtl="0">
+            <a:lvl8pPr marL="3657600" lvl="7" indent="-317500" rtl="0">
               <a:spcBef>
                 <a:spcPts val="1600"/>
               </a:spcBef>
@@ -3001,7 +3098,7 @@
               <a:buChar char="○"/>
               <a:defRPr/>
             </a:lvl8pPr>
-            <a:lvl9pPr indent="-317500" lvl="8" marL="4114800" rtl="0">
+            <a:lvl9pPr marL="4114800" lvl="8" indent="-317500" rtl="0">
               <a:spcBef>
                 <a:spcPts val="1600"/>
               </a:spcBef>
@@ -3013,15 +3110,19 @@
               <a:defRPr/>
             </a:lvl9pPr>
           </a:lstStyle>
-          <a:p/>
+          <a:p>
+            <a:endParaRPr/>
+          </a:p>
         </p:txBody>
       </p:sp>
       <p:sp>
         <p:nvSpPr>
           <p:cNvPr id="19" name="Google Shape;19;p4"/>
-          <p:cNvSpPr txBox="1"/>
+          <p:cNvSpPr txBox="1">
+            <a:spLocks noGrp="1"/>
+          </p:cNvSpPr>
           <p:nvPr>
-            <p:ph idx="12" type="sldNum"/>
+            <p:ph type="sldNum" idx="12"/>
           </p:nvPr>
         </p:nvSpPr>
         <p:spPr>
@@ -3034,7 +3135,7 @@
           </a:prstGeom>
         </p:spPr>
         <p:txBody>
-          <a:bodyPr anchorCtr="0" anchor="ctr" bIns="91425" lIns="91425" spcFirstLastPara="1" rIns="91425" wrap="square" tIns="91425">
+          <a:bodyPr spcFirstLastPara="1" wrap="square" lIns="91425" tIns="91425" rIns="91425" bIns="91425" anchor="ctr" anchorCtr="0">
             <a:noAutofit/>
           </a:bodyPr>
           <a:lstStyle>
@@ -3076,7 +3177,7 @@
             </a:lvl9pPr>
           </a:lstStyle>
           <a:p>
-            <a:pPr indent="0" lvl="0" marL="0" rtl="0" algn="r">
+            <a:pPr marL="0" lvl="0" indent="0" algn="r" rtl="0">
               <a:spcBef>
                 <a:spcPts val="0"/>
               </a:spcBef>
@@ -3102,11 +3203,11 @@
 </file>
 
 <file path=ppt/slideLayouts/slideLayout4.xml><?xml version="1.0" encoding="utf-8"?>
-<p:sldLayout xmlns:a="http://schemas.openxmlformats.org/drawingml/2006/main" xmlns:r="http://schemas.openxmlformats.org/officeDocument/2006/relationships" xmlns:mc="http://schemas.openxmlformats.org/markup-compatibility/2006" xmlns:mv="urn:schemas-microsoft-com:mac:vml" xmlns:p="http://schemas.openxmlformats.org/presentationml/2006/main" xmlns:c="http://schemas.openxmlformats.org/drawingml/2006/chart" xmlns:dgm="http://schemas.openxmlformats.org/drawingml/2006/diagram" xmlns:o="urn:schemas-microsoft-com:office:office" xmlns:v="urn:schemas-microsoft-com:vml" xmlns:pvml="urn:schemas-microsoft-com:office:powerpoint" xmlns:com="http://schemas.openxmlformats.org/drawingml/2006/compatibility" xmlns:p14="http://schemas.microsoft.com/office/powerpoint/2010/main" xmlns:p15="http://schemas.microsoft.com/office/powerpoint/2012/main" matchingName="Title and two columns" type="twoColTx">
+<p:sldLayout xmlns:a="http://schemas.openxmlformats.org/drawingml/2006/main" xmlns:r="http://schemas.openxmlformats.org/officeDocument/2006/relationships" xmlns:p="http://schemas.openxmlformats.org/presentationml/2006/main" matchingName="Title and two columns" type="twoColTx">
   <p:cSld name="TITLE_AND_TWO_COLUMNS">
     <p:spTree>
       <p:nvGrpSpPr>
-        <p:cNvPr id="20" name="Shape 20"/>
+        <p:cNvPr id="1" name="Shape 20"/>
         <p:cNvGrpSpPr/>
         <p:nvPr/>
       </p:nvGrpSpPr>
@@ -3121,7 +3222,9 @@
       <p:sp>
         <p:nvSpPr>
           <p:cNvPr id="21" name="Google Shape;21;p5"/>
-          <p:cNvSpPr txBox="1"/>
+          <p:cNvSpPr txBox="1">
+            <a:spLocks noGrp="1"/>
+          </p:cNvSpPr>
           <p:nvPr>
             <p:ph type="title"/>
           </p:nvPr>
@@ -3136,7 +3239,7 @@
           </a:prstGeom>
         </p:spPr>
         <p:txBody>
-          <a:bodyPr anchorCtr="0" anchor="t" bIns="91425" lIns="91425" spcFirstLastPara="1" rIns="91425" wrap="square" tIns="91425">
+          <a:bodyPr spcFirstLastPara="1" wrap="square" lIns="91425" tIns="91425" rIns="91425" bIns="91425" anchor="t" anchorCtr="0">
             <a:noAutofit/>
           </a:bodyPr>
           <a:lstStyle>
@@ -3240,15 +3343,19 @@
               <a:defRPr/>
             </a:lvl9pPr>
           </a:lstStyle>
-          <a:p/>
+          <a:p>
+            <a:endParaRPr/>
+          </a:p>
         </p:txBody>
       </p:sp>
       <p:sp>
         <p:nvSpPr>
           <p:cNvPr id="22" name="Google Shape;22;p5"/>
-          <p:cNvSpPr txBox="1"/>
+          <p:cNvSpPr txBox="1">
+            <a:spLocks noGrp="1"/>
+          </p:cNvSpPr>
           <p:nvPr>
-            <p:ph idx="1" type="body"/>
+            <p:ph type="body" idx="1"/>
           </p:nvPr>
         </p:nvSpPr>
         <p:spPr>
@@ -3261,11 +3368,11 @@
           </a:prstGeom>
         </p:spPr>
         <p:txBody>
-          <a:bodyPr anchorCtr="0" anchor="t" bIns="91425" lIns="91425" spcFirstLastPara="1" rIns="91425" wrap="square" tIns="91425">
+          <a:bodyPr spcFirstLastPara="1" wrap="square" lIns="91425" tIns="91425" rIns="91425" bIns="91425" anchor="t" anchorCtr="0">
             <a:noAutofit/>
           </a:bodyPr>
           <a:lstStyle>
-            <a:lvl1pPr indent="-317500" lvl="0" marL="457200" rtl="0">
+            <a:lvl1pPr marL="457200" lvl="0" indent="-317500" rtl="0">
               <a:spcBef>
                 <a:spcPts val="0"/>
               </a:spcBef>
@@ -3276,7 +3383,7 @@
               <a:buChar char="●"/>
               <a:defRPr sz="1400"/>
             </a:lvl1pPr>
-            <a:lvl2pPr indent="-304800" lvl="1" marL="914400" rtl="0">
+            <a:lvl2pPr marL="914400" lvl="1" indent="-304800" rtl="0">
               <a:spcBef>
                 <a:spcPts val="1600"/>
               </a:spcBef>
@@ -3287,7 +3394,7 @@
               <a:buChar char="○"/>
               <a:defRPr sz="1200"/>
             </a:lvl2pPr>
-            <a:lvl3pPr indent="-304800" lvl="2" marL="1371600" rtl="0">
+            <a:lvl3pPr marL="1371600" lvl="2" indent="-304800" rtl="0">
               <a:spcBef>
                 <a:spcPts val="1600"/>
               </a:spcBef>
@@ -3298,7 +3405,7 @@
               <a:buChar char="■"/>
               <a:defRPr sz="1200"/>
             </a:lvl3pPr>
-            <a:lvl4pPr indent="-304800" lvl="3" marL="1828800" rtl="0">
+            <a:lvl4pPr marL="1828800" lvl="3" indent="-304800" rtl="0">
               <a:spcBef>
                 <a:spcPts val="1600"/>
               </a:spcBef>
@@ -3309,7 +3416,7 @@
               <a:buChar char="●"/>
               <a:defRPr sz="1200"/>
             </a:lvl4pPr>
-            <a:lvl5pPr indent="-304800" lvl="4" marL="2286000" rtl="0">
+            <a:lvl5pPr marL="2286000" lvl="4" indent="-304800" rtl="0">
               <a:spcBef>
                 <a:spcPts val="1600"/>
               </a:spcBef>
@@ -3320,7 +3427,7 @@
               <a:buChar char="○"/>
               <a:defRPr sz="1200"/>
             </a:lvl5pPr>
-            <a:lvl6pPr indent="-304800" lvl="5" marL="2743200" rtl="0">
+            <a:lvl6pPr marL="2743200" lvl="5" indent="-304800" rtl="0">
               <a:spcBef>
                 <a:spcPts val="1600"/>
               </a:spcBef>
@@ -3331,7 +3438,7 @@
               <a:buChar char="■"/>
               <a:defRPr sz="1200"/>
             </a:lvl6pPr>
-            <a:lvl7pPr indent="-304800" lvl="6" marL="3200400" rtl="0">
+            <a:lvl7pPr marL="3200400" lvl="6" indent="-304800" rtl="0">
               <a:spcBef>
                 <a:spcPts val="1600"/>
               </a:spcBef>
@@ -3342,7 +3449,7 @@
               <a:buChar char="●"/>
               <a:defRPr sz="1200"/>
             </a:lvl7pPr>
-            <a:lvl8pPr indent="-304800" lvl="7" marL="3657600" rtl="0">
+            <a:lvl8pPr marL="3657600" lvl="7" indent="-304800" rtl="0">
               <a:spcBef>
                 <a:spcPts val="1600"/>
               </a:spcBef>
@@ -3353,7 +3460,7 @@
               <a:buChar char="○"/>
               <a:defRPr sz="1200"/>
             </a:lvl8pPr>
-            <a:lvl9pPr indent="-304800" lvl="8" marL="4114800" rtl="0">
+            <a:lvl9pPr marL="4114800" lvl="8" indent="-304800" rtl="0">
               <a:spcBef>
                 <a:spcPts val="1600"/>
               </a:spcBef>
@@ -3365,15 +3472,19 @@
               <a:defRPr sz="1200"/>
             </a:lvl9pPr>
           </a:lstStyle>
-          <a:p/>
+          <a:p>
+            <a:endParaRPr/>
+          </a:p>
         </p:txBody>
       </p:sp>
       <p:sp>
         <p:nvSpPr>
           <p:cNvPr id="23" name="Google Shape;23;p5"/>
-          <p:cNvSpPr txBox="1"/>
+          <p:cNvSpPr txBox="1">
+            <a:spLocks noGrp="1"/>
+          </p:cNvSpPr>
           <p:nvPr>
-            <p:ph idx="2" type="body"/>
+            <p:ph type="body" idx="2"/>
           </p:nvPr>
         </p:nvSpPr>
         <p:spPr>
@@ -3386,11 +3497,11 @@
           </a:prstGeom>
         </p:spPr>
         <p:txBody>
-          <a:bodyPr anchorCtr="0" anchor="t" bIns="91425" lIns="91425" spcFirstLastPara="1" rIns="91425" wrap="square" tIns="91425">
+          <a:bodyPr spcFirstLastPara="1" wrap="square" lIns="91425" tIns="91425" rIns="91425" bIns="91425" anchor="t" anchorCtr="0">
             <a:noAutofit/>
           </a:bodyPr>
           <a:lstStyle>
-            <a:lvl1pPr indent="-317500" lvl="0" marL="457200" rtl="0">
+            <a:lvl1pPr marL="457200" lvl="0" indent="-317500" rtl="0">
               <a:spcBef>
                 <a:spcPts val="0"/>
               </a:spcBef>
@@ -3401,7 +3512,7 @@
               <a:buChar char="●"/>
               <a:defRPr sz="1400"/>
             </a:lvl1pPr>
-            <a:lvl2pPr indent="-304800" lvl="1" marL="914400" rtl="0">
+            <a:lvl2pPr marL="914400" lvl="1" indent="-304800" rtl="0">
               <a:spcBef>
                 <a:spcPts val="1600"/>
               </a:spcBef>
@@ -3412,7 +3523,7 @@
               <a:buChar char="○"/>
               <a:defRPr sz="1200"/>
             </a:lvl2pPr>
-            <a:lvl3pPr indent="-304800" lvl="2" marL="1371600" rtl="0">
+            <a:lvl3pPr marL="1371600" lvl="2" indent="-304800" rtl="0">
               <a:spcBef>
                 <a:spcPts val="1600"/>
               </a:spcBef>
@@ -3423,7 +3534,7 @@
               <a:buChar char="■"/>
               <a:defRPr sz="1200"/>
             </a:lvl3pPr>
-            <a:lvl4pPr indent="-304800" lvl="3" marL="1828800" rtl="0">
+            <a:lvl4pPr marL="1828800" lvl="3" indent="-304800" rtl="0">
               <a:spcBef>
                 <a:spcPts val="1600"/>
               </a:spcBef>
@@ -3434,7 +3545,7 @@
               <a:buChar char="●"/>
               <a:defRPr sz="1200"/>
             </a:lvl4pPr>
-            <a:lvl5pPr indent="-304800" lvl="4" marL="2286000" rtl="0">
+            <a:lvl5pPr marL="2286000" lvl="4" indent="-304800" rtl="0">
               <a:spcBef>
                 <a:spcPts val="1600"/>
               </a:spcBef>
@@ -3445,7 +3556,7 @@
               <a:buChar char="○"/>
               <a:defRPr sz="1200"/>
             </a:lvl5pPr>
-            <a:lvl6pPr indent="-304800" lvl="5" marL="2743200" rtl="0">
+            <a:lvl6pPr marL="2743200" lvl="5" indent="-304800" rtl="0">
               <a:spcBef>
                 <a:spcPts val="1600"/>
               </a:spcBef>
@@ -3456,7 +3567,7 @@
               <a:buChar char="■"/>
               <a:defRPr sz="1200"/>
             </a:lvl6pPr>
-            <a:lvl7pPr indent="-304800" lvl="6" marL="3200400" rtl="0">
+            <a:lvl7pPr marL="3200400" lvl="6" indent="-304800" rtl="0">
               <a:spcBef>
                 <a:spcPts val="1600"/>
               </a:spcBef>
@@ -3467,7 +3578,7 @@
               <a:buChar char="●"/>
               <a:defRPr sz="1200"/>
             </a:lvl7pPr>
-            <a:lvl8pPr indent="-304800" lvl="7" marL="3657600" rtl="0">
+            <a:lvl8pPr marL="3657600" lvl="7" indent="-304800" rtl="0">
               <a:spcBef>
                 <a:spcPts val="1600"/>
               </a:spcBef>
@@ -3478,7 +3589,7 @@
               <a:buChar char="○"/>
               <a:defRPr sz="1200"/>
             </a:lvl8pPr>
-            <a:lvl9pPr indent="-304800" lvl="8" marL="4114800" rtl="0">
+            <a:lvl9pPr marL="4114800" lvl="8" indent="-304800" rtl="0">
               <a:spcBef>
                 <a:spcPts val="1600"/>
               </a:spcBef>
@@ -3490,15 +3601,19 @@
               <a:defRPr sz="1200"/>
             </a:lvl9pPr>
           </a:lstStyle>
-          <a:p/>
+          <a:p>
+            <a:endParaRPr/>
+          </a:p>
         </p:txBody>
       </p:sp>
       <p:sp>
         <p:nvSpPr>
           <p:cNvPr id="24" name="Google Shape;24;p5"/>
-          <p:cNvSpPr txBox="1"/>
+          <p:cNvSpPr txBox="1">
+            <a:spLocks noGrp="1"/>
+          </p:cNvSpPr>
           <p:nvPr>
-            <p:ph idx="12" type="sldNum"/>
+            <p:ph type="sldNum" idx="12"/>
           </p:nvPr>
         </p:nvSpPr>
         <p:spPr>
@@ -3511,7 +3626,7 @@
           </a:prstGeom>
         </p:spPr>
         <p:txBody>
-          <a:bodyPr anchorCtr="0" anchor="ctr" bIns="91425" lIns="91425" spcFirstLastPara="1" rIns="91425" wrap="square" tIns="91425">
+          <a:bodyPr spcFirstLastPara="1" wrap="square" lIns="91425" tIns="91425" rIns="91425" bIns="91425" anchor="ctr" anchorCtr="0">
             <a:noAutofit/>
           </a:bodyPr>
           <a:lstStyle>
@@ -3553,7 +3668,7 @@
             </a:lvl9pPr>
           </a:lstStyle>
           <a:p>
-            <a:pPr indent="0" lvl="0" marL="0" rtl="0" algn="r">
+            <a:pPr marL="0" lvl="0" indent="0" algn="r" rtl="0">
               <a:spcBef>
                 <a:spcPts val="0"/>
               </a:spcBef>
@@ -3579,11 +3694,11 @@
 </file>
 
 <file path=ppt/slideLayouts/slideLayout5.xml><?xml version="1.0" encoding="utf-8"?>
-<p:sldLayout xmlns:a="http://schemas.openxmlformats.org/drawingml/2006/main" xmlns:r="http://schemas.openxmlformats.org/officeDocument/2006/relationships" xmlns:mc="http://schemas.openxmlformats.org/markup-compatibility/2006" xmlns:mv="urn:schemas-microsoft-com:mac:vml" xmlns:p="http://schemas.openxmlformats.org/presentationml/2006/main" xmlns:c="http://schemas.openxmlformats.org/drawingml/2006/chart" xmlns:dgm="http://schemas.openxmlformats.org/drawingml/2006/diagram" xmlns:o="urn:schemas-microsoft-com:office:office" xmlns:v="urn:schemas-microsoft-com:vml" xmlns:pvml="urn:schemas-microsoft-com:office:powerpoint" xmlns:com="http://schemas.openxmlformats.org/drawingml/2006/compatibility" xmlns:p14="http://schemas.microsoft.com/office/powerpoint/2010/main" xmlns:p15="http://schemas.microsoft.com/office/powerpoint/2012/main" matchingName="Title only" type="titleOnly">
+<p:sldLayout xmlns:a="http://schemas.openxmlformats.org/drawingml/2006/main" xmlns:r="http://schemas.openxmlformats.org/officeDocument/2006/relationships" xmlns:p="http://schemas.openxmlformats.org/presentationml/2006/main" matchingName="Title only" type="titleOnly">
   <p:cSld name="TITLE_ONLY">
     <p:spTree>
       <p:nvGrpSpPr>
-        <p:cNvPr id="25" name="Shape 25"/>
+        <p:cNvPr id="1" name="Shape 25"/>
         <p:cNvGrpSpPr/>
         <p:nvPr/>
       </p:nvGrpSpPr>
@@ -3598,7 +3713,9 @@
       <p:sp>
         <p:nvSpPr>
           <p:cNvPr id="26" name="Google Shape;26;p6"/>
-          <p:cNvSpPr txBox="1"/>
+          <p:cNvSpPr txBox="1">
+            <a:spLocks noGrp="1"/>
+          </p:cNvSpPr>
           <p:nvPr>
             <p:ph type="title"/>
           </p:nvPr>
@@ -3613,7 +3730,7 @@
           </a:prstGeom>
         </p:spPr>
         <p:txBody>
-          <a:bodyPr anchorCtr="0" anchor="t" bIns="91425" lIns="91425" spcFirstLastPara="1" rIns="91425" wrap="square" tIns="91425">
+          <a:bodyPr spcFirstLastPara="1" wrap="square" lIns="91425" tIns="91425" rIns="91425" bIns="91425" anchor="t" anchorCtr="0">
             <a:noAutofit/>
           </a:bodyPr>
           <a:lstStyle>
@@ -3717,15 +3834,19 @@
               <a:defRPr/>
             </a:lvl9pPr>
           </a:lstStyle>
-          <a:p/>
+          <a:p>
+            <a:endParaRPr/>
+          </a:p>
         </p:txBody>
       </p:sp>
       <p:sp>
         <p:nvSpPr>
           <p:cNvPr id="27" name="Google Shape;27;p6"/>
-          <p:cNvSpPr txBox="1"/>
+          <p:cNvSpPr txBox="1">
+            <a:spLocks noGrp="1"/>
+          </p:cNvSpPr>
           <p:nvPr>
-            <p:ph idx="12" type="sldNum"/>
+            <p:ph type="sldNum" idx="12"/>
           </p:nvPr>
         </p:nvSpPr>
         <p:spPr>
@@ -3738,7 +3859,7 @@
           </a:prstGeom>
         </p:spPr>
         <p:txBody>
-          <a:bodyPr anchorCtr="0" anchor="ctr" bIns="91425" lIns="91425" spcFirstLastPara="1" rIns="91425" wrap="square" tIns="91425">
+          <a:bodyPr spcFirstLastPara="1" wrap="square" lIns="91425" tIns="91425" rIns="91425" bIns="91425" anchor="ctr" anchorCtr="0">
             <a:noAutofit/>
           </a:bodyPr>
           <a:lstStyle>
@@ -3780,7 +3901,7 @@
             </a:lvl9pPr>
           </a:lstStyle>
           <a:p>
-            <a:pPr indent="0" lvl="0" marL="0" rtl="0" algn="r">
+            <a:pPr marL="0" lvl="0" indent="0" algn="r" rtl="0">
               <a:spcBef>
                 <a:spcPts val="0"/>
               </a:spcBef>
@@ -3806,11 +3927,11 @@
 </file>
 
 <file path=ppt/slideLayouts/slideLayout6.xml><?xml version="1.0" encoding="utf-8"?>
-<p:sldLayout xmlns:a="http://schemas.openxmlformats.org/drawingml/2006/main" xmlns:r="http://schemas.openxmlformats.org/officeDocument/2006/relationships" xmlns:mc="http://schemas.openxmlformats.org/markup-compatibility/2006" xmlns:mv="urn:schemas-microsoft-com:mac:vml" xmlns:p="http://schemas.openxmlformats.org/presentationml/2006/main" xmlns:c="http://schemas.openxmlformats.org/drawingml/2006/chart" xmlns:dgm="http://schemas.openxmlformats.org/drawingml/2006/diagram" xmlns:o="urn:schemas-microsoft-com:office:office" xmlns:v="urn:schemas-microsoft-com:vml" xmlns:pvml="urn:schemas-microsoft-com:office:powerpoint" xmlns:com="http://schemas.openxmlformats.org/drawingml/2006/compatibility" xmlns:p14="http://schemas.microsoft.com/office/powerpoint/2010/main" xmlns:p15="http://schemas.microsoft.com/office/powerpoint/2012/main" matchingName="One column text">
+<p:sldLayout xmlns:a="http://schemas.openxmlformats.org/drawingml/2006/main" xmlns:r="http://schemas.openxmlformats.org/officeDocument/2006/relationships" xmlns:p="http://schemas.openxmlformats.org/presentationml/2006/main" matchingName="One column text">
   <p:cSld name="ONE_COLUMN_TEXT">
     <p:spTree>
       <p:nvGrpSpPr>
-        <p:cNvPr id="28" name="Shape 28"/>
+        <p:cNvPr id="1" name="Shape 28"/>
         <p:cNvGrpSpPr/>
         <p:nvPr/>
       </p:nvGrpSpPr>
@@ -3825,7 +3946,9 @@
       <p:sp>
         <p:nvSpPr>
           <p:cNvPr id="29" name="Google Shape;29;p7"/>
-          <p:cNvSpPr txBox="1"/>
+          <p:cNvSpPr txBox="1">
+            <a:spLocks noGrp="1"/>
+          </p:cNvSpPr>
           <p:nvPr>
             <p:ph type="title"/>
           </p:nvPr>
@@ -3840,7 +3963,7 @@
           </a:prstGeom>
         </p:spPr>
         <p:txBody>
-          <a:bodyPr anchorCtr="0" anchor="b" bIns="91425" lIns="91425" spcFirstLastPara="1" rIns="91425" wrap="square" tIns="91425">
+          <a:bodyPr spcFirstLastPara="1" wrap="square" lIns="91425" tIns="91425" rIns="91425" bIns="91425" anchor="b" anchorCtr="0">
             <a:noAutofit/>
           </a:bodyPr>
           <a:lstStyle>
@@ -3944,15 +4067,19 @@
               <a:defRPr sz="2400"/>
             </a:lvl9pPr>
           </a:lstStyle>
-          <a:p/>
+          <a:p>
+            <a:endParaRPr/>
+          </a:p>
         </p:txBody>
       </p:sp>
       <p:sp>
         <p:nvSpPr>
           <p:cNvPr id="30" name="Google Shape;30;p7"/>
-          <p:cNvSpPr txBox="1"/>
+          <p:cNvSpPr txBox="1">
+            <a:spLocks noGrp="1"/>
+          </p:cNvSpPr>
           <p:nvPr>
-            <p:ph idx="1" type="body"/>
+            <p:ph type="body" idx="1"/>
           </p:nvPr>
         </p:nvSpPr>
         <p:spPr>
@@ -3965,11 +4092,11 @@
           </a:prstGeom>
         </p:spPr>
         <p:txBody>
-          <a:bodyPr anchorCtr="0" anchor="t" bIns="91425" lIns="91425" spcFirstLastPara="1" rIns="91425" wrap="square" tIns="91425">
+          <a:bodyPr spcFirstLastPara="1" wrap="square" lIns="91425" tIns="91425" rIns="91425" bIns="91425" anchor="t" anchorCtr="0">
             <a:noAutofit/>
           </a:bodyPr>
           <a:lstStyle>
-            <a:lvl1pPr indent="-304800" lvl="0" marL="457200" rtl="0">
+            <a:lvl1pPr marL="457200" lvl="0" indent="-304800" rtl="0">
               <a:spcBef>
                 <a:spcPts val="0"/>
               </a:spcBef>
@@ -3980,7 +4107,7 @@
               <a:buChar char="●"/>
               <a:defRPr sz="1200"/>
             </a:lvl1pPr>
-            <a:lvl2pPr indent="-304800" lvl="1" marL="914400" rtl="0">
+            <a:lvl2pPr marL="914400" lvl="1" indent="-304800" rtl="0">
               <a:spcBef>
                 <a:spcPts val="1600"/>
               </a:spcBef>
@@ -3991,7 +4118,7 @@
               <a:buChar char="○"/>
               <a:defRPr sz="1200"/>
             </a:lvl2pPr>
-            <a:lvl3pPr indent="-304800" lvl="2" marL="1371600" rtl="0">
+            <a:lvl3pPr marL="1371600" lvl="2" indent="-304800" rtl="0">
               <a:spcBef>
                 <a:spcPts val="1600"/>
               </a:spcBef>
@@ -4002,7 +4129,7 @@
               <a:buChar char="■"/>
               <a:defRPr sz="1200"/>
             </a:lvl3pPr>
-            <a:lvl4pPr indent="-304800" lvl="3" marL="1828800" rtl="0">
+            <a:lvl4pPr marL="1828800" lvl="3" indent="-304800" rtl="0">
               <a:spcBef>
                 <a:spcPts val="1600"/>
               </a:spcBef>
@@ -4013,7 +4140,7 @@
               <a:buChar char="●"/>
               <a:defRPr sz="1200"/>
             </a:lvl4pPr>
-            <a:lvl5pPr indent="-304800" lvl="4" marL="2286000" rtl="0">
+            <a:lvl5pPr marL="2286000" lvl="4" indent="-304800" rtl="0">
               <a:spcBef>
                 <a:spcPts val="1600"/>
               </a:spcBef>
@@ -4024,7 +4151,7 @@
               <a:buChar char="○"/>
               <a:defRPr sz="1200"/>
             </a:lvl5pPr>
-            <a:lvl6pPr indent="-304800" lvl="5" marL="2743200" rtl="0">
+            <a:lvl6pPr marL="2743200" lvl="5" indent="-304800" rtl="0">
               <a:spcBef>
                 <a:spcPts val="1600"/>
               </a:spcBef>
@@ -4035,7 +4162,7 @@
               <a:buChar char="■"/>
               <a:defRPr sz="1200"/>
             </a:lvl6pPr>
-            <a:lvl7pPr indent="-304800" lvl="6" marL="3200400" rtl="0">
+            <a:lvl7pPr marL="3200400" lvl="6" indent="-304800" rtl="0">
               <a:spcBef>
                 <a:spcPts val="1600"/>
               </a:spcBef>
@@ -4046,7 +4173,7 @@
               <a:buChar char="●"/>
               <a:defRPr sz="1200"/>
             </a:lvl7pPr>
-            <a:lvl8pPr indent="-304800" lvl="7" marL="3657600" rtl="0">
+            <a:lvl8pPr marL="3657600" lvl="7" indent="-304800" rtl="0">
               <a:spcBef>
                 <a:spcPts val="1600"/>
               </a:spcBef>
@@ -4057,7 +4184,7 @@
               <a:buChar char="○"/>
               <a:defRPr sz="1200"/>
             </a:lvl8pPr>
-            <a:lvl9pPr indent="-304800" lvl="8" marL="4114800" rtl="0">
+            <a:lvl9pPr marL="4114800" lvl="8" indent="-304800" rtl="0">
               <a:spcBef>
                 <a:spcPts val="1600"/>
               </a:spcBef>
@@ -4069,15 +4196,19 @@
               <a:defRPr sz="1200"/>
             </a:lvl9pPr>
           </a:lstStyle>
-          <a:p/>
+          <a:p>
+            <a:endParaRPr/>
+          </a:p>
         </p:txBody>
       </p:sp>
       <p:sp>
         <p:nvSpPr>
           <p:cNvPr id="31" name="Google Shape;31;p7"/>
-          <p:cNvSpPr txBox="1"/>
+          <p:cNvSpPr txBox="1">
+            <a:spLocks noGrp="1"/>
+          </p:cNvSpPr>
           <p:nvPr>
-            <p:ph idx="12" type="sldNum"/>
+            <p:ph type="sldNum" idx="12"/>
           </p:nvPr>
         </p:nvSpPr>
         <p:spPr>
@@ -4090,7 +4221,7 @@
           </a:prstGeom>
         </p:spPr>
         <p:txBody>
-          <a:bodyPr anchorCtr="0" anchor="ctr" bIns="91425" lIns="91425" spcFirstLastPara="1" rIns="91425" wrap="square" tIns="91425">
+          <a:bodyPr spcFirstLastPara="1" wrap="square" lIns="91425" tIns="91425" rIns="91425" bIns="91425" anchor="ctr" anchorCtr="0">
             <a:noAutofit/>
           </a:bodyPr>
           <a:lstStyle>
@@ -4132,7 +4263,7 @@
             </a:lvl9pPr>
           </a:lstStyle>
           <a:p>
-            <a:pPr indent="0" lvl="0" marL="0" rtl="0" algn="r">
+            <a:pPr marL="0" lvl="0" indent="0" algn="r" rtl="0">
               <a:spcBef>
                 <a:spcPts val="0"/>
               </a:spcBef>
@@ -4158,11 +4289,11 @@
 </file>
 
 <file path=ppt/slideLayouts/slideLayout7.xml><?xml version="1.0" encoding="utf-8"?>
-<p:sldLayout xmlns:a="http://schemas.openxmlformats.org/drawingml/2006/main" xmlns:r="http://schemas.openxmlformats.org/officeDocument/2006/relationships" xmlns:mc="http://schemas.openxmlformats.org/markup-compatibility/2006" xmlns:mv="urn:schemas-microsoft-com:mac:vml" xmlns:p="http://schemas.openxmlformats.org/presentationml/2006/main" xmlns:c="http://schemas.openxmlformats.org/drawingml/2006/chart" xmlns:dgm="http://schemas.openxmlformats.org/drawingml/2006/diagram" xmlns:o="urn:schemas-microsoft-com:office:office" xmlns:v="urn:schemas-microsoft-com:vml" xmlns:pvml="urn:schemas-microsoft-com:office:powerpoint" xmlns:com="http://schemas.openxmlformats.org/drawingml/2006/compatibility" xmlns:p14="http://schemas.microsoft.com/office/powerpoint/2010/main" xmlns:p15="http://schemas.microsoft.com/office/powerpoint/2012/main" matchingName="Main point">
+<p:sldLayout xmlns:a="http://schemas.openxmlformats.org/drawingml/2006/main" xmlns:r="http://schemas.openxmlformats.org/officeDocument/2006/relationships" xmlns:p="http://schemas.openxmlformats.org/presentationml/2006/main" matchingName="Main point">
   <p:cSld name="MAIN_POINT">
     <p:spTree>
       <p:nvGrpSpPr>
-        <p:cNvPr id="32" name="Shape 32"/>
+        <p:cNvPr id="1" name="Shape 32"/>
         <p:cNvGrpSpPr/>
         <p:nvPr/>
       </p:nvGrpSpPr>
@@ -4177,7 +4308,9 @@
       <p:sp>
         <p:nvSpPr>
           <p:cNvPr id="33" name="Google Shape;33;p8"/>
-          <p:cNvSpPr txBox="1"/>
+          <p:cNvSpPr txBox="1">
+            <a:spLocks noGrp="1"/>
+          </p:cNvSpPr>
           <p:nvPr>
             <p:ph type="title"/>
           </p:nvPr>
@@ -4192,7 +4325,7 @@
           </a:prstGeom>
         </p:spPr>
         <p:txBody>
-          <a:bodyPr anchorCtr="0" anchor="ctr" bIns="91425" lIns="91425" spcFirstLastPara="1" rIns="91425" wrap="square" tIns="91425">
+          <a:bodyPr spcFirstLastPara="1" wrap="square" lIns="91425" tIns="91425" rIns="91425" bIns="91425" anchor="ctr" anchorCtr="0">
             <a:noAutofit/>
           </a:bodyPr>
           <a:lstStyle>
@@ -4296,15 +4429,19 @@
               <a:defRPr sz="4800"/>
             </a:lvl9pPr>
           </a:lstStyle>
-          <a:p/>
+          <a:p>
+            <a:endParaRPr/>
+          </a:p>
         </p:txBody>
       </p:sp>
       <p:sp>
         <p:nvSpPr>
           <p:cNvPr id="34" name="Google Shape;34;p8"/>
-          <p:cNvSpPr txBox="1"/>
+          <p:cNvSpPr txBox="1">
+            <a:spLocks noGrp="1"/>
+          </p:cNvSpPr>
           <p:nvPr>
-            <p:ph idx="12" type="sldNum"/>
+            <p:ph type="sldNum" idx="12"/>
           </p:nvPr>
         </p:nvSpPr>
         <p:spPr>
@@ -4317,7 +4454,7 @@
           </a:prstGeom>
         </p:spPr>
         <p:txBody>
-          <a:bodyPr anchorCtr="0" anchor="ctr" bIns="91425" lIns="91425" spcFirstLastPara="1" rIns="91425" wrap="square" tIns="91425">
+          <a:bodyPr spcFirstLastPara="1" wrap="square" lIns="91425" tIns="91425" rIns="91425" bIns="91425" anchor="ctr" anchorCtr="0">
             <a:noAutofit/>
           </a:bodyPr>
           <a:lstStyle>
@@ -4359,7 +4496,7 @@
             </a:lvl9pPr>
           </a:lstStyle>
           <a:p>
-            <a:pPr indent="0" lvl="0" marL="0" rtl="0" algn="r">
+            <a:pPr marL="0" lvl="0" indent="0" algn="r" rtl="0">
               <a:spcBef>
                 <a:spcPts val="0"/>
               </a:spcBef>
@@ -4385,11 +4522,11 @@
 </file>
 
 <file path=ppt/slideLayouts/slideLayout8.xml><?xml version="1.0" encoding="utf-8"?>
-<p:sldLayout xmlns:a="http://schemas.openxmlformats.org/drawingml/2006/main" xmlns:r="http://schemas.openxmlformats.org/officeDocument/2006/relationships" xmlns:mc="http://schemas.openxmlformats.org/markup-compatibility/2006" xmlns:mv="urn:schemas-microsoft-com:mac:vml" xmlns:p="http://schemas.openxmlformats.org/presentationml/2006/main" xmlns:c="http://schemas.openxmlformats.org/drawingml/2006/chart" xmlns:dgm="http://schemas.openxmlformats.org/drawingml/2006/diagram" xmlns:o="urn:schemas-microsoft-com:office:office" xmlns:v="urn:schemas-microsoft-com:vml" xmlns:pvml="urn:schemas-microsoft-com:office:powerpoint" xmlns:com="http://schemas.openxmlformats.org/drawingml/2006/compatibility" xmlns:p14="http://schemas.microsoft.com/office/powerpoint/2010/main" xmlns:p15="http://schemas.microsoft.com/office/powerpoint/2012/main" matchingName="Section title and description">
+<p:sldLayout xmlns:a="http://schemas.openxmlformats.org/drawingml/2006/main" xmlns:r="http://schemas.openxmlformats.org/officeDocument/2006/relationships" xmlns:p="http://schemas.openxmlformats.org/presentationml/2006/main" matchingName="Section title and description">
   <p:cSld name="SECTION_TITLE_AND_DESCRIPTION">
     <p:spTree>
       <p:nvGrpSpPr>
-        <p:cNvPr id="35" name="Shape 35"/>
+        <p:cNvPr id="1" name="Shape 35"/>
         <p:cNvGrpSpPr/>
         <p:nvPr/>
       </p:nvGrpSpPr>
@@ -4423,12 +4560,12 @@
           </a:ln>
         </p:spPr>
         <p:txBody>
-          <a:bodyPr anchorCtr="0" anchor="ctr" bIns="91425" lIns="91425" spcFirstLastPara="1" rIns="91425" wrap="square" tIns="91425">
+          <a:bodyPr spcFirstLastPara="1" wrap="square" lIns="91425" tIns="91425" rIns="91425" bIns="91425" anchor="ctr" anchorCtr="0">
             <a:noAutofit/>
           </a:bodyPr>
           <a:lstStyle/>
           <a:p>
-            <a:pPr indent="0" lvl="0" marL="0" rtl="0" algn="l">
+            <a:pPr marL="0" lvl="0" indent="0" algn="l" rtl="0">
               <a:spcBef>
                 <a:spcPts val="0"/>
               </a:spcBef>
@@ -4437,9 +4574,6 @@
               </a:spcAft>
               <a:buNone/>
             </a:pPr>
-            <a:r>
-              <a:t/>
-            </a:r>
             <a:endParaRPr/>
           </a:p>
         </p:txBody>
@@ -4447,7 +4581,9 @@
       <p:sp>
         <p:nvSpPr>
           <p:cNvPr id="37" name="Google Shape;37;p9"/>
-          <p:cNvSpPr txBox="1"/>
+          <p:cNvSpPr txBox="1">
+            <a:spLocks noGrp="1"/>
+          </p:cNvSpPr>
           <p:nvPr>
             <p:ph type="title"/>
           </p:nvPr>
@@ -4462,11 +4598,11 @@
           </a:prstGeom>
         </p:spPr>
         <p:txBody>
-          <a:bodyPr anchorCtr="0" anchor="b" bIns="91425" lIns="91425" spcFirstLastPara="1" rIns="91425" wrap="square" tIns="91425">
+          <a:bodyPr spcFirstLastPara="1" wrap="square" lIns="91425" tIns="91425" rIns="91425" bIns="91425" anchor="b" anchorCtr="0">
             <a:noAutofit/>
           </a:bodyPr>
           <a:lstStyle>
-            <a:lvl1pPr lvl="0" rtl="0" algn="ctr">
+            <a:lvl1pPr lvl="0" algn="ctr" rtl="0">
               <a:spcBef>
                 <a:spcPts val="0"/>
               </a:spcBef>
@@ -4477,7 +4613,7 @@
               <a:buNone/>
               <a:defRPr sz="4200"/>
             </a:lvl1pPr>
-            <a:lvl2pPr lvl="1" rtl="0" algn="ctr">
+            <a:lvl2pPr lvl="1" algn="ctr" rtl="0">
               <a:spcBef>
                 <a:spcPts val="0"/>
               </a:spcBef>
@@ -4488,7 +4624,7 @@
               <a:buNone/>
               <a:defRPr sz="4200"/>
             </a:lvl2pPr>
-            <a:lvl3pPr lvl="2" rtl="0" algn="ctr">
+            <a:lvl3pPr lvl="2" algn="ctr" rtl="0">
               <a:spcBef>
                 <a:spcPts val="0"/>
               </a:spcBef>
@@ -4499,7 +4635,7 @@
               <a:buNone/>
               <a:defRPr sz="4200"/>
             </a:lvl3pPr>
-            <a:lvl4pPr lvl="3" rtl="0" algn="ctr">
+            <a:lvl4pPr lvl="3" algn="ctr" rtl="0">
               <a:spcBef>
                 <a:spcPts val="0"/>
               </a:spcBef>
@@ -4510,7 +4646,7 @@
               <a:buNone/>
               <a:defRPr sz="4200"/>
             </a:lvl4pPr>
-            <a:lvl5pPr lvl="4" rtl="0" algn="ctr">
+            <a:lvl5pPr lvl="4" algn="ctr" rtl="0">
               <a:spcBef>
                 <a:spcPts val="0"/>
               </a:spcBef>
@@ -4521,7 +4657,7 @@
               <a:buNone/>
               <a:defRPr sz="4200"/>
             </a:lvl5pPr>
-            <a:lvl6pPr lvl="5" rtl="0" algn="ctr">
+            <a:lvl6pPr lvl="5" algn="ctr" rtl="0">
               <a:spcBef>
                 <a:spcPts val="0"/>
               </a:spcBef>
@@ -4532,7 +4668,7 @@
               <a:buNone/>
               <a:defRPr sz="4200"/>
             </a:lvl6pPr>
-            <a:lvl7pPr lvl="6" rtl="0" algn="ctr">
+            <a:lvl7pPr lvl="6" algn="ctr" rtl="0">
               <a:spcBef>
                 <a:spcPts val="0"/>
               </a:spcBef>
@@ -4543,7 +4679,7 @@
               <a:buNone/>
               <a:defRPr sz="4200"/>
             </a:lvl7pPr>
-            <a:lvl8pPr lvl="7" rtl="0" algn="ctr">
+            <a:lvl8pPr lvl="7" algn="ctr" rtl="0">
               <a:spcBef>
                 <a:spcPts val="0"/>
               </a:spcBef>
@@ -4554,7 +4690,7 @@
               <a:buNone/>
               <a:defRPr sz="4200"/>
             </a:lvl8pPr>
-            <a:lvl9pPr lvl="8" rtl="0" algn="ctr">
+            <a:lvl9pPr lvl="8" algn="ctr" rtl="0">
               <a:spcBef>
                 <a:spcPts val="0"/>
               </a:spcBef>
@@ -4566,15 +4702,19 @@
               <a:defRPr sz="4200"/>
             </a:lvl9pPr>
           </a:lstStyle>
-          <a:p/>
+          <a:p>
+            <a:endParaRPr/>
+          </a:p>
         </p:txBody>
       </p:sp>
       <p:sp>
         <p:nvSpPr>
           <p:cNvPr id="38" name="Google Shape;38;p9"/>
-          <p:cNvSpPr txBox="1"/>
+          <p:cNvSpPr txBox="1">
+            <a:spLocks noGrp="1"/>
+          </p:cNvSpPr>
           <p:nvPr>
-            <p:ph idx="1" type="subTitle"/>
+            <p:ph type="subTitle" idx="1"/>
           </p:nvPr>
         </p:nvSpPr>
         <p:spPr>
@@ -4587,11 +4727,11 @@
           </a:prstGeom>
         </p:spPr>
         <p:txBody>
-          <a:bodyPr anchorCtr="0" anchor="t" bIns="91425" lIns="91425" spcFirstLastPara="1" rIns="91425" wrap="square" tIns="91425">
+          <a:bodyPr spcFirstLastPara="1" wrap="square" lIns="91425" tIns="91425" rIns="91425" bIns="91425" anchor="t" anchorCtr="0">
             <a:noAutofit/>
           </a:bodyPr>
           <a:lstStyle>
-            <a:lvl1pPr lvl="0" rtl="0" algn="ctr">
+            <a:lvl1pPr lvl="0" algn="ctr" rtl="0">
               <a:lnSpc>
                 <a:spcPct val="100000"/>
               </a:lnSpc>
@@ -4605,7 +4745,7 @@
               <a:buNone/>
               <a:defRPr sz="2100"/>
             </a:lvl1pPr>
-            <a:lvl2pPr lvl="1" rtl="0" algn="ctr">
+            <a:lvl2pPr lvl="1" algn="ctr" rtl="0">
               <a:lnSpc>
                 <a:spcPct val="100000"/>
               </a:lnSpc>
@@ -4619,7 +4759,7 @@
               <a:buNone/>
               <a:defRPr sz="2100"/>
             </a:lvl2pPr>
-            <a:lvl3pPr lvl="2" rtl="0" algn="ctr">
+            <a:lvl3pPr lvl="2" algn="ctr" rtl="0">
               <a:lnSpc>
                 <a:spcPct val="100000"/>
               </a:lnSpc>
@@ -4633,7 +4773,7 @@
               <a:buNone/>
               <a:defRPr sz="2100"/>
             </a:lvl3pPr>
-            <a:lvl4pPr lvl="3" rtl="0" algn="ctr">
+            <a:lvl4pPr lvl="3" algn="ctr" rtl="0">
               <a:lnSpc>
                 <a:spcPct val="100000"/>
               </a:lnSpc>
@@ -4647,7 +4787,7 @@
               <a:buNone/>
               <a:defRPr sz="2100"/>
             </a:lvl4pPr>
-            <a:lvl5pPr lvl="4" rtl="0" algn="ctr">
+            <a:lvl5pPr lvl="4" algn="ctr" rtl="0">
               <a:lnSpc>
                 <a:spcPct val="100000"/>
               </a:lnSpc>
@@ -4661,7 +4801,7 @@
               <a:buNone/>
               <a:defRPr sz="2100"/>
             </a:lvl5pPr>
-            <a:lvl6pPr lvl="5" rtl="0" algn="ctr">
+            <a:lvl6pPr lvl="5" algn="ctr" rtl="0">
               <a:lnSpc>
                 <a:spcPct val="100000"/>
               </a:lnSpc>
@@ -4675,7 +4815,7 @@
               <a:buNone/>
               <a:defRPr sz="2100"/>
             </a:lvl6pPr>
-            <a:lvl7pPr lvl="6" rtl="0" algn="ctr">
+            <a:lvl7pPr lvl="6" algn="ctr" rtl="0">
               <a:lnSpc>
                 <a:spcPct val="100000"/>
               </a:lnSpc>
@@ -4689,7 +4829,7 @@
               <a:buNone/>
               <a:defRPr sz="2100"/>
             </a:lvl7pPr>
-            <a:lvl8pPr lvl="7" rtl="0" algn="ctr">
+            <a:lvl8pPr lvl="7" algn="ctr" rtl="0">
               <a:lnSpc>
                 <a:spcPct val="100000"/>
               </a:lnSpc>
@@ -4703,7 +4843,7 @@
               <a:buNone/>
               <a:defRPr sz="2100"/>
             </a:lvl8pPr>
-            <a:lvl9pPr lvl="8" rtl="0" algn="ctr">
+            <a:lvl9pPr lvl="8" algn="ctr" rtl="0">
               <a:lnSpc>
                 <a:spcPct val="100000"/>
               </a:lnSpc>
@@ -4718,15 +4858,19 @@
               <a:defRPr sz="2100"/>
             </a:lvl9pPr>
           </a:lstStyle>
-          <a:p/>
+          <a:p>
+            <a:endParaRPr/>
+          </a:p>
         </p:txBody>
       </p:sp>
       <p:sp>
         <p:nvSpPr>
           <p:cNvPr id="39" name="Google Shape;39;p9"/>
-          <p:cNvSpPr txBox="1"/>
+          <p:cNvSpPr txBox="1">
+            <a:spLocks noGrp="1"/>
+          </p:cNvSpPr>
           <p:nvPr>
-            <p:ph idx="2" type="body"/>
+            <p:ph type="body" idx="2"/>
           </p:nvPr>
         </p:nvSpPr>
         <p:spPr>
@@ -4739,11 +4883,11 @@
           </a:prstGeom>
         </p:spPr>
         <p:txBody>
-          <a:bodyPr anchorCtr="0" anchor="ctr" bIns="91425" lIns="91425" spcFirstLastPara="1" rIns="91425" wrap="square" tIns="91425">
+          <a:bodyPr spcFirstLastPara="1" wrap="square" lIns="91425" tIns="91425" rIns="91425" bIns="91425" anchor="ctr" anchorCtr="0">
             <a:noAutofit/>
           </a:bodyPr>
           <a:lstStyle>
-            <a:lvl1pPr indent="-342900" lvl="0" marL="457200" rtl="0">
+            <a:lvl1pPr marL="457200" lvl="0" indent="-342900" rtl="0">
               <a:spcBef>
                 <a:spcPts val="0"/>
               </a:spcBef>
@@ -4754,7 +4898,7 @@
               <a:buChar char="●"/>
               <a:defRPr/>
             </a:lvl1pPr>
-            <a:lvl2pPr indent="-317500" lvl="1" marL="914400" rtl="0">
+            <a:lvl2pPr marL="914400" lvl="1" indent="-317500" rtl="0">
               <a:spcBef>
                 <a:spcPts val="1600"/>
               </a:spcBef>
@@ -4765,7 +4909,7 @@
               <a:buChar char="○"/>
               <a:defRPr/>
             </a:lvl2pPr>
-            <a:lvl3pPr indent="-317500" lvl="2" marL="1371600" rtl="0">
+            <a:lvl3pPr marL="1371600" lvl="2" indent="-317500" rtl="0">
               <a:spcBef>
                 <a:spcPts val="1600"/>
               </a:spcBef>
@@ -4776,7 +4920,7 @@
               <a:buChar char="■"/>
               <a:defRPr/>
             </a:lvl3pPr>
-            <a:lvl4pPr indent="-317500" lvl="3" marL="1828800" rtl="0">
+            <a:lvl4pPr marL="1828800" lvl="3" indent="-317500" rtl="0">
               <a:spcBef>
                 <a:spcPts val="1600"/>
               </a:spcBef>
@@ -4787,7 +4931,7 @@
               <a:buChar char="●"/>
               <a:defRPr/>
             </a:lvl4pPr>
-            <a:lvl5pPr indent="-317500" lvl="4" marL="2286000" rtl="0">
+            <a:lvl5pPr marL="2286000" lvl="4" indent="-317500" rtl="0">
               <a:spcBef>
                 <a:spcPts val="1600"/>
               </a:spcBef>
@@ -4798,7 +4942,7 @@
               <a:buChar char="○"/>
               <a:defRPr/>
             </a:lvl5pPr>
-            <a:lvl6pPr indent="-317500" lvl="5" marL="2743200" rtl="0">
+            <a:lvl6pPr marL="2743200" lvl="5" indent="-317500" rtl="0">
               <a:spcBef>
                 <a:spcPts val="1600"/>
               </a:spcBef>
@@ -4809,7 +4953,7 @@
               <a:buChar char="■"/>
               <a:defRPr/>
             </a:lvl6pPr>
-            <a:lvl7pPr indent="-317500" lvl="6" marL="3200400" rtl="0">
+            <a:lvl7pPr marL="3200400" lvl="6" indent="-317500" rtl="0">
               <a:spcBef>
                 <a:spcPts val="1600"/>
               </a:spcBef>
@@ -4820,7 +4964,7 @@
               <a:buChar char="●"/>
               <a:defRPr/>
             </a:lvl7pPr>
-            <a:lvl8pPr indent="-317500" lvl="7" marL="3657600" rtl="0">
+            <a:lvl8pPr marL="3657600" lvl="7" indent="-317500" rtl="0">
               <a:spcBef>
                 <a:spcPts val="1600"/>
               </a:spcBef>
@@ -4831,7 +4975,7 @@
               <a:buChar char="○"/>
               <a:defRPr/>
             </a:lvl8pPr>
-            <a:lvl9pPr indent="-317500" lvl="8" marL="4114800" rtl="0">
+            <a:lvl9pPr marL="4114800" lvl="8" indent="-317500" rtl="0">
               <a:spcBef>
                 <a:spcPts val="1600"/>
               </a:spcBef>
@@ -4843,15 +4987,19 @@
               <a:defRPr/>
             </a:lvl9pPr>
           </a:lstStyle>
-          <a:p/>
+          <a:p>
+            <a:endParaRPr/>
+          </a:p>
         </p:txBody>
       </p:sp>
       <p:sp>
         <p:nvSpPr>
           <p:cNvPr id="40" name="Google Shape;40;p9"/>
-          <p:cNvSpPr txBox="1"/>
+          <p:cNvSpPr txBox="1">
+            <a:spLocks noGrp="1"/>
+          </p:cNvSpPr>
           <p:nvPr>
-            <p:ph idx="12" type="sldNum"/>
+            <p:ph type="sldNum" idx="12"/>
           </p:nvPr>
         </p:nvSpPr>
         <p:spPr>
@@ -4864,7 +5012,7 @@
           </a:prstGeom>
         </p:spPr>
         <p:txBody>
-          <a:bodyPr anchorCtr="0" anchor="ctr" bIns="91425" lIns="91425" spcFirstLastPara="1" rIns="91425" wrap="square" tIns="91425">
+          <a:bodyPr spcFirstLastPara="1" wrap="square" lIns="91425" tIns="91425" rIns="91425" bIns="91425" anchor="ctr" anchorCtr="0">
             <a:noAutofit/>
           </a:bodyPr>
           <a:lstStyle>
@@ -4906,7 +5054,7 @@
             </a:lvl9pPr>
           </a:lstStyle>
           <a:p>
-            <a:pPr indent="0" lvl="0" marL="0" rtl="0" algn="r">
+            <a:pPr marL="0" lvl="0" indent="0" algn="r" rtl="0">
               <a:spcBef>
                 <a:spcPts val="0"/>
               </a:spcBef>
@@ -4932,11 +5080,11 @@
 </file>
 
 <file path=ppt/slideLayouts/slideLayout9.xml><?xml version="1.0" encoding="utf-8"?>
-<p:sldLayout xmlns:a="http://schemas.openxmlformats.org/drawingml/2006/main" xmlns:r="http://schemas.openxmlformats.org/officeDocument/2006/relationships" xmlns:mc="http://schemas.openxmlformats.org/markup-compatibility/2006" xmlns:mv="urn:schemas-microsoft-com:mac:vml" xmlns:p="http://schemas.openxmlformats.org/presentationml/2006/main" xmlns:c="http://schemas.openxmlformats.org/drawingml/2006/chart" xmlns:dgm="http://schemas.openxmlformats.org/drawingml/2006/diagram" xmlns:o="urn:schemas-microsoft-com:office:office" xmlns:v="urn:schemas-microsoft-com:vml" xmlns:pvml="urn:schemas-microsoft-com:office:powerpoint" xmlns:com="http://schemas.openxmlformats.org/drawingml/2006/compatibility" xmlns:p14="http://schemas.microsoft.com/office/powerpoint/2010/main" xmlns:p15="http://schemas.microsoft.com/office/powerpoint/2012/main" matchingName="Caption">
+<p:sldLayout xmlns:a="http://schemas.openxmlformats.org/drawingml/2006/main" xmlns:r="http://schemas.openxmlformats.org/officeDocument/2006/relationships" xmlns:p="http://schemas.openxmlformats.org/presentationml/2006/main" matchingName="Caption">
   <p:cSld name="CAPTION_ONLY">
     <p:spTree>
       <p:nvGrpSpPr>
-        <p:cNvPr id="41" name="Shape 41"/>
+        <p:cNvPr id="1" name="Shape 41"/>
         <p:cNvGrpSpPr/>
         <p:nvPr/>
       </p:nvGrpSpPr>
@@ -4951,9 +5099,11 @@
       <p:sp>
         <p:nvSpPr>
           <p:cNvPr id="42" name="Google Shape;42;p10"/>
-          <p:cNvSpPr txBox="1"/>
+          <p:cNvSpPr txBox="1">
+            <a:spLocks noGrp="1"/>
+          </p:cNvSpPr>
           <p:nvPr>
-            <p:ph idx="1" type="body"/>
+            <p:ph type="body" idx="1"/>
           </p:nvPr>
         </p:nvSpPr>
         <p:spPr>
@@ -4966,11 +5116,11 @@
           </a:prstGeom>
         </p:spPr>
         <p:txBody>
-          <a:bodyPr anchorCtr="0" anchor="ctr" bIns="91425" lIns="91425" spcFirstLastPara="1" rIns="91425" wrap="square" tIns="91425">
+          <a:bodyPr spcFirstLastPara="1" wrap="square" lIns="91425" tIns="91425" rIns="91425" bIns="91425" anchor="ctr" anchorCtr="0">
             <a:noAutofit/>
           </a:bodyPr>
           <a:lstStyle>
-            <a:lvl1pPr indent="-228600" lvl="0" marL="457200" rtl="0">
+            <a:lvl1pPr marL="457200" lvl="0" indent="-228600" rtl="0">
               <a:lnSpc>
                 <a:spcPct val="100000"/>
               </a:lnSpc>
@@ -4985,15 +5135,19 @@
               <a:defRPr/>
             </a:lvl1pPr>
           </a:lstStyle>
-          <a:p/>
+          <a:p>
+            <a:endParaRPr/>
+          </a:p>
         </p:txBody>
       </p:sp>
       <p:sp>
         <p:nvSpPr>
           <p:cNvPr id="43" name="Google Shape;43;p10"/>
-          <p:cNvSpPr txBox="1"/>
+          <p:cNvSpPr txBox="1">
+            <a:spLocks noGrp="1"/>
+          </p:cNvSpPr>
           <p:nvPr>
-            <p:ph idx="12" type="sldNum"/>
+            <p:ph type="sldNum" idx="12"/>
           </p:nvPr>
         </p:nvSpPr>
         <p:spPr>
@@ -5006,7 +5160,7 @@
           </a:prstGeom>
         </p:spPr>
         <p:txBody>
-          <a:bodyPr anchorCtr="0" anchor="ctr" bIns="91425" lIns="91425" spcFirstLastPara="1" rIns="91425" wrap="square" tIns="91425">
+          <a:bodyPr spcFirstLastPara="1" wrap="square" lIns="91425" tIns="91425" rIns="91425" bIns="91425" anchor="ctr" anchorCtr="0">
             <a:noAutofit/>
           </a:bodyPr>
           <a:lstStyle>
@@ -5048,7 +5202,7 @@
             </a:lvl9pPr>
           </a:lstStyle>
           <a:p>
-            <a:pPr indent="0" lvl="0" marL="0" rtl="0" algn="r">
+            <a:pPr marL="0" lvl="0" indent="0" algn="r" rtl="0">
               <a:spcBef>
                 <a:spcPts val="0"/>
               </a:spcBef>
@@ -5074,18 +5228,19 @@
 </file>
 
 <file path=ppt/slideMasters/slideMaster1.xml><?xml version="1.0" encoding="utf-8"?>
-<p:sldMaster xmlns:a="http://schemas.openxmlformats.org/drawingml/2006/main" xmlns:r="http://schemas.openxmlformats.org/officeDocument/2006/relationships" xmlns:mc="http://schemas.openxmlformats.org/markup-compatibility/2006" xmlns:mv="urn:schemas-microsoft-com:mac:vml" xmlns:p="http://schemas.openxmlformats.org/presentationml/2006/main" xmlns:c="http://schemas.openxmlformats.org/drawingml/2006/chart" xmlns:dgm="http://schemas.openxmlformats.org/drawingml/2006/diagram" xmlns:o="urn:schemas-microsoft-com:office:office" xmlns:v="urn:schemas-microsoft-com:vml" xmlns:pvml="urn:schemas-microsoft-com:office:powerpoint" xmlns:com="http://schemas.openxmlformats.org/drawingml/2006/compatibility" xmlns:p14="http://schemas.microsoft.com/office/powerpoint/2010/main" xmlns:p15="http://schemas.microsoft.com/office/powerpoint/2012/main">
+<p:sldMaster xmlns:a="http://schemas.openxmlformats.org/drawingml/2006/main" xmlns:r="http://schemas.openxmlformats.org/officeDocument/2006/relationships" xmlns:p="http://schemas.openxmlformats.org/presentationml/2006/main">
   <p:cSld name="simple-light-2">
     <p:bg>
       <p:bgPr>
         <a:solidFill>
           <a:schemeClr val="lt1"/>
         </a:solidFill>
+        <a:effectLst/>
       </p:bgPr>
     </p:bg>
     <p:spTree>
       <p:nvGrpSpPr>
-        <p:cNvPr id="5" name="Shape 5"/>
+        <p:cNvPr id="1" name="Shape 5"/>
         <p:cNvGrpSpPr/>
         <p:nvPr/>
       </p:nvGrpSpPr>
@@ -5100,7 +5255,9 @@
       <p:sp>
         <p:nvSpPr>
           <p:cNvPr id="6" name="Google Shape;6;p1"/>
-          <p:cNvSpPr txBox="1"/>
+          <p:cNvSpPr txBox="1">
+            <a:spLocks noGrp="1"/>
+          </p:cNvSpPr>
           <p:nvPr>
             <p:ph type="title"/>
           </p:nvPr>
@@ -5119,7 +5276,7 @@
           </a:ln>
         </p:spPr>
         <p:txBody>
-          <a:bodyPr anchorCtr="0" anchor="t" bIns="91425" lIns="91425" spcFirstLastPara="1" rIns="91425" wrap="square" tIns="91425">
+          <a:bodyPr spcFirstLastPara="1" wrap="square" lIns="91425" tIns="91425" rIns="91425" bIns="91425" anchor="t" anchorCtr="0">
             <a:noAutofit/>
           </a:bodyPr>
           <a:lstStyle>
@@ -5286,15 +5443,19 @@
               </a:defRPr>
             </a:lvl9pPr>
           </a:lstStyle>
-          <a:p/>
+          <a:p>
+            <a:endParaRPr/>
+          </a:p>
         </p:txBody>
       </p:sp>
       <p:sp>
         <p:nvSpPr>
           <p:cNvPr id="7" name="Google Shape;7;p1"/>
-          <p:cNvSpPr txBox="1"/>
+          <p:cNvSpPr txBox="1">
+            <a:spLocks noGrp="1"/>
+          </p:cNvSpPr>
           <p:nvPr>
-            <p:ph idx="1" type="body"/>
+            <p:ph type="body" idx="1"/>
           </p:nvPr>
         </p:nvSpPr>
         <p:spPr>
@@ -5311,11 +5472,11 @@
           </a:ln>
         </p:spPr>
         <p:txBody>
-          <a:bodyPr anchorCtr="0" anchor="t" bIns="91425" lIns="91425" spcFirstLastPara="1" rIns="91425" wrap="square" tIns="91425">
+          <a:bodyPr spcFirstLastPara="1" wrap="square" lIns="91425" tIns="91425" rIns="91425" bIns="91425" anchor="t" anchorCtr="0">
             <a:noAutofit/>
           </a:bodyPr>
           <a:lstStyle>
-            <a:lvl1pPr indent="-342900" lvl="0" marL="457200" rtl="0">
+            <a:lvl1pPr marL="457200" lvl="0" indent="-342900" rtl="0">
               <a:lnSpc>
                 <a:spcPct val="115000"/>
               </a:lnSpc>
@@ -5336,7 +5497,7 @@
                 </a:solidFill>
               </a:defRPr>
             </a:lvl1pPr>
-            <a:lvl2pPr indent="-317500" lvl="1" marL="914400" rtl="0">
+            <a:lvl2pPr marL="914400" lvl="1" indent="-317500" rtl="0">
               <a:lnSpc>
                 <a:spcPct val="115000"/>
               </a:lnSpc>
@@ -5357,7 +5518,7 @@
                 </a:solidFill>
               </a:defRPr>
             </a:lvl2pPr>
-            <a:lvl3pPr indent="-317500" lvl="2" marL="1371600" rtl="0">
+            <a:lvl3pPr marL="1371600" lvl="2" indent="-317500" rtl="0">
               <a:lnSpc>
                 <a:spcPct val="115000"/>
               </a:lnSpc>
@@ -5378,7 +5539,7 @@
                 </a:solidFill>
               </a:defRPr>
             </a:lvl3pPr>
-            <a:lvl4pPr indent="-317500" lvl="3" marL="1828800" rtl="0">
+            <a:lvl4pPr marL="1828800" lvl="3" indent="-317500" rtl="0">
               <a:lnSpc>
                 <a:spcPct val="115000"/>
               </a:lnSpc>
@@ -5399,7 +5560,7 @@
                 </a:solidFill>
               </a:defRPr>
             </a:lvl4pPr>
-            <a:lvl5pPr indent="-317500" lvl="4" marL="2286000" rtl="0">
+            <a:lvl5pPr marL="2286000" lvl="4" indent="-317500" rtl="0">
               <a:lnSpc>
                 <a:spcPct val="115000"/>
               </a:lnSpc>
@@ -5420,7 +5581,7 @@
                 </a:solidFill>
               </a:defRPr>
             </a:lvl5pPr>
-            <a:lvl6pPr indent="-317500" lvl="5" marL="2743200" rtl="0">
+            <a:lvl6pPr marL="2743200" lvl="5" indent="-317500" rtl="0">
               <a:lnSpc>
                 <a:spcPct val="115000"/>
               </a:lnSpc>
@@ -5441,7 +5602,7 @@
                 </a:solidFill>
               </a:defRPr>
             </a:lvl6pPr>
-            <a:lvl7pPr indent="-317500" lvl="6" marL="3200400" rtl="0">
+            <a:lvl7pPr marL="3200400" lvl="6" indent="-317500" rtl="0">
               <a:lnSpc>
                 <a:spcPct val="115000"/>
               </a:lnSpc>
@@ -5462,7 +5623,7 @@
                 </a:solidFill>
               </a:defRPr>
             </a:lvl7pPr>
-            <a:lvl8pPr indent="-317500" lvl="7" marL="3657600" rtl="0">
+            <a:lvl8pPr marL="3657600" lvl="7" indent="-317500" rtl="0">
               <a:lnSpc>
                 <a:spcPct val="115000"/>
               </a:lnSpc>
@@ -5483,7 +5644,7 @@
                 </a:solidFill>
               </a:defRPr>
             </a:lvl8pPr>
-            <a:lvl9pPr indent="-317500" lvl="8" marL="4114800" rtl="0">
+            <a:lvl9pPr marL="4114800" lvl="8" indent="-317500" rtl="0">
               <a:lnSpc>
                 <a:spcPct val="115000"/>
               </a:lnSpc>
@@ -5505,15 +5666,19 @@
               </a:defRPr>
             </a:lvl9pPr>
           </a:lstStyle>
-          <a:p/>
+          <a:p>
+            <a:endParaRPr/>
+          </a:p>
         </p:txBody>
       </p:sp>
       <p:sp>
         <p:nvSpPr>
           <p:cNvPr id="8" name="Google Shape;8;p1"/>
-          <p:cNvSpPr txBox="1"/>
+          <p:cNvSpPr txBox="1">
+            <a:spLocks noGrp="1"/>
+          </p:cNvSpPr>
           <p:nvPr>
-            <p:ph idx="12" type="sldNum"/>
+            <p:ph type="sldNum" idx="12"/>
           </p:nvPr>
         </p:nvSpPr>
         <p:spPr>
@@ -5530,11 +5695,11 @@
           </a:ln>
         </p:spPr>
         <p:txBody>
-          <a:bodyPr anchorCtr="0" anchor="ctr" bIns="91425" lIns="91425" spcFirstLastPara="1" rIns="91425" wrap="square" tIns="91425">
+          <a:bodyPr spcFirstLastPara="1" wrap="square" lIns="91425" tIns="91425" rIns="91425" bIns="91425" anchor="ctr" anchorCtr="0">
             <a:noAutofit/>
           </a:bodyPr>
           <a:lstStyle>
-            <a:lvl1pPr lvl="0" rtl="0" algn="r">
+            <a:lvl1pPr lvl="0" algn="r" rtl="0">
               <a:buNone/>
               <a:defRPr sz="1000">
                 <a:solidFill>
@@ -5542,7 +5707,7 @@
                 </a:solidFill>
               </a:defRPr>
             </a:lvl1pPr>
-            <a:lvl2pPr lvl="1" rtl="0" algn="r">
+            <a:lvl2pPr lvl="1" algn="r" rtl="0">
               <a:buNone/>
               <a:defRPr sz="1000">
                 <a:solidFill>
@@ -5550,7 +5715,7 @@
                 </a:solidFill>
               </a:defRPr>
             </a:lvl2pPr>
-            <a:lvl3pPr lvl="2" rtl="0" algn="r">
+            <a:lvl3pPr lvl="2" algn="r" rtl="0">
               <a:buNone/>
               <a:defRPr sz="1000">
                 <a:solidFill>
@@ -5558,7 +5723,7 @@
                 </a:solidFill>
               </a:defRPr>
             </a:lvl3pPr>
-            <a:lvl4pPr lvl="3" rtl="0" algn="r">
+            <a:lvl4pPr lvl="3" algn="r" rtl="0">
               <a:buNone/>
               <a:defRPr sz="1000">
                 <a:solidFill>
@@ -5566,7 +5731,7 @@
                 </a:solidFill>
               </a:defRPr>
             </a:lvl4pPr>
-            <a:lvl5pPr lvl="4" rtl="0" algn="r">
+            <a:lvl5pPr lvl="4" algn="r" rtl="0">
               <a:buNone/>
               <a:defRPr sz="1000">
                 <a:solidFill>
@@ -5574,7 +5739,7 @@
                 </a:solidFill>
               </a:defRPr>
             </a:lvl5pPr>
-            <a:lvl6pPr lvl="5" rtl="0" algn="r">
+            <a:lvl6pPr lvl="5" algn="r" rtl="0">
               <a:buNone/>
               <a:defRPr sz="1000">
                 <a:solidFill>
@@ -5582,7 +5747,7 @@
                 </a:solidFill>
               </a:defRPr>
             </a:lvl6pPr>
-            <a:lvl7pPr lvl="6" rtl="0" algn="r">
+            <a:lvl7pPr lvl="6" algn="r" rtl="0">
               <a:buNone/>
               <a:defRPr sz="1000">
                 <a:solidFill>
@@ -5590,7 +5755,7 @@
                 </a:solidFill>
               </a:defRPr>
             </a:lvl7pPr>
-            <a:lvl8pPr lvl="7" rtl="0" algn="r">
+            <a:lvl8pPr lvl="7" algn="r" rtl="0">
               <a:buNone/>
               <a:defRPr sz="1000">
                 <a:solidFill>
@@ -5598,7 +5763,7 @@
                 </a:solidFill>
               </a:defRPr>
             </a:lvl8pPr>
-            <a:lvl9pPr lvl="8" rtl="0" algn="r">
+            <a:lvl9pPr lvl="8" algn="r" rtl="0">
               <a:buNone/>
               <a:defRPr sz="1000">
                 <a:solidFill>
@@ -5608,7 +5773,7 @@
             </a:lvl9pPr>
           </a:lstStyle>
           <a:p>
-            <a:pPr indent="0" lvl="0" marL="0" rtl="0" algn="r">
+            <a:pPr marL="0" lvl="0" indent="0" algn="r" rtl="0">
               <a:spcBef>
                 <a:spcPts val="0"/>
               </a:spcBef>
@@ -5627,7 +5792,7 @@
       </p:sp>
     </p:spTree>
   </p:cSld>
-  <p:clrMap accent1="accent1" accent2="accent2" accent3="accent3" accent4="accent4" accent5="accent5" accent6="accent6" bg1="lt1" bg2="dk2" tx1="dk1" tx2="lt2" folHlink="folHlink" hlink="hlink"/>
+  <p:clrMap bg1="lt1" tx1="dk1" bg2="dk2" tx2="lt2" accent1="accent1" accent2="accent2" accent3="accent3" accent4="accent4" accent5="accent5" accent6="accent6" hlink="hlink" folHlink="folHlink"/>
   <p:sldLayoutIdLst>
     <p:sldLayoutId id="2147483648" r:id="rId1"/>
     <p:sldLayoutId id="2147483649" r:id="rId2"/>
@@ -5641,10 +5806,10 @@
     <p:sldLayoutId id="2147483657" r:id="rId10"/>
     <p:sldLayoutId id="2147483658" r:id="rId11"/>
   </p:sldLayoutIdLst>
-  <p:hf dt="0" ftr="0" hdr="0"/>
+  <p:hf hdr="0" ftr="0" dt="0"/>
   <p:txStyles>
     <p:titleStyle>
-      <a:defPPr lvl="0" marR="0" rtl="0" algn="l">
+      <a:defPPr marR="0" lvl="0" algn="l" rtl="0">
         <a:lnSpc>
           <a:spcPct val="100000"/>
         </a:lnSpc>
@@ -5655,7 +5820,7 @@
           <a:spcPts val="0"/>
         </a:spcAft>
       </a:defPPr>
-      <a:lvl1pPr lvl="0" marR="0" rtl="0" algn="l">
+      <a:lvl1pPr marR="0" lvl="0" algn="l" rtl="0">
         <a:lnSpc>
           <a:spcPct val="100000"/>
         </a:lnSpc>
@@ -5669,7 +5834,7 @@
           <a:srgbClr val="000000"/>
         </a:buClr>
         <a:buFont typeface="Arial"/>
-        <a:defRPr b="0" i="0" sz="1400" u="none" cap="none" strike="noStrike">
+        <a:defRPr sz="1400" b="0" i="0" u="none" strike="noStrike" cap="none">
           <a:solidFill>
             <a:srgbClr val="000000"/>
           </a:solidFill>
@@ -5679,7 +5844,7 @@
           <a:sym typeface="Arial"/>
         </a:defRPr>
       </a:lvl1pPr>
-      <a:lvl2pPr lvl="1" marR="0" rtl="0" algn="l">
+      <a:lvl2pPr marR="0" lvl="1" algn="l" rtl="0">
         <a:lnSpc>
           <a:spcPct val="100000"/>
         </a:lnSpc>
@@ -5693,7 +5858,7 @@
           <a:srgbClr val="000000"/>
         </a:buClr>
         <a:buFont typeface="Arial"/>
-        <a:defRPr b="0" i="0" sz="1400" u="none" cap="none" strike="noStrike">
+        <a:defRPr sz="1400" b="0" i="0" u="none" strike="noStrike" cap="none">
           <a:solidFill>
             <a:srgbClr val="000000"/>
           </a:solidFill>
@@ -5703,7 +5868,7 @@
           <a:sym typeface="Arial"/>
         </a:defRPr>
       </a:lvl2pPr>
-      <a:lvl3pPr lvl="2" marR="0" rtl="0" algn="l">
+      <a:lvl3pPr marR="0" lvl="2" algn="l" rtl="0">
         <a:lnSpc>
           <a:spcPct val="100000"/>
         </a:lnSpc>
@@ -5717,7 +5882,7 @@
           <a:srgbClr val="000000"/>
         </a:buClr>
         <a:buFont typeface="Arial"/>
-        <a:defRPr b="0" i="0" sz="1400" u="none" cap="none" strike="noStrike">
+        <a:defRPr sz="1400" b="0" i="0" u="none" strike="noStrike" cap="none">
           <a:solidFill>
             <a:srgbClr val="000000"/>
           </a:solidFill>
@@ -5727,7 +5892,7 @@
           <a:sym typeface="Arial"/>
         </a:defRPr>
       </a:lvl3pPr>
-      <a:lvl4pPr lvl="3" marR="0" rtl="0" algn="l">
+      <a:lvl4pPr marR="0" lvl="3" algn="l" rtl="0">
         <a:lnSpc>
           <a:spcPct val="100000"/>
         </a:lnSpc>
@@ -5741,7 +5906,7 @@
           <a:srgbClr val="000000"/>
         </a:buClr>
         <a:buFont typeface="Arial"/>
-        <a:defRPr b="0" i="0" sz="1400" u="none" cap="none" strike="noStrike">
+        <a:defRPr sz="1400" b="0" i="0" u="none" strike="noStrike" cap="none">
           <a:solidFill>
             <a:srgbClr val="000000"/>
           </a:solidFill>
@@ -5751,7 +5916,7 @@
           <a:sym typeface="Arial"/>
         </a:defRPr>
       </a:lvl4pPr>
-      <a:lvl5pPr lvl="4" marR="0" rtl="0" algn="l">
+      <a:lvl5pPr marR="0" lvl="4" algn="l" rtl="0">
         <a:lnSpc>
           <a:spcPct val="100000"/>
         </a:lnSpc>
@@ -5765,7 +5930,7 @@
           <a:srgbClr val="000000"/>
         </a:buClr>
         <a:buFont typeface="Arial"/>
-        <a:defRPr b="0" i="0" sz="1400" u="none" cap="none" strike="noStrike">
+        <a:defRPr sz="1400" b="0" i="0" u="none" strike="noStrike" cap="none">
           <a:solidFill>
             <a:srgbClr val="000000"/>
           </a:solidFill>
@@ -5775,7 +5940,7 @@
           <a:sym typeface="Arial"/>
         </a:defRPr>
       </a:lvl5pPr>
-      <a:lvl6pPr lvl="5" marR="0" rtl="0" algn="l">
+      <a:lvl6pPr marR="0" lvl="5" algn="l" rtl="0">
         <a:lnSpc>
           <a:spcPct val="100000"/>
         </a:lnSpc>
@@ -5789,7 +5954,7 @@
           <a:srgbClr val="000000"/>
         </a:buClr>
         <a:buFont typeface="Arial"/>
-        <a:defRPr b="0" i="0" sz="1400" u="none" cap="none" strike="noStrike">
+        <a:defRPr sz="1400" b="0" i="0" u="none" strike="noStrike" cap="none">
           <a:solidFill>
             <a:srgbClr val="000000"/>
           </a:solidFill>
@@ -5799,7 +5964,7 @@
           <a:sym typeface="Arial"/>
         </a:defRPr>
       </a:lvl6pPr>
-      <a:lvl7pPr lvl="6" marR="0" rtl="0" algn="l">
+      <a:lvl7pPr marR="0" lvl="6" algn="l" rtl="0">
         <a:lnSpc>
           <a:spcPct val="100000"/>
         </a:lnSpc>
@@ -5813,7 +5978,7 @@
           <a:srgbClr val="000000"/>
         </a:buClr>
         <a:buFont typeface="Arial"/>
-        <a:defRPr b="0" i="0" sz="1400" u="none" cap="none" strike="noStrike">
+        <a:defRPr sz="1400" b="0" i="0" u="none" strike="noStrike" cap="none">
           <a:solidFill>
             <a:srgbClr val="000000"/>
           </a:solidFill>
@@ -5823,7 +5988,7 @@
           <a:sym typeface="Arial"/>
         </a:defRPr>
       </a:lvl7pPr>
-      <a:lvl8pPr lvl="7" marR="0" rtl="0" algn="l">
+      <a:lvl8pPr marR="0" lvl="7" algn="l" rtl="0">
         <a:lnSpc>
           <a:spcPct val="100000"/>
         </a:lnSpc>
@@ -5837,7 +6002,7 @@
           <a:srgbClr val="000000"/>
         </a:buClr>
         <a:buFont typeface="Arial"/>
-        <a:defRPr b="0" i="0" sz="1400" u="none" cap="none" strike="noStrike">
+        <a:defRPr sz="1400" b="0" i="0" u="none" strike="noStrike" cap="none">
           <a:solidFill>
             <a:srgbClr val="000000"/>
           </a:solidFill>
@@ -5847,7 +6012,7 @@
           <a:sym typeface="Arial"/>
         </a:defRPr>
       </a:lvl8pPr>
-      <a:lvl9pPr lvl="8" marR="0" rtl="0" algn="l">
+      <a:lvl9pPr marR="0" lvl="8" algn="l" rtl="0">
         <a:lnSpc>
           <a:spcPct val="100000"/>
         </a:lnSpc>
@@ -5861,7 +6026,7 @@
           <a:srgbClr val="000000"/>
         </a:buClr>
         <a:buFont typeface="Arial"/>
-        <a:defRPr b="0" i="0" sz="1400" u="none" cap="none" strike="noStrike">
+        <a:defRPr sz="1400" b="0" i="0" u="none" strike="noStrike" cap="none">
           <a:solidFill>
             <a:srgbClr val="000000"/>
           </a:solidFill>
@@ -5873,7 +6038,7 @@
       </a:lvl9pPr>
     </p:titleStyle>
     <p:bodyStyle>
-      <a:defPPr lvl="0" marR="0" rtl="0" algn="l">
+      <a:defPPr marR="0" lvl="0" algn="l" rtl="0">
         <a:lnSpc>
           <a:spcPct val="100000"/>
         </a:lnSpc>
@@ -5884,7 +6049,7 @@
           <a:spcPts val="0"/>
         </a:spcAft>
       </a:defPPr>
-      <a:lvl1pPr lvl="0" marR="0" rtl="0" algn="l">
+      <a:lvl1pPr marR="0" lvl="0" algn="l" rtl="0">
         <a:lnSpc>
           <a:spcPct val="100000"/>
         </a:lnSpc>
@@ -5898,7 +6063,7 @@
           <a:srgbClr val="000000"/>
         </a:buClr>
         <a:buFont typeface="Arial"/>
-        <a:defRPr b="0" i="0" sz="1400" u="none" cap="none" strike="noStrike">
+        <a:defRPr sz="1400" b="0" i="0" u="none" strike="noStrike" cap="none">
           <a:solidFill>
             <a:srgbClr val="000000"/>
           </a:solidFill>
@@ -5908,7 +6073,7 @@
           <a:sym typeface="Arial"/>
         </a:defRPr>
       </a:lvl1pPr>
-      <a:lvl2pPr lvl="1" marR="0" rtl="0" algn="l">
+      <a:lvl2pPr marR="0" lvl="1" algn="l" rtl="0">
         <a:lnSpc>
           <a:spcPct val="100000"/>
         </a:lnSpc>
@@ -5922,7 +6087,7 @@
           <a:srgbClr val="000000"/>
         </a:buClr>
         <a:buFont typeface="Arial"/>
-        <a:defRPr b="0" i="0" sz="1400" u="none" cap="none" strike="noStrike">
+        <a:defRPr sz="1400" b="0" i="0" u="none" strike="noStrike" cap="none">
           <a:solidFill>
             <a:srgbClr val="000000"/>
           </a:solidFill>
@@ -5932,7 +6097,7 @@
           <a:sym typeface="Arial"/>
         </a:defRPr>
       </a:lvl2pPr>
-      <a:lvl3pPr lvl="2" marR="0" rtl="0" algn="l">
+      <a:lvl3pPr marR="0" lvl="2" algn="l" rtl="0">
         <a:lnSpc>
           <a:spcPct val="100000"/>
         </a:lnSpc>
@@ -5946,7 +6111,7 @@
           <a:srgbClr val="000000"/>
         </a:buClr>
         <a:buFont typeface="Arial"/>
-        <a:defRPr b="0" i="0" sz="1400" u="none" cap="none" strike="noStrike">
+        <a:defRPr sz="1400" b="0" i="0" u="none" strike="noStrike" cap="none">
           <a:solidFill>
             <a:srgbClr val="000000"/>
           </a:solidFill>
@@ -5956,7 +6121,7 @@
           <a:sym typeface="Arial"/>
         </a:defRPr>
       </a:lvl3pPr>
-      <a:lvl4pPr lvl="3" marR="0" rtl="0" algn="l">
+      <a:lvl4pPr marR="0" lvl="3" algn="l" rtl="0">
         <a:lnSpc>
           <a:spcPct val="100000"/>
         </a:lnSpc>
@@ -5970,7 +6135,7 @@
           <a:srgbClr val="000000"/>
         </a:buClr>
         <a:buFont typeface="Arial"/>
-        <a:defRPr b="0" i="0" sz="1400" u="none" cap="none" strike="noStrike">
+        <a:defRPr sz="1400" b="0" i="0" u="none" strike="noStrike" cap="none">
           <a:solidFill>
             <a:srgbClr val="000000"/>
           </a:solidFill>
@@ -5980,7 +6145,7 @@
           <a:sym typeface="Arial"/>
         </a:defRPr>
       </a:lvl4pPr>
-      <a:lvl5pPr lvl="4" marR="0" rtl="0" algn="l">
+      <a:lvl5pPr marR="0" lvl="4" algn="l" rtl="0">
         <a:lnSpc>
           <a:spcPct val="100000"/>
         </a:lnSpc>
@@ -5994,7 +6159,7 @@
           <a:srgbClr val="000000"/>
         </a:buClr>
         <a:buFont typeface="Arial"/>
-        <a:defRPr b="0" i="0" sz="1400" u="none" cap="none" strike="noStrike">
+        <a:defRPr sz="1400" b="0" i="0" u="none" strike="noStrike" cap="none">
           <a:solidFill>
             <a:srgbClr val="000000"/>
           </a:solidFill>
@@ -6004,7 +6169,7 @@
           <a:sym typeface="Arial"/>
         </a:defRPr>
       </a:lvl5pPr>
-      <a:lvl6pPr lvl="5" marR="0" rtl="0" algn="l">
+      <a:lvl6pPr marR="0" lvl="5" algn="l" rtl="0">
         <a:lnSpc>
           <a:spcPct val="100000"/>
         </a:lnSpc>
@@ -6018,7 +6183,7 @@
           <a:srgbClr val="000000"/>
         </a:buClr>
         <a:buFont typeface="Arial"/>
-        <a:defRPr b="0" i="0" sz="1400" u="none" cap="none" strike="noStrike">
+        <a:defRPr sz="1400" b="0" i="0" u="none" strike="noStrike" cap="none">
           <a:solidFill>
             <a:srgbClr val="000000"/>
           </a:solidFill>
@@ -6028,7 +6193,7 @@
           <a:sym typeface="Arial"/>
         </a:defRPr>
       </a:lvl6pPr>
-      <a:lvl7pPr lvl="6" marR="0" rtl="0" algn="l">
+      <a:lvl7pPr marR="0" lvl="6" algn="l" rtl="0">
         <a:lnSpc>
           <a:spcPct val="100000"/>
         </a:lnSpc>
@@ -6042,7 +6207,7 @@
           <a:srgbClr val="000000"/>
         </a:buClr>
         <a:buFont typeface="Arial"/>
-        <a:defRPr b="0" i="0" sz="1400" u="none" cap="none" strike="noStrike">
+        <a:defRPr sz="1400" b="0" i="0" u="none" strike="noStrike" cap="none">
           <a:solidFill>
             <a:srgbClr val="000000"/>
           </a:solidFill>
@@ -6052,7 +6217,7 @@
           <a:sym typeface="Arial"/>
         </a:defRPr>
       </a:lvl7pPr>
-      <a:lvl8pPr lvl="7" marR="0" rtl="0" algn="l">
+      <a:lvl8pPr marR="0" lvl="7" algn="l" rtl="0">
         <a:lnSpc>
           <a:spcPct val="100000"/>
         </a:lnSpc>
@@ -6066,7 +6231,7 @@
           <a:srgbClr val="000000"/>
         </a:buClr>
         <a:buFont typeface="Arial"/>
-        <a:defRPr b="0" i="0" sz="1400" u="none" cap="none" strike="noStrike">
+        <a:defRPr sz="1400" b="0" i="0" u="none" strike="noStrike" cap="none">
           <a:solidFill>
             <a:srgbClr val="000000"/>
           </a:solidFill>
@@ -6076,7 +6241,7 @@
           <a:sym typeface="Arial"/>
         </a:defRPr>
       </a:lvl8pPr>
-      <a:lvl9pPr lvl="8" marR="0" rtl="0" algn="l">
+      <a:lvl9pPr marR="0" lvl="8" algn="l" rtl="0">
         <a:lnSpc>
           <a:spcPct val="100000"/>
         </a:lnSpc>
@@ -6090,7 +6255,7 @@
           <a:srgbClr val="000000"/>
         </a:buClr>
         <a:buFont typeface="Arial"/>
-        <a:defRPr b="0" i="0" sz="1400" u="none" cap="none" strike="noStrike">
+        <a:defRPr sz="1400" b="0" i="0" u="none" strike="noStrike" cap="none">
           <a:solidFill>
             <a:srgbClr val="000000"/>
           </a:solidFill>
@@ -6102,7 +6267,7 @@
       </a:lvl9pPr>
     </p:bodyStyle>
     <p:otherStyle>
-      <a:defPPr lvl="0" marR="0" rtl="0" algn="l">
+      <a:defPPr marR="0" lvl="0" algn="l" rtl="0">
         <a:lnSpc>
           <a:spcPct val="100000"/>
         </a:lnSpc>
@@ -6113,7 +6278,7 @@
           <a:spcPts val="0"/>
         </a:spcAft>
       </a:defPPr>
-      <a:lvl1pPr lvl="0" marR="0" rtl="0" algn="l">
+      <a:lvl1pPr marR="0" lvl="0" algn="l" rtl="0">
         <a:lnSpc>
           <a:spcPct val="100000"/>
         </a:lnSpc>
@@ -6127,7 +6292,7 @@
           <a:srgbClr val="000000"/>
         </a:buClr>
         <a:buFont typeface="Arial"/>
-        <a:defRPr b="0" i="0" sz="1400" u="none" cap="none" strike="noStrike">
+        <a:defRPr sz="1400" b="0" i="0" u="none" strike="noStrike" cap="none">
           <a:solidFill>
             <a:srgbClr val="000000"/>
           </a:solidFill>
@@ -6137,7 +6302,7 @@
           <a:sym typeface="Arial"/>
         </a:defRPr>
       </a:lvl1pPr>
-      <a:lvl2pPr lvl="1" marR="0" rtl="0" algn="l">
+      <a:lvl2pPr marR="0" lvl="1" algn="l" rtl="0">
         <a:lnSpc>
           <a:spcPct val="100000"/>
         </a:lnSpc>
@@ -6151,7 +6316,7 @@
           <a:srgbClr val="000000"/>
         </a:buClr>
         <a:buFont typeface="Arial"/>
-        <a:defRPr b="0" i="0" sz="1400" u="none" cap="none" strike="noStrike">
+        <a:defRPr sz="1400" b="0" i="0" u="none" strike="noStrike" cap="none">
           <a:solidFill>
             <a:srgbClr val="000000"/>
           </a:solidFill>
@@ -6161,7 +6326,7 @@
           <a:sym typeface="Arial"/>
         </a:defRPr>
       </a:lvl2pPr>
-      <a:lvl3pPr lvl="2" marR="0" rtl="0" algn="l">
+      <a:lvl3pPr marR="0" lvl="2" algn="l" rtl="0">
         <a:lnSpc>
           <a:spcPct val="100000"/>
         </a:lnSpc>
@@ -6175,7 +6340,7 @@
           <a:srgbClr val="000000"/>
         </a:buClr>
         <a:buFont typeface="Arial"/>
-        <a:defRPr b="0" i="0" sz="1400" u="none" cap="none" strike="noStrike">
+        <a:defRPr sz="1400" b="0" i="0" u="none" strike="noStrike" cap="none">
           <a:solidFill>
             <a:srgbClr val="000000"/>
           </a:solidFill>
@@ -6185,7 +6350,7 @@
           <a:sym typeface="Arial"/>
         </a:defRPr>
       </a:lvl3pPr>
-      <a:lvl4pPr lvl="3" marR="0" rtl="0" algn="l">
+      <a:lvl4pPr marR="0" lvl="3" algn="l" rtl="0">
         <a:lnSpc>
           <a:spcPct val="100000"/>
         </a:lnSpc>
@@ -6199,7 +6364,7 @@
           <a:srgbClr val="000000"/>
         </a:buClr>
         <a:buFont typeface="Arial"/>
-        <a:defRPr b="0" i="0" sz="1400" u="none" cap="none" strike="noStrike">
+        <a:defRPr sz="1400" b="0" i="0" u="none" strike="noStrike" cap="none">
           <a:solidFill>
             <a:srgbClr val="000000"/>
           </a:solidFill>
@@ -6209,7 +6374,7 @@
           <a:sym typeface="Arial"/>
         </a:defRPr>
       </a:lvl4pPr>
-      <a:lvl5pPr lvl="4" marR="0" rtl="0" algn="l">
+      <a:lvl5pPr marR="0" lvl="4" algn="l" rtl="0">
         <a:lnSpc>
           <a:spcPct val="100000"/>
         </a:lnSpc>
@@ -6223,7 +6388,7 @@
           <a:srgbClr val="000000"/>
         </a:buClr>
         <a:buFont typeface="Arial"/>
-        <a:defRPr b="0" i="0" sz="1400" u="none" cap="none" strike="noStrike">
+        <a:defRPr sz="1400" b="0" i="0" u="none" strike="noStrike" cap="none">
           <a:solidFill>
             <a:srgbClr val="000000"/>
           </a:solidFill>
@@ -6233,7 +6398,7 @@
           <a:sym typeface="Arial"/>
         </a:defRPr>
       </a:lvl5pPr>
-      <a:lvl6pPr lvl="5" marR="0" rtl="0" algn="l">
+      <a:lvl6pPr marR="0" lvl="5" algn="l" rtl="0">
         <a:lnSpc>
           <a:spcPct val="100000"/>
         </a:lnSpc>
@@ -6247,7 +6412,7 @@
           <a:srgbClr val="000000"/>
         </a:buClr>
         <a:buFont typeface="Arial"/>
-        <a:defRPr b="0" i="0" sz="1400" u="none" cap="none" strike="noStrike">
+        <a:defRPr sz="1400" b="0" i="0" u="none" strike="noStrike" cap="none">
           <a:solidFill>
             <a:srgbClr val="000000"/>
           </a:solidFill>
@@ -6257,7 +6422,7 @@
           <a:sym typeface="Arial"/>
         </a:defRPr>
       </a:lvl6pPr>
-      <a:lvl7pPr lvl="6" marR="0" rtl="0" algn="l">
+      <a:lvl7pPr marR="0" lvl="6" algn="l" rtl="0">
         <a:lnSpc>
           <a:spcPct val="100000"/>
         </a:lnSpc>
@@ -6271,7 +6436,7 @@
           <a:srgbClr val="000000"/>
         </a:buClr>
         <a:buFont typeface="Arial"/>
-        <a:defRPr b="0" i="0" sz="1400" u="none" cap="none" strike="noStrike">
+        <a:defRPr sz="1400" b="0" i="0" u="none" strike="noStrike" cap="none">
           <a:solidFill>
             <a:srgbClr val="000000"/>
           </a:solidFill>
@@ -6281,7 +6446,7 @@
           <a:sym typeface="Arial"/>
         </a:defRPr>
       </a:lvl7pPr>
-      <a:lvl8pPr lvl="7" marR="0" rtl="0" algn="l">
+      <a:lvl8pPr marR="0" lvl="7" algn="l" rtl="0">
         <a:lnSpc>
           <a:spcPct val="100000"/>
         </a:lnSpc>
@@ -6295,7 +6460,7 @@
           <a:srgbClr val="000000"/>
         </a:buClr>
         <a:buFont typeface="Arial"/>
-        <a:defRPr b="0" i="0" sz="1400" u="none" cap="none" strike="noStrike">
+        <a:defRPr sz="1400" b="0" i="0" u="none" strike="noStrike" cap="none">
           <a:solidFill>
             <a:srgbClr val="000000"/>
           </a:solidFill>
@@ -6305,7 +6470,7 @@
           <a:sym typeface="Arial"/>
         </a:defRPr>
       </a:lvl8pPr>
-      <a:lvl9pPr lvl="8" marR="0" rtl="0" algn="l">
+      <a:lvl9pPr marR="0" lvl="8" algn="l" rtl="0">
         <a:lnSpc>
           <a:spcPct val="100000"/>
         </a:lnSpc>
@@ -6319,7 +6484,7 @@
           <a:srgbClr val="000000"/>
         </a:buClr>
         <a:buFont typeface="Arial"/>
-        <a:defRPr b="0" i="0" sz="1400" u="none" cap="none" strike="noStrike">
+        <a:defRPr sz="1400" b="0" i="0" u="none" strike="noStrike" cap="none">
           <a:solidFill>
             <a:srgbClr val="000000"/>
           </a:solidFill>
@@ -6335,11 +6500,11 @@
 </file>
 
 <file path=ppt/slides/slide1.xml><?xml version="1.0" encoding="utf-8"?>
-<p:sld xmlns:a="http://schemas.openxmlformats.org/drawingml/2006/main" xmlns:r="http://schemas.openxmlformats.org/officeDocument/2006/relationships" xmlns:mc="http://schemas.openxmlformats.org/markup-compatibility/2006" xmlns:mv="urn:schemas-microsoft-com:mac:vml" xmlns:p="http://schemas.openxmlformats.org/presentationml/2006/main" xmlns:c="http://schemas.openxmlformats.org/drawingml/2006/chart" xmlns:dgm="http://schemas.openxmlformats.org/drawingml/2006/diagram" xmlns:o="urn:schemas-microsoft-com:office:office" xmlns:v="urn:schemas-microsoft-com:vml" xmlns:pvml="urn:schemas-microsoft-com:office:powerpoint" xmlns:com="http://schemas.openxmlformats.org/drawingml/2006/compatibility" xmlns:p14="http://schemas.microsoft.com/office/powerpoint/2010/main" xmlns:p15="http://schemas.microsoft.com/office/powerpoint/2012/main">
+<p:sld xmlns:a="http://schemas.openxmlformats.org/drawingml/2006/main" xmlns:r="http://schemas.openxmlformats.org/officeDocument/2006/relationships" xmlns:p="http://schemas.openxmlformats.org/presentationml/2006/main">
   <p:cSld>
     <p:spTree>
       <p:nvGrpSpPr>
-        <p:cNvPr id="53" name="Shape 53"/>
+        <p:cNvPr id="1" name="Shape 53"/>
         <p:cNvGrpSpPr/>
         <p:nvPr/>
       </p:nvGrpSpPr>
@@ -6354,7 +6519,9 @@
       <p:sp>
         <p:nvSpPr>
           <p:cNvPr id="54" name="Google Shape;54;p13"/>
-          <p:cNvSpPr txBox="1"/>
+          <p:cNvSpPr txBox="1">
+            <a:spLocks noGrp="1"/>
+          </p:cNvSpPr>
           <p:nvPr>
             <p:ph type="ctrTitle"/>
           </p:nvPr>
@@ -6369,12 +6536,12 @@
           </a:prstGeom>
         </p:spPr>
         <p:txBody>
-          <a:bodyPr anchorCtr="0" anchor="b" bIns="91425" lIns="91425" spcFirstLastPara="1" rIns="91425" wrap="square" tIns="91425">
+          <a:bodyPr spcFirstLastPara="1" wrap="square" lIns="91425" tIns="91425" rIns="91425" bIns="91425" anchor="b" anchorCtr="0">
             <a:noAutofit/>
           </a:bodyPr>
           <a:lstStyle/>
           <a:p>
-            <a:pPr indent="0" lvl="0" marL="0" rtl="0" algn="ctr">
+            <a:pPr marL="0" lvl="0" indent="0" algn="ctr" rtl="0">
               <a:lnSpc>
                 <a:spcPct val="115000"/>
               </a:lnSpc>
@@ -6414,7 +6581,7 @@
             </a:endParaRPr>
           </a:p>
           <a:p>
-            <a:pPr indent="0" lvl="0" marL="0" rtl="0" algn="ctr">
+            <a:pPr marL="0" lvl="0" indent="0" algn="ctr" rtl="0">
               <a:lnSpc>
                 <a:spcPct val="115000"/>
               </a:lnSpc>
@@ -6454,7 +6621,7 @@
             </a:endParaRPr>
           </a:p>
           <a:p>
-            <a:pPr indent="0" lvl="0" marL="0" rtl="0" algn="ctr">
+            <a:pPr marL="0" lvl="0" indent="0" algn="ctr" rtl="0">
               <a:lnSpc>
                 <a:spcPct val="115000"/>
               </a:lnSpc>
@@ -6485,9 +6652,11 @@
       <p:sp>
         <p:nvSpPr>
           <p:cNvPr id="55" name="Google Shape;55;p13"/>
-          <p:cNvSpPr txBox="1"/>
+          <p:cNvSpPr txBox="1">
+            <a:spLocks noGrp="1"/>
+          </p:cNvSpPr>
           <p:nvPr>
-            <p:ph idx="1" type="subTitle"/>
+            <p:ph type="subTitle" idx="1"/>
           </p:nvPr>
         </p:nvSpPr>
         <p:spPr>
@@ -6500,12 +6669,12 @@
           </a:prstGeom>
         </p:spPr>
         <p:txBody>
-          <a:bodyPr anchorCtr="0" anchor="t" bIns="91425" lIns="91425" spcFirstLastPara="1" rIns="91425" wrap="square" tIns="91425">
+          <a:bodyPr spcFirstLastPara="1" wrap="square" lIns="91425" tIns="91425" rIns="91425" bIns="91425" anchor="t" anchorCtr="0">
             <a:noAutofit/>
           </a:bodyPr>
           <a:lstStyle/>
           <a:p>
-            <a:pPr indent="0" lvl="0" marL="0" rtl="0" algn="ctr">
+            <a:pPr marL="0" lvl="0" indent="0" algn="ctr" rtl="0">
               <a:lnSpc>
                 <a:spcPct val="115000"/>
               </a:lnSpc>
@@ -6523,7 +6692,7 @@
               <a:buNone/>
             </a:pPr>
             <a:r>
-              <a:rPr b="1" lang="lt" sz="2150">
+              <a:rPr lang="lt" sz="2150" b="1">
                 <a:solidFill>
                   <a:schemeClr val="dk1"/>
                 </a:solidFill>
@@ -6537,7 +6706,7 @@
               </a:rPr>
               <a:t>Objektų atpažinimas ir sekimas kompiuterinės tomografijos</a:t>
             </a:r>
-            <a:endParaRPr b="1" sz="2150">
+            <a:endParaRPr sz="2150" b="1">
               <a:solidFill>
                 <a:schemeClr val="dk1"/>
               </a:solidFill>
@@ -6551,7 +6720,7 @@
             </a:endParaRPr>
           </a:p>
           <a:p>
-            <a:pPr indent="0" lvl="0" marL="0" rtl="0" algn="ctr">
+            <a:pPr marL="0" lvl="0" indent="0" algn="ctr" rtl="0">
               <a:lnSpc>
                 <a:spcPct val="115000"/>
               </a:lnSpc>
@@ -6564,7 +6733,7 @@
               <a:buNone/>
             </a:pPr>
             <a:r>
-              <a:rPr b="1" lang="lt" sz="2150">
+              <a:rPr lang="lt" sz="2150" b="1">
                 <a:solidFill>
                   <a:schemeClr val="dk1"/>
                 </a:solidFill>
@@ -6602,12 +6771,12 @@
           </a:ln>
         </p:spPr>
         <p:txBody>
-          <a:bodyPr anchorCtr="0" anchor="t" bIns="91425" lIns="91425" spcFirstLastPara="1" rIns="91425" wrap="square" tIns="91425">
+          <a:bodyPr spcFirstLastPara="1" wrap="square" lIns="91425" tIns="91425" rIns="91425" bIns="91425" anchor="t" anchorCtr="0">
             <a:noAutofit/>
           </a:bodyPr>
           <a:lstStyle/>
           <a:p>
-            <a:pPr indent="0" lvl="0" marL="0" rtl="0" algn="l">
+            <a:pPr marL="0" lvl="0" indent="0" algn="l" rtl="0">
               <a:spcBef>
                 <a:spcPts val="0"/>
               </a:spcBef>
@@ -6644,12 +6813,12 @@
           </a:ln>
         </p:spPr>
         <p:txBody>
-          <a:bodyPr anchorCtr="0" anchor="t" bIns="91425" lIns="91425" spcFirstLastPara="1" rIns="91425" wrap="square" tIns="91425">
+          <a:bodyPr spcFirstLastPara="1" wrap="square" lIns="91425" tIns="91425" rIns="91425" bIns="91425" anchor="t" anchorCtr="0">
             <a:noAutofit/>
           </a:bodyPr>
           <a:lstStyle/>
           <a:p>
-            <a:pPr indent="0" lvl="0" marL="0" rtl="0" algn="l">
+            <a:pPr marL="0" lvl="0" indent="0" algn="l" rtl="0">
               <a:spcBef>
                 <a:spcPts val="0"/>
               </a:spcBef>
@@ -6686,11 +6855,11 @@
 </file>
 
 <file path=ppt/slides/slide10.xml><?xml version="1.0" encoding="utf-8"?>
-<p:sld xmlns:a="http://schemas.openxmlformats.org/drawingml/2006/main" xmlns:r="http://schemas.openxmlformats.org/officeDocument/2006/relationships" xmlns:mc="http://schemas.openxmlformats.org/markup-compatibility/2006" xmlns:mv="urn:schemas-microsoft-com:mac:vml" xmlns:p="http://schemas.openxmlformats.org/presentationml/2006/main" xmlns:c="http://schemas.openxmlformats.org/drawingml/2006/chart" xmlns:dgm="http://schemas.openxmlformats.org/drawingml/2006/diagram" xmlns:o="urn:schemas-microsoft-com:office:office" xmlns:v="urn:schemas-microsoft-com:vml" xmlns:pvml="urn:schemas-microsoft-com:office:powerpoint" xmlns:com="http://schemas.openxmlformats.org/drawingml/2006/compatibility" xmlns:p14="http://schemas.microsoft.com/office/powerpoint/2010/main" xmlns:p15="http://schemas.microsoft.com/office/powerpoint/2012/main">
+<p:sld xmlns:a="http://schemas.openxmlformats.org/drawingml/2006/main" xmlns:r="http://schemas.openxmlformats.org/officeDocument/2006/relationships" xmlns:p="http://schemas.openxmlformats.org/presentationml/2006/main">
   <p:cSld>
     <p:spTree>
       <p:nvGrpSpPr>
-        <p:cNvPr id="133" name="Shape 133"/>
+        <p:cNvPr id="1" name="Shape 133"/>
         <p:cNvGrpSpPr/>
         <p:nvPr/>
       </p:nvGrpSpPr>
@@ -6705,9 +6874,11 @@
       <p:sp>
         <p:nvSpPr>
           <p:cNvPr id="134" name="Google Shape;134;p22"/>
-          <p:cNvSpPr txBox="1"/>
+          <p:cNvSpPr txBox="1">
+            <a:spLocks noGrp="1"/>
+          </p:cNvSpPr>
           <p:nvPr>
-            <p:ph idx="1" type="body"/>
+            <p:ph type="body" idx="1"/>
           </p:nvPr>
         </p:nvSpPr>
         <p:spPr>
@@ -6720,12 +6891,12 @@
           </a:prstGeom>
         </p:spPr>
         <p:txBody>
-          <a:bodyPr anchorCtr="0" anchor="ctr" bIns="91425" lIns="91425" spcFirstLastPara="1" rIns="91425" wrap="square" tIns="91425">
+          <a:bodyPr spcFirstLastPara="1" wrap="square" lIns="91425" tIns="91425" rIns="91425" bIns="91425" anchor="ctr" anchorCtr="0">
             <a:noAutofit/>
           </a:bodyPr>
           <a:lstStyle/>
           <a:p>
-            <a:pPr indent="0" lvl="0" marL="0" rtl="0" algn="ctr">
+            <a:pPr marL="0" lvl="0" indent="0" algn="ctr" rtl="0">
               <a:spcBef>
                 <a:spcPts val="0"/>
               </a:spcBef>
@@ -6761,9 +6932,11 @@
       <p:sp>
         <p:nvSpPr>
           <p:cNvPr id="135" name="Google Shape;135;p22"/>
-          <p:cNvSpPr txBox="1"/>
+          <p:cNvSpPr txBox="1">
+            <a:spLocks noGrp="1"/>
+          </p:cNvSpPr>
           <p:nvPr>
-            <p:ph idx="12" type="sldNum"/>
+            <p:ph type="sldNum" idx="12"/>
           </p:nvPr>
         </p:nvSpPr>
         <p:spPr>
@@ -6776,12 +6949,12 @@
           </a:prstGeom>
         </p:spPr>
         <p:txBody>
-          <a:bodyPr anchorCtr="0" anchor="ctr" bIns="91425" lIns="91425" spcFirstLastPara="1" rIns="91425" wrap="square" tIns="91425">
+          <a:bodyPr spcFirstLastPara="1" wrap="square" lIns="91425" tIns="91425" rIns="91425" bIns="91425" anchor="ctr" anchorCtr="0">
             <a:noAutofit/>
           </a:bodyPr>
           <a:lstStyle/>
           <a:p>
-            <a:pPr indent="0" lvl="0" marL="0" rtl="0" algn="r">
+            <a:pPr marL="0" lvl="0" indent="0" algn="r" rtl="0">
               <a:spcBef>
                 <a:spcPts val="0"/>
               </a:spcBef>
@@ -6792,7 +6965,7 @@
             </a:pPr>
             <a:fld id="{00000000-1234-1234-1234-123412341234}" type="slidenum">
               <a:rPr lang="lt"/>
-              <a:t>‹#›</a:t>
+              <a:t>10</a:t>
             </a:fld>
             <a:endParaRPr/>
           </a:p>
@@ -6807,11 +6980,11 @@
 </file>
 
 <file path=ppt/slides/slide2.xml><?xml version="1.0" encoding="utf-8"?>
-<p:sld xmlns:a="http://schemas.openxmlformats.org/drawingml/2006/main" xmlns:r="http://schemas.openxmlformats.org/officeDocument/2006/relationships" xmlns:mc="http://schemas.openxmlformats.org/markup-compatibility/2006" xmlns:mv="urn:schemas-microsoft-com:mac:vml" xmlns:p="http://schemas.openxmlformats.org/presentationml/2006/main" xmlns:c="http://schemas.openxmlformats.org/drawingml/2006/chart" xmlns:dgm="http://schemas.openxmlformats.org/drawingml/2006/diagram" xmlns:o="urn:schemas-microsoft-com:office:office" xmlns:v="urn:schemas-microsoft-com:vml" xmlns:pvml="urn:schemas-microsoft-com:office:powerpoint" xmlns:com="http://schemas.openxmlformats.org/drawingml/2006/compatibility" xmlns:p14="http://schemas.microsoft.com/office/powerpoint/2010/main" xmlns:p15="http://schemas.microsoft.com/office/powerpoint/2012/main">
+<p:sld xmlns:a="http://schemas.openxmlformats.org/drawingml/2006/main" xmlns:r="http://schemas.openxmlformats.org/officeDocument/2006/relationships" xmlns:p="http://schemas.openxmlformats.org/presentationml/2006/main">
   <p:cSld>
     <p:spTree>
       <p:nvGrpSpPr>
-        <p:cNvPr id="61" name="Shape 61"/>
+        <p:cNvPr id="1" name="Shape 61"/>
         <p:cNvGrpSpPr/>
         <p:nvPr/>
       </p:nvGrpSpPr>
@@ -6826,7 +6999,9 @@
       <p:sp>
         <p:nvSpPr>
           <p:cNvPr id="62" name="Google Shape;62;p14"/>
-          <p:cNvSpPr txBox="1"/>
+          <p:cNvSpPr txBox="1">
+            <a:spLocks noGrp="1"/>
+          </p:cNvSpPr>
           <p:nvPr>
             <p:ph type="title"/>
           </p:nvPr>
@@ -6841,12 +7016,12 @@
           </a:prstGeom>
         </p:spPr>
         <p:txBody>
-          <a:bodyPr anchorCtr="0" anchor="t" bIns="91425" lIns="91425" spcFirstLastPara="1" rIns="91425" wrap="square" tIns="91425">
+          <a:bodyPr spcFirstLastPara="1" wrap="square" lIns="91425" tIns="91425" rIns="91425" bIns="91425" anchor="t" anchorCtr="0">
             <a:noAutofit/>
           </a:bodyPr>
           <a:lstStyle/>
           <a:p>
-            <a:pPr indent="0" lvl="0" marL="0" rtl="0" algn="ctr">
+            <a:pPr marL="0" lvl="0" indent="0" algn="ctr" rtl="0">
               <a:spcBef>
                 <a:spcPts val="0"/>
               </a:spcBef>
@@ -6876,9 +7051,11 @@
       <p:sp>
         <p:nvSpPr>
           <p:cNvPr id="63" name="Google Shape;63;p14"/>
-          <p:cNvSpPr txBox="1"/>
+          <p:cNvSpPr txBox="1">
+            <a:spLocks noGrp="1"/>
+          </p:cNvSpPr>
           <p:nvPr>
-            <p:ph idx="1" type="body"/>
+            <p:ph type="body" idx="1"/>
           </p:nvPr>
         </p:nvSpPr>
         <p:spPr>
@@ -6891,12 +7068,12 @@
           </a:prstGeom>
         </p:spPr>
         <p:txBody>
-          <a:bodyPr anchorCtr="0" anchor="t" bIns="91425" lIns="91425" spcFirstLastPara="1" rIns="91425" wrap="square" tIns="91425">
+          <a:bodyPr spcFirstLastPara="1" wrap="square" lIns="91425" tIns="91425" rIns="91425" bIns="91425" anchor="t" anchorCtr="0">
             <a:noAutofit/>
           </a:bodyPr>
           <a:lstStyle/>
           <a:p>
-            <a:pPr indent="0" lvl="0" marL="0" rtl="0" algn="just">
+            <a:pPr marL="0" lvl="0" indent="0" algn="just" rtl="0">
               <a:spcBef>
                 <a:spcPts val="0"/>
               </a:spcBef>
@@ -6906,7 +7083,7 @@
               <a:buNone/>
             </a:pPr>
             <a:r>
-              <a:rPr b="1" lang="lt" sz="1200">
+              <a:rPr lang="lt" sz="1200" b="1">
                 <a:solidFill>
                   <a:srgbClr val="000000"/>
                 </a:solidFill>
@@ -6940,7 +7117,7 @@
             </a:endParaRPr>
           </a:p>
           <a:p>
-            <a:pPr indent="0" lvl="0" marL="0" rtl="0" algn="just">
+            <a:pPr marL="0" lvl="0" indent="0" algn="just" rtl="0">
               <a:spcBef>
                 <a:spcPts val="1600"/>
               </a:spcBef>
@@ -6950,7 +7127,7 @@
               <a:buNone/>
             </a:pPr>
             <a:r>
-              <a:rPr b="1" lang="lt" sz="1200">
+              <a:rPr lang="lt" sz="1200" b="1">
                 <a:solidFill>
                   <a:srgbClr val="000000"/>
                 </a:solidFill>
@@ -6984,7 +7161,7 @@
             </a:endParaRPr>
           </a:p>
           <a:p>
-            <a:pPr indent="-304800" lvl="0" marL="457200" rtl="0" algn="just">
+            <a:pPr marL="457200" lvl="0" indent="-304800" algn="just" rtl="0">
               <a:lnSpc>
                 <a:spcPct val="150000"/>
               </a:lnSpc>
@@ -7024,7 +7201,7 @@
             </a:endParaRPr>
           </a:p>
           <a:p>
-            <a:pPr indent="-304800" lvl="0" marL="457200" rtl="0" algn="just">
+            <a:pPr marL="457200" lvl="0" indent="-304800" algn="just" rtl="0">
               <a:lnSpc>
                 <a:spcPct val="150000"/>
               </a:lnSpc>
@@ -7064,7 +7241,7 @@
             </a:endParaRPr>
           </a:p>
           <a:p>
-            <a:pPr indent="-304800" lvl="0" marL="457200" rtl="0" algn="just">
+            <a:pPr marL="457200" lvl="0" indent="-304800" algn="just" rtl="0">
               <a:lnSpc>
                 <a:spcPct val="150000"/>
               </a:lnSpc>
@@ -7104,7 +7281,7 @@
             </a:endParaRPr>
           </a:p>
           <a:p>
-            <a:pPr indent="-304800" lvl="0" marL="457200" rtl="0" algn="just">
+            <a:pPr marL="457200" lvl="0" indent="-304800" algn="just" rtl="0">
               <a:lnSpc>
                 <a:spcPct val="150000"/>
               </a:lnSpc>
@@ -7144,7 +7321,7 @@
             </a:endParaRPr>
           </a:p>
           <a:p>
-            <a:pPr indent="0" lvl="0" marL="0" rtl="0" algn="just">
+            <a:pPr marL="0" lvl="0" indent="0" algn="just" rtl="0">
               <a:spcBef>
                 <a:spcPts val="1600"/>
               </a:spcBef>
@@ -7153,9 +7330,6 @@
               </a:spcAft>
               <a:buNone/>
             </a:pPr>
-            <a:r>
-              <a:t/>
-            </a:r>
             <a:endParaRPr sz="1200">
               <a:solidFill>
                 <a:srgbClr val="000000"/>
@@ -7171,9 +7345,11 @@
       <p:sp>
         <p:nvSpPr>
           <p:cNvPr id="64" name="Google Shape;64;p14"/>
-          <p:cNvSpPr txBox="1"/>
+          <p:cNvSpPr txBox="1">
+            <a:spLocks noGrp="1"/>
+          </p:cNvSpPr>
           <p:nvPr>
-            <p:ph idx="12" type="sldNum"/>
+            <p:ph type="sldNum" idx="12"/>
           </p:nvPr>
         </p:nvSpPr>
         <p:spPr>
@@ -7186,12 +7362,12 @@
           </a:prstGeom>
         </p:spPr>
         <p:txBody>
-          <a:bodyPr anchorCtr="0" anchor="ctr" bIns="91425" lIns="91425" spcFirstLastPara="1" rIns="91425" wrap="square" tIns="91425">
+          <a:bodyPr spcFirstLastPara="1" wrap="square" lIns="91425" tIns="91425" rIns="91425" bIns="91425" anchor="ctr" anchorCtr="0">
             <a:noAutofit/>
           </a:bodyPr>
           <a:lstStyle/>
           <a:p>
-            <a:pPr indent="0" lvl="0" marL="0" rtl="0" algn="r">
+            <a:pPr marL="0" lvl="0" indent="0" algn="r" rtl="0">
               <a:spcBef>
                 <a:spcPts val="0"/>
               </a:spcBef>
@@ -7202,7 +7378,7 @@
             </a:pPr>
             <a:fld id="{00000000-1234-1234-1234-123412341234}" type="slidenum">
               <a:rPr lang="lt"/>
-              <a:t>‹#›</a:t>
+              <a:t>2</a:t>
             </a:fld>
             <a:endParaRPr/>
           </a:p>
@@ -7217,11 +7393,11 @@
 </file>
 
 <file path=ppt/slides/slide3.xml><?xml version="1.0" encoding="utf-8"?>
-<p:sld xmlns:a="http://schemas.openxmlformats.org/drawingml/2006/main" xmlns:r="http://schemas.openxmlformats.org/officeDocument/2006/relationships" xmlns:mc="http://schemas.openxmlformats.org/markup-compatibility/2006" xmlns:mv="urn:schemas-microsoft-com:mac:vml" xmlns:p="http://schemas.openxmlformats.org/presentationml/2006/main" xmlns:c="http://schemas.openxmlformats.org/drawingml/2006/chart" xmlns:dgm="http://schemas.openxmlformats.org/drawingml/2006/diagram" xmlns:o="urn:schemas-microsoft-com:office:office" xmlns:v="urn:schemas-microsoft-com:vml" xmlns:pvml="urn:schemas-microsoft-com:office:powerpoint" xmlns:com="http://schemas.openxmlformats.org/drawingml/2006/compatibility" xmlns:p14="http://schemas.microsoft.com/office/powerpoint/2010/main" xmlns:p15="http://schemas.microsoft.com/office/powerpoint/2012/main">
+<p:sld xmlns:a="http://schemas.openxmlformats.org/drawingml/2006/main" xmlns:r="http://schemas.openxmlformats.org/officeDocument/2006/relationships" xmlns:p="http://schemas.openxmlformats.org/presentationml/2006/main">
   <p:cSld>
     <p:spTree>
       <p:nvGrpSpPr>
-        <p:cNvPr id="68" name="Shape 68"/>
+        <p:cNvPr id="1" name="Shape 68"/>
         <p:cNvGrpSpPr/>
         <p:nvPr/>
       </p:nvGrpSpPr>
@@ -7236,9 +7412,11 @@
       <p:sp>
         <p:nvSpPr>
           <p:cNvPr id="69" name="Google Shape;69;p15"/>
-          <p:cNvSpPr txBox="1"/>
+          <p:cNvSpPr txBox="1">
+            <a:spLocks noGrp="1"/>
+          </p:cNvSpPr>
           <p:nvPr>
-            <p:ph idx="1" type="body"/>
+            <p:ph type="body" idx="1"/>
           </p:nvPr>
         </p:nvSpPr>
         <p:spPr>
@@ -7251,12 +7429,12 @@
           </a:prstGeom>
         </p:spPr>
         <p:txBody>
-          <a:bodyPr anchorCtr="0" anchor="t" bIns="91425" lIns="91425" spcFirstLastPara="1" rIns="91425" wrap="square" tIns="91425">
+          <a:bodyPr spcFirstLastPara="1" wrap="square" lIns="91425" tIns="91425" rIns="91425" bIns="91425" anchor="t" anchorCtr="0">
             <a:noAutofit/>
           </a:bodyPr>
           <a:lstStyle/>
           <a:p>
-            <a:pPr indent="-304800" lvl="0" marL="457200" rtl="0" algn="just">
+            <a:pPr marL="457200" lvl="0" indent="-304800" algn="just" rtl="0">
               <a:lnSpc>
                 <a:spcPct val="150000"/>
               </a:lnSpc>
@@ -7274,7 +7452,7 @@
               <a:buAutoNum type="arabicPeriod"/>
             </a:pPr>
             <a:r>
-              <a:rPr lang="lt" sz="1200">
+              <a:rPr lang="lt" sz="1200" dirty="0">
                 <a:solidFill>
                   <a:srgbClr val="000000"/>
                 </a:solidFill>
@@ -7283,21 +7461,9 @@
                 <a:cs typeface="Times New Roman"/>
                 <a:sym typeface="Times New Roman"/>
               </a:rPr>
-              <a:t>Atlikta literatūros analizė apie </a:t>
+              <a:t>Atlikta literatūros analizė apie neuroninių tinklų veikimo principus. Taip pat išanalizuota, kaip veikia GPU, priskiriama atmintis ir kaip tai gali padėti pasiekti darbo tikslą. Buvo atliktas mažas bandymas palyginti neuroninių tinklų optimizavimo spartą pasitelkiant CPU ir GPU. Atlikta analizė ir palyginti objektų aptikimo modeliai.</a:t>
             </a:r>
-            <a:r>
-              <a:rPr lang="lt" sz="1200">
-                <a:solidFill>
-                  <a:srgbClr val="000000"/>
-                </a:solidFill>
-                <a:latin typeface="Times New Roman"/>
-                <a:ea typeface="Times New Roman"/>
-                <a:cs typeface="Times New Roman"/>
-                <a:sym typeface="Times New Roman"/>
-              </a:rPr>
-              <a:t>neuroninių tinklų veikimo principus. Taip pat išanalizuota, kaip veikia GPU, priskiriama atmintis ir kaip tai gali padėti pasiekti darbo tikslą. Buvo atliktas mažas bandymas palyginti neuroninių tinklų optimizavimo spartą pasitelkiant CPU ir GPU. Atlikta analizė ir palyginti objektų aptikimo modeliai.</a:t>
-            </a:r>
-            <a:endParaRPr sz="1200">
+            <a:endParaRPr sz="1200" dirty="0">
               <a:solidFill>
                 <a:schemeClr val="dk1"/>
               </a:solidFill>
@@ -7308,7 +7474,7 @@
             </a:endParaRPr>
           </a:p>
           <a:p>
-            <a:pPr indent="0" lvl="0" marL="457200" rtl="0" algn="just">
+            <a:pPr marL="457200" lvl="0" indent="0" algn="just" rtl="0">
               <a:lnSpc>
                 <a:spcPct val="150000"/>
               </a:lnSpc>
@@ -7321,7 +7487,7 @@
               <a:buNone/>
             </a:pPr>
             <a:r>
-              <a:rPr lang="lt" sz="1200">
+              <a:rPr lang="lt" sz="1200" dirty="0">
                 <a:solidFill>
                   <a:schemeClr val="dk1"/>
                 </a:solidFill>
@@ -7333,7 +7499,7 @@
               <a:t>Gauti eksperimento rezultatai: </a:t>
             </a:r>
             <a:r>
-              <a:rPr lang="lt" sz="1200">
+              <a:rPr lang="lt" sz="1200" dirty="0">
                 <a:solidFill>
                   <a:schemeClr val="dk1"/>
                 </a:solidFill>
@@ -7348,7 +7514,7 @@
               <a:t>Vidutiniškai apdoruojant 60 megabaitų duomenų, vienam ciklui tinklas su CPU resursais užtrunka 6 sekundes, o naudojant GPU vidutiniškai vienas žingsnis užtrunka 0.3 sekundės</a:t>
             </a:r>
             <a:r>
-              <a:rPr lang="lt" sz="1200">
+              <a:rPr lang="lt" sz="1200" dirty="0">
                 <a:solidFill>
                   <a:schemeClr val="dk1"/>
                 </a:solidFill>
@@ -7359,7 +7525,7 @@
               </a:rPr>
               <a:t>.</a:t>
             </a:r>
-            <a:endParaRPr sz="1200">
+            <a:endParaRPr sz="1200" dirty="0">
               <a:solidFill>
                 <a:schemeClr val="dk1"/>
               </a:solidFill>
@@ -7370,7 +7536,7 @@
             </a:endParaRPr>
           </a:p>
           <a:p>
-            <a:pPr indent="-304800" lvl="0" marL="457200" rtl="0" algn="just">
+            <a:pPr marL="457200" lvl="0" indent="-304800" algn="just" rtl="0">
               <a:lnSpc>
                 <a:spcPct val="150000"/>
               </a:lnSpc>
@@ -7384,11 +7550,11 @@
                 <a:schemeClr val="dk1"/>
               </a:buClr>
               <a:buSzPts val="1200"/>
-              <a:buFont typeface="Times New Roman"/>
-              <a:buAutoNum type="arabicPeriod"/>
+              <a:buFont typeface="+mj-lt"/>
+              <a:buAutoNum type="arabicPeriod" startAt="2"/>
             </a:pPr>
             <a:r>
-              <a:rPr lang="lt" sz="1200">
+              <a:rPr lang="lt" sz="1200" dirty="0">
                 <a:solidFill>
                   <a:schemeClr val="dk1"/>
                 </a:solidFill>
@@ -7399,7 +7565,7 @@
               </a:rPr>
               <a:t>Išanalizuotos aktyvacijos ir optimizavimo funkcijos, ir atlikta literatūros analizė. Pasirinkta SOFTMAX aktyvacijos funkcija ir MSE (vidutinių kvadratų nuostolių) tikslo funkcija.</a:t>
             </a:r>
-            <a:endParaRPr sz="1200">
+            <a:endParaRPr sz="1200" dirty="0">
               <a:solidFill>
                 <a:schemeClr val="dk1"/>
               </a:solidFill>
@@ -7410,7 +7576,7 @@
             </a:endParaRPr>
           </a:p>
           <a:p>
-            <a:pPr indent="0" lvl="0" marL="457200" rtl="0" algn="just">
+            <a:pPr marL="457200" lvl="0" indent="0" algn="just" rtl="0">
               <a:lnSpc>
                 <a:spcPct val="150000"/>
               </a:lnSpc>
@@ -7423,7 +7589,7 @@
               <a:buNone/>
             </a:pPr>
             <a:r>
-              <a:rPr lang="lt" sz="1200">
+              <a:rPr lang="lt" sz="1200" dirty="0">
                 <a:solidFill>
                   <a:schemeClr val="dk1"/>
                 </a:solidFill>
@@ -7435,7 +7601,7 @@
               <a:t>SOFTMAX funkcija pasirinkta, nes </a:t>
             </a:r>
             <a:r>
-              <a:rPr lang="lt" sz="1200">
+              <a:rPr lang="lt" sz="1200" dirty="0">
                 <a:solidFill>
                   <a:schemeClr val="dk1"/>
                 </a:solidFill>
@@ -7449,7 +7615,7 @@
               </a:rPr>
               <a:t>galima teigti, jog ji priveda prie apytiksliai stabilaus gradiento. Jeigu modelis klysta, jis dėl to gali greičiau pasitaisyti. Taip pat šios funkcijos išvestis yra patogi, nes išvesties elementų suma yra visada lygi 1.</a:t>
             </a:r>
-            <a:endParaRPr sz="1200">
+            <a:endParaRPr sz="1200" dirty="0">
               <a:solidFill>
                 <a:schemeClr val="dk1"/>
               </a:solidFill>
@@ -7460,7 +7626,7 @@
             </a:endParaRPr>
           </a:p>
           <a:p>
-            <a:pPr indent="0" lvl="0" marL="457200" rtl="0" algn="just">
+            <a:pPr marL="457200" lvl="0" indent="0" algn="just" rtl="0">
               <a:lnSpc>
                 <a:spcPct val="150000"/>
               </a:lnSpc>
@@ -7472,10 +7638,7 @@
               </a:spcAft>
               <a:buNone/>
             </a:pPr>
-            <a:r>
-              <a:t/>
-            </a:r>
-            <a:endParaRPr sz="1200">
+            <a:endParaRPr sz="1200" dirty="0">
               <a:solidFill>
                 <a:srgbClr val="000000"/>
               </a:solidFill>
@@ -7486,7 +7649,7 @@
             </a:endParaRPr>
           </a:p>
           <a:p>
-            <a:pPr indent="0" lvl="0" marL="0" rtl="0" algn="just">
+            <a:pPr marL="0" lvl="0" indent="0" algn="just" rtl="0">
               <a:lnSpc>
                 <a:spcPct val="150000"/>
               </a:lnSpc>
@@ -7498,10 +7661,7 @@
               </a:spcAft>
               <a:buNone/>
             </a:pPr>
-            <a:r>
-              <a:t/>
-            </a:r>
-            <a:endParaRPr sz="1200">
+            <a:endParaRPr sz="1200" dirty="0">
               <a:solidFill>
                 <a:srgbClr val="000000"/>
               </a:solidFill>
@@ -7512,7 +7672,7 @@
             </a:endParaRPr>
           </a:p>
           <a:p>
-            <a:pPr indent="0" lvl="0" marL="0" rtl="0" algn="just">
+            <a:pPr marL="0" lvl="0" indent="0" algn="just" rtl="0">
               <a:lnSpc>
                 <a:spcPct val="150000"/>
               </a:lnSpc>
@@ -7524,10 +7684,7 @@
               </a:spcAft>
               <a:buNone/>
             </a:pPr>
-            <a:r>
-              <a:t/>
-            </a:r>
-            <a:endParaRPr sz="1200">
+            <a:endParaRPr sz="1200" dirty="0">
               <a:solidFill>
                 <a:srgbClr val="000000"/>
               </a:solidFill>
@@ -7542,7 +7699,9 @@
       <p:sp>
         <p:nvSpPr>
           <p:cNvPr id="70" name="Google Shape;70;p15"/>
-          <p:cNvSpPr txBox="1"/>
+          <p:cNvSpPr txBox="1">
+            <a:spLocks noGrp="1"/>
+          </p:cNvSpPr>
           <p:nvPr>
             <p:ph type="title"/>
           </p:nvPr>
@@ -7557,12 +7716,12 @@
           </a:prstGeom>
         </p:spPr>
         <p:txBody>
-          <a:bodyPr anchorCtr="0" anchor="t" bIns="91425" lIns="91425" spcFirstLastPara="1" rIns="91425" wrap="square" tIns="91425">
+          <a:bodyPr spcFirstLastPara="1" wrap="square" lIns="91425" tIns="91425" rIns="91425" bIns="91425" anchor="t" anchorCtr="0">
             <a:noAutofit/>
           </a:bodyPr>
           <a:lstStyle/>
           <a:p>
-            <a:pPr indent="0" lvl="0" marL="0" rtl="0" algn="ctr">
+            <a:pPr marL="0" lvl="0" indent="0" algn="ctr" rtl="0">
               <a:spcBef>
                 <a:spcPts val="0"/>
               </a:spcBef>
@@ -7592,9 +7751,11 @@
       <p:sp>
         <p:nvSpPr>
           <p:cNvPr id="71" name="Google Shape;71;p15"/>
-          <p:cNvSpPr txBox="1"/>
+          <p:cNvSpPr txBox="1">
+            <a:spLocks noGrp="1"/>
+          </p:cNvSpPr>
           <p:nvPr>
-            <p:ph idx="12" type="sldNum"/>
+            <p:ph type="sldNum" idx="12"/>
           </p:nvPr>
         </p:nvSpPr>
         <p:spPr>
@@ -7607,12 +7768,12 @@
           </a:prstGeom>
         </p:spPr>
         <p:txBody>
-          <a:bodyPr anchorCtr="0" anchor="ctr" bIns="91425" lIns="91425" spcFirstLastPara="1" rIns="91425" wrap="square" tIns="91425">
+          <a:bodyPr spcFirstLastPara="1" wrap="square" lIns="91425" tIns="91425" rIns="91425" bIns="91425" anchor="ctr" anchorCtr="0">
             <a:noAutofit/>
           </a:bodyPr>
           <a:lstStyle/>
           <a:p>
-            <a:pPr indent="0" lvl="0" marL="0" rtl="0" algn="r">
+            <a:pPr marL="0" lvl="0" indent="0" algn="r" rtl="0">
               <a:spcBef>
                 <a:spcPts val="0"/>
               </a:spcBef>
@@ -7623,7 +7784,7 @@
             </a:pPr>
             <a:fld id="{00000000-1234-1234-1234-123412341234}" type="slidenum">
               <a:rPr lang="lt"/>
-              <a:t>‹#›</a:t>
+              <a:t>3</a:t>
             </a:fld>
             <a:endParaRPr/>
           </a:p>
@@ -7638,11 +7799,11 @@
 </file>
 
 <file path=ppt/slides/slide4.xml><?xml version="1.0" encoding="utf-8"?>
-<p:sld xmlns:a="http://schemas.openxmlformats.org/drawingml/2006/main" xmlns:r="http://schemas.openxmlformats.org/officeDocument/2006/relationships" xmlns:mc="http://schemas.openxmlformats.org/markup-compatibility/2006" xmlns:mv="urn:schemas-microsoft-com:mac:vml" xmlns:p="http://schemas.openxmlformats.org/presentationml/2006/main" xmlns:c="http://schemas.openxmlformats.org/drawingml/2006/chart" xmlns:dgm="http://schemas.openxmlformats.org/drawingml/2006/diagram" xmlns:o="urn:schemas-microsoft-com:office:office" xmlns:v="urn:schemas-microsoft-com:vml" xmlns:pvml="urn:schemas-microsoft-com:office:powerpoint" xmlns:com="http://schemas.openxmlformats.org/drawingml/2006/compatibility" xmlns:p14="http://schemas.microsoft.com/office/powerpoint/2010/main" xmlns:p15="http://schemas.microsoft.com/office/powerpoint/2012/main">
+<p:sld xmlns:a="http://schemas.openxmlformats.org/drawingml/2006/main" xmlns:r="http://schemas.openxmlformats.org/officeDocument/2006/relationships" xmlns:p="http://schemas.openxmlformats.org/presentationml/2006/main">
   <p:cSld>
     <p:spTree>
       <p:nvGrpSpPr>
-        <p:cNvPr id="75" name="Shape 75"/>
+        <p:cNvPr id="1" name="Shape 75"/>
         <p:cNvGrpSpPr/>
         <p:nvPr/>
       </p:nvGrpSpPr>
@@ -7657,7 +7818,9 @@
       <p:sp>
         <p:nvSpPr>
           <p:cNvPr id="76" name="Google Shape;76;p16"/>
-          <p:cNvSpPr txBox="1"/>
+          <p:cNvSpPr txBox="1">
+            <a:spLocks noGrp="1"/>
+          </p:cNvSpPr>
           <p:nvPr>
             <p:ph type="title"/>
           </p:nvPr>
@@ -7672,12 +7835,12 @@
           </a:prstGeom>
         </p:spPr>
         <p:txBody>
-          <a:bodyPr anchorCtr="0" anchor="t" bIns="91425" lIns="91425" spcFirstLastPara="1" rIns="91425" wrap="square" tIns="91425">
+          <a:bodyPr spcFirstLastPara="1" wrap="square" lIns="91425" tIns="91425" rIns="91425" bIns="91425" anchor="t" anchorCtr="0">
             <a:noAutofit/>
           </a:bodyPr>
           <a:lstStyle/>
           <a:p>
-            <a:pPr indent="0" lvl="0" marL="0" rtl="0" algn="ctr">
+            <a:pPr marL="0" lvl="0" indent="0" algn="ctr" rtl="0">
               <a:spcBef>
                 <a:spcPts val="0"/>
               </a:spcBef>
@@ -7708,7 +7871,7 @@
             </a:endParaRPr>
           </a:p>
           <a:p>
-            <a:pPr indent="0" lvl="0" marL="0" rtl="0" algn="l">
+            <a:pPr marL="0" lvl="0" indent="0" algn="l" rtl="0">
               <a:spcBef>
                 <a:spcPts val="0"/>
               </a:spcBef>
@@ -7717,9 +7880,6 @@
               </a:spcAft>
               <a:buNone/>
             </a:pPr>
-            <a:r>
-              <a:t/>
-            </a:r>
             <a:endParaRPr/>
           </a:p>
         </p:txBody>
@@ -7727,9 +7887,11 @@
       <p:sp>
         <p:nvSpPr>
           <p:cNvPr id="77" name="Google Shape;77;p16"/>
-          <p:cNvSpPr txBox="1"/>
+          <p:cNvSpPr txBox="1">
+            <a:spLocks noGrp="1"/>
+          </p:cNvSpPr>
           <p:nvPr>
-            <p:ph idx="1" type="body"/>
+            <p:ph type="body" idx="1"/>
           </p:nvPr>
         </p:nvSpPr>
         <p:spPr>
@@ -7742,12 +7904,12 @@
           </a:prstGeom>
         </p:spPr>
         <p:txBody>
-          <a:bodyPr anchorCtr="0" anchor="t" bIns="91425" lIns="91425" spcFirstLastPara="1" rIns="91425" wrap="square" tIns="91425">
+          <a:bodyPr spcFirstLastPara="1" wrap="square" lIns="91425" tIns="91425" rIns="91425" bIns="91425" anchor="t" anchorCtr="0">
             <a:noAutofit/>
           </a:bodyPr>
           <a:lstStyle/>
           <a:p>
-            <a:pPr indent="-304800" lvl="0" marL="457200" rtl="0" algn="just">
+            <a:pPr marL="457200" lvl="0" indent="-304800" algn="just" rtl="0">
               <a:lnSpc>
                 <a:spcPct val="150000"/>
               </a:lnSpc>
@@ -7791,9 +7953,11 @@
       <p:sp>
         <p:nvSpPr>
           <p:cNvPr id="78" name="Google Shape;78;p16"/>
-          <p:cNvSpPr txBox="1"/>
+          <p:cNvSpPr txBox="1">
+            <a:spLocks noGrp="1"/>
+          </p:cNvSpPr>
           <p:nvPr>
-            <p:ph idx="12" type="sldNum"/>
+            <p:ph type="sldNum" idx="12"/>
           </p:nvPr>
         </p:nvSpPr>
         <p:spPr>
@@ -7806,12 +7970,12 @@
           </a:prstGeom>
         </p:spPr>
         <p:txBody>
-          <a:bodyPr anchorCtr="0" anchor="ctr" bIns="91425" lIns="91425" spcFirstLastPara="1" rIns="91425" wrap="square" tIns="91425">
+          <a:bodyPr spcFirstLastPara="1" wrap="square" lIns="91425" tIns="91425" rIns="91425" bIns="91425" anchor="ctr" anchorCtr="0">
             <a:noAutofit/>
           </a:bodyPr>
           <a:lstStyle/>
           <a:p>
-            <a:pPr indent="0" lvl="0" marL="0" rtl="0" algn="r">
+            <a:pPr marL="0" lvl="0" indent="0" algn="r" rtl="0">
               <a:spcBef>
                 <a:spcPts val="0"/>
               </a:spcBef>
@@ -7822,7 +7986,7 @@
             </a:pPr>
             <a:fld id="{00000000-1234-1234-1234-123412341234}" type="slidenum">
               <a:rPr lang="lt"/>
-              <a:t>‹#›</a:t>
+              <a:t>4</a:t>
             </a:fld>
             <a:endParaRPr/>
           </a:p>
@@ -7876,12 +8040,12 @@
           </a:ln>
         </p:spPr>
         <p:txBody>
-          <a:bodyPr anchorCtr="0" anchor="t" bIns="91425" lIns="91425" spcFirstLastPara="1" rIns="91425" wrap="square" tIns="91425">
+          <a:bodyPr spcFirstLastPara="1" wrap="square" lIns="91425" tIns="91425" rIns="91425" bIns="91425" anchor="t" anchorCtr="0">
             <a:noAutofit/>
           </a:bodyPr>
           <a:lstStyle/>
           <a:p>
-            <a:pPr indent="0" lvl="0" marL="0" rtl="0" algn="l">
+            <a:pPr marL="0" lvl="0" indent="0" algn="l" rtl="0">
               <a:spcBef>
                 <a:spcPts val="0"/>
               </a:spcBef>
@@ -7897,16 +8061,7 @@
                 <a:cs typeface="Times New Roman"/>
                 <a:sym typeface="Times New Roman"/>
               </a:rPr>
-              <a:t>1</a:t>
-            </a:r>
-            <a:r>
-              <a:rPr lang="lt" sz="1200">
-                <a:latin typeface="Times New Roman"/>
-                <a:ea typeface="Times New Roman"/>
-                <a:cs typeface="Times New Roman"/>
-                <a:sym typeface="Times New Roman"/>
-              </a:rPr>
-              <a:t> pav.</a:t>
+              <a:t>1 pav.</a:t>
             </a:r>
             <a:endParaRPr sz="1200">
               <a:latin typeface="Times New Roman"/>
@@ -7965,12 +8120,12 @@
           </a:ln>
         </p:spPr>
         <p:txBody>
-          <a:bodyPr anchorCtr="0" anchor="t" bIns="91425" lIns="91425" spcFirstLastPara="1" rIns="91425" wrap="square" tIns="91425">
+          <a:bodyPr spcFirstLastPara="1" wrap="square" lIns="91425" tIns="91425" rIns="91425" bIns="91425" anchor="t" anchorCtr="0">
             <a:noAutofit/>
           </a:bodyPr>
           <a:lstStyle/>
           <a:p>
-            <a:pPr indent="0" lvl="0" marL="0" rtl="0" algn="l">
+            <a:pPr marL="0" lvl="0" indent="0" algn="l" rtl="0">
               <a:spcBef>
                 <a:spcPts val="0"/>
               </a:spcBef>
@@ -7986,16 +8141,7 @@
                 <a:cs typeface="Times New Roman"/>
                 <a:sym typeface="Times New Roman"/>
               </a:rPr>
-              <a:t>2</a:t>
-            </a:r>
-            <a:r>
-              <a:rPr lang="lt" sz="1200">
-                <a:latin typeface="Times New Roman"/>
-                <a:ea typeface="Times New Roman"/>
-                <a:cs typeface="Times New Roman"/>
-                <a:sym typeface="Times New Roman"/>
-              </a:rPr>
-              <a:t> pav.</a:t>
+              <a:t>2 pav.</a:t>
             </a:r>
             <a:endParaRPr sz="1200">
               <a:latin typeface="Times New Roman"/>
@@ -8015,11 +8161,11 @@
 </file>
 
 <file path=ppt/slides/slide5.xml><?xml version="1.0" encoding="utf-8"?>
-<p:sld xmlns:a="http://schemas.openxmlformats.org/drawingml/2006/main" xmlns:r="http://schemas.openxmlformats.org/officeDocument/2006/relationships" xmlns:mc="http://schemas.openxmlformats.org/markup-compatibility/2006" xmlns:mv="urn:schemas-microsoft-com:mac:vml" xmlns:p="http://schemas.openxmlformats.org/presentationml/2006/main" xmlns:c="http://schemas.openxmlformats.org/drawingml/2006/chart" xmlns:dgm="http://schemas.openxmlformats.org/drawingml/2006/diagram" xmlns:o="urn:schemas-microsoft-com:office:office" xmlns:v="urn:schemas-microsoft-com:vml" xmlns:pvml="urn:schemas-microsoft-com:office:powerpoint" xmlns:com="http://schemas.openxmlformats.org/drawingml/2006/compatibility" xmlns:p14="http://schemas.microsoft.com/office/powerpoint/2010/main" xmlns:p15="http://schemas.microsoft.com/office/powerpoint/2012/main">
+<p:sld xmlns:a="http://schemas.openxmlformats.org/drawingml/2006/main" xmlns:r="http://schemas.openxmlformats.org/officeDocument/2006/relationships" xmlns:p="http://schemas.openxmlformats.org/presentationml/2006/main">
   <p:cSld>
     <p:spTree>
       <p:nvGrpSpPr>
-        <p:cNvPr id="86" name="Shape 86"/>
+        <p:cNvPr id="1" name="Shape 86"/>
         <p:cNvGrpSpPr/>
         <p:nvPr/>
       </p:nvGrpSpPr>
@@ -8034,7 +8180,9 @@
       <p:sp>
         <p:nvSpPr>
           <p:cNvPr id="87" name="Google Shape;87;p17"/>
-          <p:cNvSpPr txBox="1"/>
+          <p:cNvSpPr txBox="1">
+            <a:spLocks noGrp="1"/>
+          </p:cNvSpPr>
           <p:nvPr>
             <p:ph type="title"/>
           </p:nvPr>
@@ -8049,12 +8197,12 @@
           </a:prstGeom>
         </p:spPr>
         <p:txBody>
-          <a:bodyPr anchorCtr="0" anchor="t" bIns="91425" lIns="91425" spcFirstLastPara="1" rIns="91425" wrap="square" tIns="91425">
+          <a:bodyPr spcFirstLastPara="1" wrap="square" lIns="91425" tIns="91425" rIns="91425" bIns="91425" anchor="t" anchorCtr="0">
             <a:noAutofit/>
           </a:bodyPr>
           <a:lstStyle/>
           <a:p>
-            <a:pPr indent="0" lvl="0" marL="0" rtl="0" algn="ctr">
+            <a:pPr marL="0" lvl="0" indent="0" algn="ctr" rtl="0">
               <a:spcBef>
                 <a:spcPts val="0"/>
               </a:spcBef>
@@ -8085,7 +8233,7 @@
             </a:endParaRPr>
           </a:p>
           <a:p>
-            <a:pPr indent="0" lvl="0" marL="0" rtl="0" algn="l">
+            <a:pPr marL="0" lvl="0" indent="0" algn="l" rtl="0">
               <a:spcBef>
                 <a:spcPts val="0"/>
               </a:spcBef>
@@ -8094,9 +8242,6 @@
               </a:spcAft>
               <a:buNone/>
             </a:pPr>
-            <a:r>
-              <a:t/>
-            </a:r>
             <a:endParaRPr/>
           </a:p>
         </p:txBody>
@@ -8104,9 +8249,11 @@
       <p:sp>
         <p:nvSpPr>
           <p:cNvPr id="88" name="Google Shape;88;p17"/>
-          <p:cNvSpPr txBox="1"/>
+          <p:cNvSpPr txBox="1">
+            <a:spLocks noGrp="1"/>
+          </p:cNvSpPr>
           <p:nvPr>
-            <p:ph idx="1" type="body"/>
+            <p:ph type="body" idx="1"/>
           </p:nvPr>
         </p:nvSpPr>
         <p:spPr>
@@ -8119,12 +8266,12 @@
           </a:prstGeom>
         </p:spPr>
         <p:txBody>
-          <a:bodyPr anchorCtr="0" anchor="t" bIns="91425" lIns="91425" spcFirstLastPara="1" rIns="91425" wrap="square" tIns="91425">
+          <a:bodyPr spcFirstLastPara="1" wrap="square" lIns="91425" tIns="91425" rIns="91425" bIns="91425" anchor="t" anchorCtr="0">
             <a:noAutofit/>
           </a:bodyPr>
           <a:lstStyle/>
           <a:p>
-            <a:pPr indent="-304800" lvl="0" marL="457200" rtl="0" algn="l">
+            <a:pPr marL="457200" lvl="0" indent="-304800" algn="l" rtl="0">
               <a:spcBef>
                 <a:spcPts val="0"/>
               </a:spcBef>
@@ -8165,9 +8312,11 @@
       <p:sp>
         <p:nvSpPr>
           <p:cNvPr id="89" name="Google Shape;89;p17"/>
-          <p:cNvSpPr txBox="1"/>
+          <p:cNvSpPr txBox="1">
+            <a:spLocks noGrp="1"/>
+          </p:cNvSpPr>
           <p:nvPr>
-            <p:ph idx="12" type="sldNum"/>
+            <p:ph type="sldNum" idx="12"/>
           </p:nvPr>
         </p:nvSpPr>
         <p:spPr>
@@ -8180,12 +8329,12 @@
           </a:prstGeom>
         </p:spPr>
         <p:txBody>
-          <a:bodyPr anchorCtr="0" anchor="ctr" bIns="91425" lIns="91425" spcFirstLastPara="1" rIns="91425" wrap="square" tIns="91425">
+          <a:bodyPr spcFirstLastPara="1" wrap="square" lIns="91425" tIns="91425" rIns="91425" bIns="91425" anchor="ctr" anchorCtr="0">
             <a:noAutofit/>
           </a:bodyPr>
           <a:lstStyle/>
           <a:p>
-            <a:pPr indent="0" lvl="0" marL="0" rtl="0" algn="r">
+            <a:pPr marL="0" lvl="0" indent="0" algn="r" rtl="0">
               <a:spcBef>
                 <a:spcPts val="0"/>
               </a:spcBef>
@@ -8196,7 +8345,7 @@
             </a:pPr>
             <a:fld id="{00000000-1234-1234-1234-123412341234}" type="slidenum">
               <a:rPr lang="lt"/>
-              <a:t>‹#›</a:t>
+              <a:t>5</a:t>
             </a:fld>
             <a:endParaRPr/>
           </a:p>
@@ -8250,12 +8399,12 @@
           </a:ln>
         </p:spPr>
         <p:txBody>
-          <a:bodyPr anchorCtr="0" anchor="t" bIns="91425" lIns="91425" spcFirstLastPara="1" rIns="91425" wrap="square" tIns="91425">
+          <a:bodyPr spcFirstLastPara="1" wrap="square" lIns="91425" tIns="91425" rIns="91425" bIns="91425" anchor="t" anchorCtr="0">
             <a:noAutofit/>
           </a:bodyPr>
           <a:lstStyle/>
           <a:p>
-            <a:pPr indent="0" lvl="0" marL="0" rtl="0" algn="l">
+            <a:pPr marL="0" lvl="0" indent="0" algn="l" rtl="0">
               <a:spcBef>
                 <a:spcPts val="0"/>
               </a:spcBef>
@@ -8271,16 +8420,7 @@
                 <a:cs typeface="Times New Roman"/>
                 <a:sym typeface="Times New Roman"/>
               </a:rPr>
-              <a:t>3</a:t>
-            </a:r>
-            <a:r>
-              <a:rPr lang="lt" sz="1200">
-                <a:latin typeface="Times New Roman"/>
-                <a:ea typeface="Times New Roman"/>
-                <a:cs typeface="Times New Roman"/>
-                <a:sym typeface="Times New Roman"/>
-              </a:rPr>
-              <a:t> pav.</a:t>
+              <a:t>3 pav.</a:t>
             </a:r>
             <a:endParaRPr sz="1200">
               <a:latin typeface="Times New Roman"/>
@@ -8300,11 +8440,11 @@
 </file>
 
 <file path=ppt/slides/slide6.xml><?xml version="1.0" encoding="utf-8"?>
-<p:sld xmlns:a="http://schemas.openxmlformats.org/drawingml/2006/main" xmlns:r="http://schemas.openxmlformats.org/officeDocument/2006/relationships" xmlns:mc="http://schemas.openxmlformats.org/markup-compatibility/2006" xmlns:mv="urn:schemas-microsoft-com:mac:vml" xmlns:p="http://schemas.openxmlformats.org/presentationml/2006/main" xmlns:c="http://schemas.openxmlformats.org/drawingml/2006/chart" xmlns:dgm="http://schemas.openxmlformats.org/drawingml/2006/diagram" xmlns:o="urn:schemas-microsoft-com:office:office" xmlns:v="urn:schemas-microsoft-com:vml" xmlns:pvml="urn:schemas-microsoft-com:office:powerpoint" xmlns:com="http://schemas.openxmlformats.org/drawingml/2006/compatibility" xmlns:p14="http://schemas.microsoft.com/office/powerpoint/2010/main" xmlns:p15="http://schemas.microsoft.com/office/powerpoint/2012/main">
+<p:sld xmlns:a="http://schemas.openxmlformats.org/drawingml/2006/main" xmlns:r="http://schemas.openxmlformats.org/officeDocument/2006/relationships" xmlns:p="http://schemas.openxmlformats.org/presentationml/2006/main">
   <p:cSld>
     <p:spTree>
       <p:nvGrpSpPr>
-        <p:cNvPr id="95" name="Shape 95"/>
+        <p:cNvPr id="1" name="Shape 95"/>
         <p:cNvGrpSpPr/>
         <p:nvPr/>
       </p:nvGrpSpPr>
@@ -8319,7 +8459,9 @@
       <p:sp>
         <p:nvSpPr>
           <p:cNvPr id="96" name="Google Shape;96;p18"/>
-          <p:cNvSpPr txBox="1"/>
+          <p:cNvSpPr txBox="1">
+            <a:spLocks noGrp="1"/>
+          </p:cNvSpPr>
           <p:nvPr>
             <p:ph type="title"/>
           </p:nvPr>
@@ -8334,12 +8476,12 @@
           </a:prstGeom>
         </p:spPr>
         <p:txBody>
-          <a:bodyPr anchorCtr="0" anchor="t" bIns="91425" lIns="91425" spcFirstLastPara="1" rIns="91425" wrap="square" tIns="91425">
+          <a:bodyPr spcFirstLastPara="1" wrap="square" lIns="91425" tIns="91425" rIns="91425" bIns="91425" anchor="t" anchorCtr="0">
             <a:noAutofit/>
           </a:bodyPr>
           <a:lstStyle/>
           <a:p>
-            <a:pPr indent="0" lvl="0" marL="0" rtl="0" algn="ctr">
+            <a:pPr marL="0" lvl="0" indent="0" algn="ctr" rtl="0">
               <a:spcBef>
                 <a:spcPts val="0"/>
               </a:spcBef>
@@ -8369,9 +8511,11 @@
       <p:sp>
         <p:nvSpPr>
           <p:cNvPr id="97" name="Google Shape;97;p18"/>
-          <p:cNvSpPr txBox="1"/>
+          <p:cNvSpPr txBox="1">
+            <a:spLocks noGrp="1"/>
+          </p:cNvSpPr>
           <p:nvPr>
-            <p:ph idx="1" type="body"/>
+            <p:ph type="body" idx="1"/>
           </p:nvPr>
         </p:nvSpPr>
         <p:spPr>
@@ -8384,12 +8528,12 @@
           </a:prstGeom>
         </p:spPr>
         <p:txBody>
-          <a:bodyPr anchorCtr="0" anchor="t" bIns="91425" lIns="91425" spcFirstLastPara="1" rIns="91425" wrap="square" tIns="91425">
+          <a:bodyPr spcFirstLastPara="1" wrap="square" lIns="91425" tIns="91425" rIns="91425" bIns="91425" anchor="t" anchorCtr="0">
             <a:noAutofit/>
           </a:bodyPr>
           <a:lstStyle/>
           <a:p>
-            <a:pPr indent="-304800" lvl="0" marL="457200" rtl="0" algn="just">
+            <a:pPr marL="457200" lvl="0" indent="-304800" algn="just" rtl="0">
               <a:lnSpc>
                 <a:spcPct val="150000"/>
               </a:lnSpc>
@@ -8435,7 +8579,7 @@
             </a:endParaRPr>
           </a:p>
           <a:p>
-            <a:pPr indent="-304800" lvl="0" marL="457200" rtl="0" algn="just">
+            <a:pPr marL="457200" lvl="0" indent="-304800" algn="just" rtl="0">
               <a:lnSpc>
                 <a:spcPct val="150000"/>
               </a:lnSpc>
@@ -8481,7 +8625,7 @@
             </a:endParaRPr>
           </a:p>
           <a:p>
-            <a:pPr indent="-304800" lvl="0" marL="457200" rtl="0" algn="just">
+            <a:pPr marL="457200" lvl="0" indent="-304800" algn="just" rtl="0">
               <a:lnSpc>
                 <a:spcPct val="150000"/>
               </a:lnSpc>
@@ -8531,9 +8675,11 @@
       <p:sp>
         <p:nvSpPr>
           <p:cNvPr id="98" name="Google Shape;98;p18"/>
-          <p:cNvSpPr txBox="1"/>
+          <p:cNvSpPr txBox="1">
+            <a:spLocks noGrp="1"/>
+          </p:cNvSpPr>
           <p:nvPr>
-            <p:ph idx="12" type="sldNum"/>
+            <p:ph type="sldNum" idx="12"/>
           </p:nvPr>
         </p:nvSpPr>
         <p:spPr>
@@ -8546,12 +8692,12 @@
           </a:prstGeom>
         </p:spPr>
         <p:txBody>
-          <a:bodyPr anchorCtr="0" anchor="ctr" bIns="91425" lIns="91425" spcFirstLastPara="1" rIns="91425" wrap="square" tIns="91425">
+          <a:bodyPr spcFirstLastPara="1" wrap="square" lIns="91425" tIns="91425" rIns="91425" bIns="91425" anchor="ctr" anchorCtr="0">
             <a:noAutofit/>
           </a:bodyPr>
           <a:lstStyle/>
           <a:p>
-            <a:pPr indent="0" lvl="0" marL="0" rtl="0" algn="r">
+            <a:pPr marL="0" lvl="0" indent="0" algn="r" rtl="0">
               <a:spcBef>
                 <a:spcPts val="0"/>
               </a:spcBef>
@@ -8562,7 +8708,7 @@
             </a:pPr>
             <a:fld id="{00000000-1234-1234-1234-123412341234}" type="slidenum">
               <a:rPr lang="lt"/>
-              <a:t>‹#›</a:t>
+              <a:t>6</a:t>
             </a:fld>
             <a:endParaRPr/>
           </a:p>
@@ -8577,11 +8723,11 @@
 </file>
 
 <file path=ppt/slides/slide7.xml><?xml version="1.0" encoding="utf-8"?>
-<p:sld xmlns:a="http://schemas.openxmlformats.org/drawingml/2006/main" xmlns:r="http://schemas.openxmlformats.org/officeDocument/2006/relationships" xmlns:mc="http://schemas.openxmlformats.org/markup-compatibility/2006" xmlns:mv="urn:schemas-microsoft-com:mac:vml" xmlns:p="http://schemas.openxmlformats.org/presentationml/2006/main" xmlns:c="http://schemas.openxmlformats.org/drawingml/2006/chart" xmlns:dgm="http://schemas.openxmlformats.org/drawingml/2006/diagram" xmlns:o="urn:schemas-microsoft-com:office:office" xmlns:v="urn:schemas-microsoft-com:vml" xmlns:pvml="urn:schemas-microsoft-com:office:powerpoint" xmlns:com="http://schemas.openxmlformats.org/drawingml/2006/compatibility" xmlns:p14="http://schemas.microsoft.com/office/powerpoint/2010/main" xmlns:p15="http://schemas.microsoft.com/office/powerpoint/2012/main">
+<p:sld xmlns:a="http://schemas.openxmlformats.org/drawingml/2006/main" xmlns:r="http://schemas.openxmlformats.org/officeDocument/2006/relationships" xmlns:p="http://schemas.openxmlformats.org/presentationml/2006/main">
   <p:cSld>
     <p:spTree>
       <p:nvGrpSpPr>
-        <p:cNvPr id="102" name="Shape 102"/>
+        <p:cNvPr id="1" name="Shape 102"/>
         <p:cNvGrpSpPr/>
         <p:nvPr/>
       </p:nvGrpSpPr>
@@ -8596,7 +8742,9 @@
       <p:sp>
         <p:nvSpPr>
           <p:cNvPr id="103" name="Google Shape;103;p19"/>
-          <p:cNvSpPr txBox="1"/>
+          <p:cNvSpPr txBox="1">
+            <a:spLocks noGrp="1"/>
+          </p:cNvSpPr>
           <p:nvPr>
             <p:ph type="title"/>
           </p:nvPr>
@@ -8611,12 +8759,12 @@
           </a:prstGeom>
         </p:spPr>
         <p:txBody>
-          <a:bodyPr anchorCtr="0" anchor="t" bIns="91425" lIns="91425" spcFirstLastPara="1" rIns="91425" wrap="square" tIns="91425">
+          <a:bodyPr spcFirstLastPara="1" wrap="square" lIns="91425" tIns="91425" rIns="91425" bIns="91425" anchor="t" anchorCtr="0">
             <a:noAutofit/>
           </a:bodyPr>
           <a:lstStyle/>
           <a:p>
-            <a:pPr indent="0" lvl="0" marL="0" rtl="0" algn="ctr">
+            <a:pPr marL="0" lvl="0" indent="0" algn="ctr" rtl="0">
               <a:spcBef>
                 <a:spcPts val="0"/>
               </a:spcBef>
@@ -8647,7 +8795,7 @@
             </a:endParaRPr>
           </a:p>
           <a:p>
-            <a:pPr indent="0" lvl="0" marL="0" rtl="0" algn="l">
+            <a:pPr marL="0" lvl="0" indent="0" algn="l" rtl="0">
               <a:spcBef>
                 <a:spcPts val="0"/>
               </a:spcBef>
@@ -8656,9 +8804,6 @@
               </a:spcAft>
               <a:buNone/>
             </a:pPr>
-            <a:r>
-              <a:t/>
-            </a:r>
             <a:endParaRPr/>
           </a:p>
         </p:txBody>
@@ -8666,9 +8811,11 @@
       <p:sp>
         <p:nvSpPr>
           <p:cNvPr id="104" name="Google Shape;104;p19"/>
-          <p:cNvSpPr txBox="1"/>
+          <p:cNvSpPr txBox="1">
+            <a:spLocks noGrp="1"/>
+          </p:cNvSpPr>
           <p:nvPr>
-            <p:ph idx="1" type="body"/>
+            <p:ph type="body" idx="1"/>
           </p:nvPr>
         </p:nvSpPr>
         <p:spPr>
@@ -8681,12 +8828,12 @@
           </a:prstGeom>
         </p:spPr>
         <p:txBody>
-          <a:bodyPr anchorCtr="0" anchor="t" bIns="91425" lIns="91425" spcFirstLastPara="1" rIns="91425" wrap="square" tIns="91425">
+          <a:bodyPr spcFirstLastPara="1" wrap="square" lIns="91425" tIns="91425" rIns="91425" bIns="91425" anchor="t" anchorCtr="0">
             <a:noAutofit/>
           </a:bodyPr>
           <a:lstStyle/>
           <a:p>
-            <a:pPr indent="0" lvl="0" marL="0" rtl="0" algn="just">
+            <a:pPr marL="0" lvl="0" indent="0" algn="just" rtl="0">
               <a:lnSpc>
                 <a:spcPct val="150000"/>
               </a:lnSpc>
@@ -8821,12 +8968,12 @@
           </a:ln>
         </p:spPr>
         <p:txBody>
-          <a:bodyPr anchorCtr="0" anchor="t" bIns="91425" lIns="91425" spcFirstLastPara="1" rIns="91425" wrap="square" tIns="91425">
+          <a:bodyPr spcFirstLastPara="1" wrap="square" lIns="91425" tIns="91425" rIns="91425" bIns="91425" anchor="t" anchorCtr="0">
             <a:noAutofit/>
           </a:bodyPr>
           <a:lstStyle/>
           <a:p>
-            <a:pPr indent="0" lvl="0" marL="0" rtl="0" algn="l">
+            <a:pPr marL="0" lvl="0" indent="0" algn="l" rtl="0">
               <a:spcBef>
                 <a:spcPts val="0"/>
               </a:spcBef>
@@ -8842,16 +8989,7 @@
                 <a:cs typeface="Times New Roman"/>
                 <a:sym typeface="Times New Roman"/>
               </a:rPr>
-              <a:t>4</a:t>
-            </a:r>
-            <a:r>
-              <a:rPr lang="lt" sz="1200">
-                <a:latin typeface="Times New Roman"/>
-                <a:ea typeface="Times New Roman"/>
-                <a:cs typeface="Times New Roman"/>
-                <a:sym typeface="Times New Roman"/>
-              </a:rPr>
-              <a:t> pav.</a:t>
+              <a:t>4 pav.</a:t>
             </a:r>
             <a:endParaRPr sz="1200">
               <a:latin typeface="Times New Roman"/>
@@ -8882,12 +9020,12 @@
           </a:ln>
         </p:spPr>
         <p:txBody>
-          <a:bodyPr anchorCtr="0" anchor="t" bIns="91425" lIns="91425" spcFirstLastPara="1" rIns="91425" wrap="square" tIns="91425">
+          <a:bodyPr spcFirstLastPara="1" wrap="square" lIns="91425" tIns="91425" rIns="91425" bIns="91425" anchor="t" anchorCtr="0">
             <a:noAutofit/>
           </a:bodyPr>
           <a:lstStyle/>
           <a:p>
-            <a:pPr indent="0" lvl="0" marL="0" rtl="0" algn="l">
+            <a:pPr marL="0" lvl="0" indent="0" algn="l" rtl="0">
               <a:spcBef>
                 <a:spcPts val="0"/>
               </a:spcBef>
@@ -8903,16 +9041,7 @@
                 <a:cs typeface="Times New Roman"/>
                 <a:sym typeface="Times New Roman"/>
               </a:rPr>
-              <a:t>5</a:t>
-            </a:r>
-            <a:r>
-              <a:rPr lang="lt" sz="1200">
-                <a:latin typeface="Times New Roman"/>
-                <a:ea typeface="Times New Roman"/>
-                <a:cs typeface="Times New Roman"/>
-                <a:sym typeface="Times New Roman"/>
-              </a:rPr>
-              <a:t> pav.</a:t>
+              <a:t>5 pav.</a:t>
             </a:r>
             <a:endParaRPr sz="1200">
               <a:latin typeface="Times New Roman"/>
@@ -8943,12 +9072,12 @@
           </a:ln>
         </p:spPr>
         <p:txBody>
-          <a:bodyPr anchorCtr="0" anchor="t" bIns="91425" lIns="91425" spcFirstLastPara="1" rIns="91425" wrap="square" tIns="91425">
+          <a:bodyPr spcFirstLastPara="1" wrap="square" lIns="91425" tIns="91425" rIns="91425" bIns="91425" anchor="t" anchorCtr="0">
             <a:noAutofit/>
           </a:bodyPr>
           <a:lstStyle/>
           <a:p>
-            <a:pPr indent="0" lvl="0" marL="0" rtl="0" algn="l">
+            <a:pPr marL="0" lvl="0" indent="0" algn="l" rtl="0">
               <a:spcBef>
                 <a:spcPts val="0"/>
               </a:spcBef>
@@ -8964,16 +9093,7 @@
                 <a:cs typeface="Times New Roman"/>
                 <a:sym typeface="Times New Roman"/>
               </a:rPr>
-              <a:t>6</a:t>
-            </a:r>
-            <a:r>
-              <a:rPr lang="lt" sz="1200">
-                <a:latin typeface="Times New Roman"/>
-                <a:ea typeface="Times New Roman"/>
-                <a:cs typeface="Times New Roman"/>
-                <a:sym typeface="Times New Roman"/>
-              </a:rPr>
-              <a:t> pav.</a:t>
+              <a:t>6 pav.</a:t>
             </a:r>
             <a:endParaRPr sz="1200">
               <a:latin typeface="Times New Roman"/>
@@ -8987,9 +9107,11 @@
       <p:sp>
         <p:nvSpPr>
           <p:cNvPr id="111" name="Google Shape;111;p19"/>
-          <p:cNvSpPr txBox="1"/>
+          <p:cNvSpPr txBox="1">
+            <a:spLocks noGrp="1"/>
+          </p:cNvSpPr>
           <p:nvPr>
-            <p:ph idx="12" type="sldNum"/>
+            <p:ph type="sldNum" idx="12"/>
           </p:nvPr>
         </p:nvSpPr>
         <p:spPr>
@@ -9002,12 +9124,12 @@
           </a:prstGeom>
         </p:spPr>
         <p:txBody>
-          <a:bodyPr anchorCtr="0" anchor="ctr" bIns="91425" lIns="91425" spcFirstLastPara="1" rIns="91425" wrap="square" tIns="91425">
+          <a:bodyPr spcFirstLastPara="1" wrap="square" lIns="91425" tIns="91425" rIns="91425" bIns="91425" anchor="ctr" anchorCtr="0">
             <a:noAutofit/>
           </a:bodyPr>
           <a:lstStyle/>
           <a:p>
-            <a:pPr indent="0" lvl="0" marL="0" rtl="0" algn="r">
+            <a:pPr marL="0" lvl="0" indent="0" algn="r" rtl="0">
               <a:spcBef>
                 <a:spcPts val="0"/>
               </a:spcBef>
@@ -9018,7 +9140,7 @@
             </a:pPr>
             <a:fld id="{00000000-1234-1234-1234-123412341234}" type="slidenum">
               <a:rPr lang="lt"/>
-              <a:t>‹#›</a:t>
+              <a:t>7</a:t>
             </a:fld>
             <a:endParaRPr/>
           </a:p>
@@ -9033,11 +9155,11 @@
 </file>
 
 <file path=ppt/slides/slide8.xml><?xml version="1.0" encoding="utf-8"?>
-<p:sld xmlns:a="http://schemas.openxmlformats.org/drawingml/2006/main" xmlns:r="http://schemas.openxmlformats.org/officeDocument/2006/relationships" xmlns:mc="http://schemas.openxmlformats.org/markup-compatibility/2006" xmlns:mv="urn:schemas-microsoft-com:mac:vml" xmlns:p="http://schemas.openxmlformats.org/presentationml/2006/main" xmlns:c="http://schemas.openxmlformats.org/drawingml/2006/chart" xmlns:dgm="http://schemas.openxmlformats.org/drawingml/2006/diagram" xmlns:o="urn:schemas-microsoft-com:office:office" xmlns:v="urn:schemas-microsoft-com:vml" xmlns:pvml="urn:schemas-microsoft-com:office:powerpoint" xmlns:com="http://schemas.openxmlformats.org/drawingml/2006/compatibility" xmlns:p14="http://schemas.microsoft.com/office/powerpoint/2010/main" xmlns:p15="http://schemas.microsoft.com/office/powerpoint/2012/main">
+<p:sld xmlns:a="http://schemas.openxmlformats.org/drawingml/2006/main" xmlns:r="http://schemas.openxmlformats.org/officeDocument/2006/relationships" xmlns:p="http://schemas.openxmlformats.org/presentationml/2006/main">
   <p:cSld>
     <p:spTree>
       <p:nvGrpSpPr>
-        <p:cNvPr id="115" name="Shape 115"/>
+        <p:cNvPr id="1" name="Shape 115"/>
         <p:cNvGrpSpPr/>
         <p:nvPr/>
       </p:nvGrpSpPr>
@@ -9052,7 +9174,9 @@
       <p:sp>
         <p:nvSpPr>
           <p:cNvPr id="116" name="Google Shape;116;p20"/>
-          <p:cNvSpPr txBox="1"/>
+          <p:cNvSpPr txBox="1">
+            <a:spLocks noGrp="1"/>
+          </p:cNvSpPr>
           <p:nvPr>
             <p:ph type="title"/>
           </p:nvPr>
@@ -9067,12 +9191,12 @@
           </a:prstGeom>
         </p:spPr>
         <p:txBody>
-          <a:bodyPr anchorCtr="0" anchor="t" bIns="91425" lIns="91425" spcFirstLastPara="1" rIns="91425" wrap="square" tIns="91425">
+          <a:bodyPr spcFirstLastPara="1" wrap="square" lIns="91425" tIns="91425" rIns="91425" bIns="91425" anchor="t" anchorCtr="0">
             <a:noAutofit/>
           </a:bodyPr>
           <a:lstStyle/>
           <a:p>
-            <a:pPr indent="0" lvl="0" marL="0" rtl="0" algn="ctr">
+            <a:pPr marL="0" lvl="0" indent="0" algn="ctr" rtl="0">
               <a:spcBef>
                 <a:spcPts val="0"/>
               </a:spcBef>
@@ -9102,9 +9226,11 @@
       <p:sp>
         <p:nvSpPr>
           <p:cNvPr id="117" name="Google Shape;117;p20"/>
-          <p:cNvSpPr txBox="1"/>
+          <p:cNvSpPr txBox="1">
+            <a:spLocks noGrp="1"/>
+          </p:cNvSpPr>
           <p:nvPr>
-            <p:ph idx="1" type="body"/>
+            <p:ph type="body" idx="1"/>
           </p:nvPr>
         </p:nvSpPr>
         <p:spPr>
@@ -9117,12 +9243,12 @@
           </a:prstGeom>
         </p:spPr>
         <p:txBody>
-          <a:bodyPr anchorCtr="0" anchor="t" bIns="91425" lIns="91425" spcFirstLastPara="1" rIns="91425" wrap="square" tIns="91425">
+          <a:bodyPr spcFirstLastPara="1" wrap="square" lIns="91425" tIns="91425" rIns="91425" bIns="91425" anchor="t" anchorCtr="0">
             <a:noAutofit/>
           </a:bodyPr>
           <a:lstStyle/>
           <a:p>
-            <a:pPr indent="-304800" lvl="0" marL="457200" rtl="0" algn="just">
+            <a:pPr marL="457200" lvl="0" indent="-304800" algn="just" rtl="0">
               <a:lnSpc>
                 <a:spcPct val="150000"/>
               </a:lnSpc>
@@ -9168,7 +9294,7 @@
             </a:endParaRPr>
           </a:p>
           <a:p>
-            <a:pPr indent="-304800" lvl="0" marL="457200" rtl="0" algn="just">
+            <a:pPr marL="457200" lvl="0" indent="-304800" algn="just" rtl="0">
               <a:lnSpc>
                 <a:spcPct val="150000"/>
               </a:lnSpc>
@@ -9214,7 +9340,7 @@
             </a:endParaRPr>
           </a:p>
           <a:p>
-            <a:pPr indent="-304800" lvl="0" marL="457200" rtl="0" algn="just">
+            <a:pPr marL="457200" lvl="0" indent="-304800" algn="just" rtl="0">
               <a:lnSpc>
                 <a:spcPct val="150000"/>
               </a:lnSpc>
@@ -9260,7 +9386,7 @@
             </a:endParaRPr>
           </a:p>
           <a:p>
-            <a:pPr indent="0" lvl="0" marL="0" rtl="0" algn="just">
+            <a:pPr marL="0" lvl="0" indent="0" algn="just" rtl="0">
               <a:lnSpc>
                 <a:spcPct val="150000"/>
               </a:lnSpc>
@@ -9277,9 +9403,6 @@
               <a:buFont typeface="Arial"/>
               <a:buNone/>
             </a:pPr>
-            <a:r>
-              <a:t/>
-            </a:r>
             <a:endParaRPr sz="1200">
               <a:solidFill>
                 <a:schemeClr val="dk1"/>
@@ -9294,7 +9417,7 @@
             </a:endParaRPr>
           </a:p>
           <a:p>
-            <a:pPr indent="0" lvl="0" marL="0" rtl="0" algn="just">
+            <a:pPr marL="0" lvl="0" indent="0" algn="just" rtl="0">
               <a:lnSpc>
                 <a:spcPct val="150000"/>
               </a:lnSpc>
@@ -9306,9 +9429,6 @@
               </a:spcAft>
               <a:buNone/>
             </a:pPr>
-            <a:r>
-              <a:t/>
-            </a:r>
             <a:endParaRPr sz="1200">
               <a:latin typeface="Times New Roman"/>
               <a:ea typeface="Times New Roman"/>
@@ -9394,12 +9514,12 @@
           </a:ln>
         </p:spPr>
         <p:txBody>
-          <a:bodyPr anchorCtr="0" anchor="t" bIns="91425" lIns="91425" spcFirstLastPara="1" rIns="91425" wrap="square" tIns="91425">
+          <a:bodyPr spcFirstLastPara="1" wrap="square" lIns="91425" tIns="91425" rIns="91425" bIns="91425" anchor="t" anchorCtr="0">
             <a:noAutofit/>
           </a:bodyPr>
           <a:lstStyle/>
           <a:p>
-            <a:pPr indent="0" lvl="0" marL="0" rtl="0" algn="l">
+            <a:pPr marL="0" lvl="0" indent="0" algn="l" rtl="0">
               <a:spcBef>
                 <a:spcPts val="0"/>
               </a:spcBef>
@@ -9415,16 +9535,7 @@
                 <a:cs typeface="Times New Roman"/>
                 <a:sym typeface="Times New Roman"/>
               </a:rPr>
-              <a:t>7</a:t>
-            </a:r>
-            <a:r>
-              <a:rPr lang="lt" sz="1200">
-                <a:latin typeface="Times New Roman"/>
-                <a:ea typeface="Times New Roman"/>
-                <a:cs typeface="Times New Roman"/>
-                <a:sym typeface="Times New Roman"/>
-              </a:rPr>
-              <a:t> pav.</a:t>
+              <a:t>7 pav.</a:t>
             </a:r>
             <a:endParaRPr sz="1200">
               <a:latin typeface="Times New Roman"/>
@@ -9455,12 +9566,12 @@
           </a:ln>
         </p:spPr>
         <p:txBody>
-          <a:bodyPr anchorCtr="0" anchor="t" bIns="91425" lIns="91425" spcFirstLastPara="1" rIns="91425" wrap="square" tIns="91425">
+          <a:bodyPr spcFirstLastPara="1" wrap="square" lIns="91425" tIns="91425" rIns="91425" bIns="91425" anchor="t" anchorCtr="0">
             <a:noAutofit/>
           </a:bodyPr>
           <a:lstStyle/>
           <a:p>
-            <a:pPr indent="0" lvl="0" marL="0" rtl="0" algn="l">
+            <a:pPr marL="0" lvl="0" indent="0" algn="l" rtl="0">
               <a:spcBef>
                 <a:spcPts val="0"/>
               </a:spcBef>
@@ -9476,16 +9587,7 @@
                 <a:cs typeface="Times New Roman"/>
                 <a:sym typeface="Times New Roman"/>
               </a:rPr>
-              <a:t>8</a:t>
-            </a:r>
-            <a:r>
-              <a:rPr lang="lt" sz="1200">
-                <a:latin typeface="Times New Roman"/>
-                <a:ea typeface="Times New Roman"/>
-                <a:cs typeface="Times New Roman"/>
-                <a:sym typeface="Times New Roman"/>
-              </a:rPr>
-              <a:t> pav.</a:t>
+              <a:t>8 pav.</a:t>
             </a:r>
             <a:endParaRPr sz="1200">
               <a:latin typeface="Times New Roman"/>
@@ -9499,9 +9601,11 @@
       <p:sp>
         <p:nvSpPr>
           <p:cNvPr id="122" name="Google Shape;122;p20"/>
-          <p:cNvSpPr txBox="1"/>
+          <p:cNvSpPr txBox="1">
+            <a:spLocks noGrp="1"/>
+          </p:cNvSpPr>
           <p:nvPr>
-            <p:ph idx="12" type="sldNum"/>
+            <p:ph type="sldNum" idx="12"/>
           </p:nvPr>
         </p:nvSpPr>
         <p:spPr>
@@ -9514,12 +9618,12 @@
           </a:prstGeom>
         </p:spPr>
         <p:txBody>
-          <a:bodyPr anchorCtr="0" anchor="ctr" bIns="91425" lIns="91425" spcFirstLastPara="1" rIns="91425" wrap="square" tIns="91425">
+          <a:bodyPr spcFirstLastPara="1" wrap="square" lIns="91425" tIns="91425" rIns="91425" bIns="91425" anchor="ctr" anchorCtr="0">
             <a:noAutofit/>
           </a:bodyPr>
           <a:lstStyle/>
           <a:p>
-            <a:pPr indent="0" lvl="0" marL="0" rtl="0" algn="r">
+            <a:pPr marL="0" lvl="0" indent="0" algn="r" rtl="0">
               <a:spcBef>
                 <a:spcPts val="0"/>
               </a:spcBef>
@@ -9530,7 +9634,7 @@
             </a:pPr>
             <a:fld id="{00000000-1234-1234-1234-123412341234}" type="slidenum">
               <a:rPr lang="lt"/>
-              <a:t>‹#›</a:t>
+              <a:t>8</a:t>
             </a:fld>
             <a:endParaRPr/>
           </a:p>
@@ -9545,11 +9649,11 @@
 </file>
 
 <file path=ppt/slides/slide9.xml><?xml version="1.0" encoding="utf-8"?>
-<p:sld xmlns:a="http://schemas.openxmlformats.org/drawingml/2006/main" xmlns:r="http://schemas.openxmlformats.org/officeDocument/2006/relationships" xmlns:mc="http://schemas.openxmlformats.org/markup-compatibility/2006" xmlns:mv="urn:schemas-microsoft-com:mac:vml" xmlns:p="http://schemas.openxmlformats.org/presentationml/2006/main" xmlns:c="http://schemas.openxmlformats.org/drawingml/2006/chart" xmlns:dgm="http://schemas.openxmlformats.org/drawingml/2006/diagram" xmlns:o="urn:schemas-microsoft-com:office:office" xmlns:v="urn:schemas-microsoft-com:vml" xmlns:pvml="urn:schemas-microsoft-com:office:powerpoint" xmlns:com="http://schemas.openxmlformats.org/drawingml/2006/compatibility" xmlns:p14="http://schemas.microsoft.com/office/powerpoint/2010/main" xmlns:p15="http://schemas.microsoft.com/office/powerpoint/2012/main">
+<p:sld xmlns:a="http://schemas.openxmlformats.org/drawingml/2006/main" xmlns:r="http://schemas.openxmlformats.org/officeDocument/2006/relationships" xmlns:p="http://schemas.openxmlformats.org/presentationml/2006/main">
   <p:cSld>
     <p:spTree>
       <p:nvGrpSpPr>
-        <p:cNvPr id="126" name="Shape 126"/>
+        <p:cNvPr id="1" name="Shape 126"/>
         <p:cNvGrpSpPr/>
         <p:nvPr/>
       </p:nvGrpSpPr>
@@ -9564,7 +9668,9 @@
       <p:sp>
         <p:nvSpPr>
           <p:cNvPr id="127" name="Google Shape;127;p21"/>
-          <p:cNvSpPr txBox="1"/>
+          <p:cNvSpPr txBox="1">
+            <a:spLocks noGrp="1"/>
+          </p:cNvSpPr>
           <p:nvPr>
             <p:ph type="title"/>
           </p:nvPr>
@@ -9579,12 +9685,12 @@
           </a:prstGeom>
         </p:spPr>
         <p:txBody>
-          <a:bodyPr anchorCtr="0" anchor="t" bIns="91425" lIns="91425" spcFirstLastPara="1" rIns="91425" wrap="square" tIns="91425">
+          <a:bodyPr spcFirstLastPara="1" wrap="square" lIns="91425" tIns="91425" rIns="91425" bIns="91425" anchor="t" anchorCtr="0">
             <a:noAutofit/>
           </a:bodyPr>
           <a:lstStyle/>
           <a:p>
-            <a:pPr indent="0" lvl="0" marL="0" rtl="0" algn="ctr">
+            <a:pPr marL="0" lvl="0" indent="0" algn="ctr" rtl="0">
               <a:spcBef>
                 <a:spcPts val="0"/>
               </a:spcBef>
@@ -9614,9 +9720,11 @@
       <p:sp>
         <p:nvSpPr>
           <p:cNvPr id="128" name="Google Shape;128;p21"/>
-          <p:cNvSpPr txBox="1"/>
+          <p:cNvSpPr txBox="1">
+            <a:spLocks noGrp="1"/>
+          </p:cNvSpPr>
           <p:nvPr>
-            <p:ph idx="1" type="body"/>
+            <p:ph type="body" idx="1"/>
           </p:nvPr>
         </p:nvSpPr>
         <p:spPr>
@@ -9629,12 +9737,12 @@
           </a:prstGeom>
         </p:spPr>
         <p:txBody>
-          <a:bodyPr anchorCtr="0" anchor="t" bIns="91425" lIns="91425" spcFirstLastPara="1" rIns="91425" wrap="square" tIns="91425">
+          <a:bodyPr spcFirstLastPara="1" wrap="square" lIns="91425" tIns="91425" rIns="91425" bIns="91425" anchor="t" anchorCtr="0">
             <a:noAutofit/>
           </a:bodyPr>
           <a:lstStyle/>
           <a:p>
-            <a:pPr indent="-304800" lvl="0" marL="457200" rtl="0" algn="just">
+            <a:pPr marL="457200" lvl="0" indent="-304800" algn="just" rtl="0">
               <a:lnSpc>
                 <a:spcPct val="150000"/>
               </a:lnSpc>
@@ -9648,11 +9756,11 @@
                 <a:schemeClr val="dk1"/>
               </a:buClr>
               <a:buSzPts val="1200"/>
-              <a:buFont typeface="Times New Roman"/>
-              <a:buAutoNum type="arabicPeriod"/>
+              <a:buFont typeface="+mj-lt"/>
+              <a:buAutoNum type="arabicPeriod" startAt="4"/>
             </a:pPr>
             <a:r>
-              <a:rPr lang="lt" sz="1200">
+              <a:rPr lang="lt" sz="1200" dirty="0">
                 <a:solidFill>
                   <a:schemeClr val="dk1"/>
                 </a:solidFill>
@@ -9666,7 +9774,7 @@
               </a:rPr>
               <a:t>Sudarytas modelis netinka, jeigu žmogus serga liga, kuris smarkiai deformuoja organus. Tokiu atveju tinklo optimizavimui reikia skirti daugiau resursų ir reikia sužymėti daugiau duomenų su ligos, kuri smarkiai deformuoja plaučius, atveju. </a:t>
             </a:r>
-            <a:endParaRPr sz="1200">
+            <a:endParaRPr sz="1200" dirty="0">
               <a:solidFill>
                 <a:schemeClr val="dk1"/>
               </a:solidFill>
@@ -9680,7 +9788,7 @@
             </a:endParaRPr>
           </a:p>
           <a:p>
-            <a:pPr indent="-304800" lvl="0" marL="457200" rtl="0" algn="just">
+            <a:pPr marL="457200" lvl="0" indent="-304800" algn="just" rtl="0">
               <a:lnSpc>
                 <a:spcPct val="150000"/>
               </a:lnSpc>
@@ -9695,10 +9803,10 @@
               </a:buClr>
               <a:buSzPts val="1200"/>
               <a:buFont typeface="Times New Roman"/>
-              <a:buAutoNum type="arabicPeriod"/>
+              <a:buAutoNum type="arabicPeriod" startAt="4"/>
             </a:pPr>
             <a:r>
-              <a:rPr lang="lt" sz="1200">
+              <a:rPr lang="lt" sz="1200" dirty="0">
                 <a:solidFill>
                   <a:schemeClr val="dk1"/>
                 </a:solidFill>
@@ -9712,7 +9820,7 @@
               </a:rPr>
               <a:t>Šis darbas parodo, jog pasiekti didelio tikslumo objektų aptikimą kompiuterinės tomografijos nuotraukose, nereikia turėti daug duomenų ir daug resursų. Tai įmanoma padaryti ir naudojant Google Cloud platformą, kuri suteikia nemokamą prieigą prie GPU resursų</a:t>
             </a:r>
-            <a:endParaRPr sz="1200">
+            <a:endParaRPr sz="1200" dirty="0">
               <a:solidFill>
                 <a:schemeClr val="dk1"/>
               </a:solidFill>
@@ -9726,7 +9834,7 @@
             </a:endParaRPr>
           </a:p>
           <a:p>
-            <a:pPr indent="0" lvl="0" marL="0" rtl="0" algn="just">
+            <a:pPr marL="0" lvl="0" indent="0" algn="just" rtl="0">
               <a:lnSpc>
                 <a:spcPct val="150000"/>
               </a:lnSpc>
@@ -9738,10 +9846,7 @@
               </a:spcAft>
               <a:buNone/>
             </a:pPr>
-            <a:r>
-              <a:t/>
-            </a:r>
-            <a:endParaRPr sz="1200">
+            <a:endParaRPr sz="1200" dirty="0">
               <a:latin typeface="Times New Roman"/>
               <a:ea typeface="Times New Roman"/>
               <a:cs typeface="Times New Roman"/>
@@ -9753,9 +9858,11 @@
       <p:sp>
         <p:nvSpPr>
           <p:cNvPr id="129" name="Google Shape;129;p21"/>
-          <p:cNvSpPr txBox="1"/>
+          <p:cNvSpPr txBox="1">
+            <a:spLocks noGrp="1"/>
+          </p:cNvSpPr>
           <p:nvPr>
-            <p:ph idx="12" type="sldNum"/>
+            <p:ph type="sldNum" idx="12"/>
           </p:nvPr>
         </p:nvSpPr>
         <p:spPr>
@@ -9768,12 +9875,12 @@
           </a:prstGeom>
         </p:spPr>
         <p:txBody>
-          <a:bodyPr anchorCtr="0" anchor="ctr" bIns="91425" lIns="91425" spcFirstLastPara="1" rIns="91425" wrap="square" tIns="91425">
+          <a:bodyPr spcFirstLastPara="1" wrap="square" lIns="91425" tIns="91425" rIns="91425" bIns="91425" anchor="ctr" anchorCtr="0">
             <a:noAutofit/>
           </a:bodyPr>
           <a:lstStyle/>
           <a:p>
-            <a:pPr indent="0" lvl="0" marL="0" rtl="0" algn="r">
+            <a:pPr marL="0" lvl="0" indent="0" algn="r" rtl="0">
               <a:spcBef>
                 <a:spcPts val="0"/>
               </a:spcBef>
@@ -9784,7 +9891,7 @@
             </a:pPr>
             <a:fld id="{00000000-1234-1234-1234-123412341234}" type="slidenum">
               <a:rPr lang="lt"/>
-              <a:t>‹#›</a:t>
+              <a:t>9</a:t>
             </a:fld>
             <a:endParaRPr/>
           </a:p>
@@ -9799,7 +9906,288 @@
 </file>
 
 <file path=ppt/theme/theme1.xml><?xml version="1.0" encoding="utf-8"?>
-<a:theme xmlns:a="http://schemas.openxmlformats.org/drawingml/2006/main" xmlns:r="http://schemas.openxmlformats.org/officeDocument/2006/relationships">
+<a:theme xmlns:a="http://schemas.openxmlformats.org/drawingml/2006/main" name="Simple Light">
+  <a:themeElements>
+    <a:clrScheme name="Simple Light">
+      <a:dk1>
+        <a:srgbClr val="000000"/>
+      </a:dk1>
+      <a:lt1>
+        <a:srgbClr val="FFFFFF"/>
+      </a:lt1>
+      <a:dk2>
+        <a:srgbClr val="595959"/>
+      </a:dk2>
+      <a:lt2>
+        <a:srgbClr val="EEEEEE"/>
+      </a:lt2>
+      <a:accent1>
+        <a:srgbClr val="FFAB40"/>
+      </a:accent1>
+      <a:accent2>
+        <a:srgbClr val="212121"/>
+      </a:accent2>
+      <a:accent3>
+        <a:srgbClr val="78909C"/>
+      </a:accent3>
+      <a:accent4>
+        <a:srgbClr val="FFAB40"/>
+      </a:accent4>
+      <a:accent5>
+        <a:srgbClr val="0097A7"/>
+      </a:accent5>
+      <a:accent6>
+        <a:srgbClr val="EEFF41"/>
+      </a:accent6>
+      <a:hlink>
+        <a:srgbClr val="0097A7"/>
+      </a:hlink>
+      <a:folHlink>
+        <a:srgbClr val="0097A7"/>
+      </a:folHlink>
+    </a:clrScheme>
+    <a:fontScheme name="Office">
+      <a:majorFont>
+        <a:latin typeface="Arial"/>
+        <a:ea typeface=""/>
+        <a:cs typeface=""/>
+        <a:font script="Jpan" typeface="ＭＳ Ｐゴシック"/>
+        <a:font script="Hang" typeface="맑은 고딕"/>
+        <a:font script="Hans" typeface="宋体"/>
+        <a:font script="Hant" typeface="新細明體"/>
+        <a:font script="Arab" typeface="Times New Roman"/>
+        <a:font script="Hebr" typeface="Times New Roman"/>
+        <a:font script="Thai" typeface="Angsana New"/>
+        <a:font script="Ethi" typeface="Nyala"/>
+        <a:font script="Beng" typeface="Vrinda"/>
+        <a:font script="Gujr" typeface="Shruti"/>
+        <a:font script="Khmr" typeface="MoolBoran"/>
+        <a:font script="Knda" typeface="Tunga"/>
+        <a:font script="Guru" typeface="Raavi"/>
+        <a:font script="Cans" typeface="Euphemia"/>
+        <a:font script="Cher" typeface="Plantagenet Cherokee"/>
+        <a:font script="Yiii" typeface="Microsoft Yi Baiti"/>
+        <a:font script="Tibt" typeface="Microsoft Himalaya"/>
+        <a:font script="Thaa" typeface="MV Boli"/>
+        <a:font script="Deva" typeface="Mangal"/>
+        <a:font script="Telu" typeface="Gautami"/>
+        <a:font script="Taml" typeface="Latha"/>
+        <a:font script="Syrc" typeface="Estrangelo Edessa"/>
+        <a:font script="Orya" typeface="Kalinga"/>
+        <a:font script="Mlym" typeface="Kartika"/>
+        <a:font script="Laoo" typeface="DokChampa"/>
+        <a:font script="Sinh" typeface="Iskoola Pota"/>
+        <a:font script="Mong" typeface="Mongolian Baiti"/>
+        <a:font script="Viet" typeface="Times New Roman"/>
+        <a:font script="Uigh" typeface="Microsoft Uighur"/>
+        <a:font script="Geor" typeface="Sylfaen"/>
+      </a:majorFont>
+      <a:minorFont>
+        <a:latin typeface="Arial"/>
+        <a:ea typeface=""/>
+        <a:cs typeface=""/>
+        <a:font script="Jpan" typeface="ＭＳ Ｐゴシック"/>
+        <a:font script="Hang" typeface="맑은 고딕"/>
+        <a:font script="Hans" typeface="宋体"/>
+        <a:font script="Hant" typeface="新細明體"/>
+        <a:font script="Arab" typeface="Arial"/>
+        <a:font script="Hebr" typeface="Arial"/>
+        <a:font script="Thai" typeface="Cordia New"/>
+        <a:font script="Ethi" typeface="Nyala"/>
+        <a:font script="Beng" typeface="Vrinda"/>
+        <a:font script="Gujr" typeface="Shruti"/>
+        <a:font script="Khmr" typeface="DaunPenh"/>
+        <a:font script="Knda" typeface="Tunga"/>
+        <a:font script="Guru" typeface="Raavi"/>
+        <a:font script="Cans" typeface="Euphemia"/>
+        <a:font script="Cher" typeface="Plantagenet Cherokee"/>
+        <a:font script="Yiii" typeface="Microsoft Yi Baiti"/>
+        <a:font script="Tibt" typeface="Microsoft Himalaya"/>
+        <a:font script="Thaa" typeface="MV Boli"/>
+        <a:font script="Deva" typeface="Mangal"/>
+        <a:font script="Telu" typeface="Gautami"/>
+        <a:font script="Taml" typeface="Latha"/>
+        <a:font script="Syrc" typeface="Estrangelo Edessa"/>
+        <a:font script="Orya" typeface="Kalinga"/>
+        <a:font script="Mlym" typeface="Kartika"/>
+        <a:font script="Laoo" typeface="DokChampa"/>
+        <a:font script="Sinh" typeface="Iskoola Pota"/>
+        <a:font script="Mong" typeface="Mongolian Baiti"/>
+        <a:font script="Viet" typeface="Arial"/>
+        <a:font script="Uigh" typeface="Microsoft Uighur"/>
+        <a:font script="Geor" typeface="Sylfaen"/>
+      </a:minorFont>
+    </a:fontScheme>
+    <a:fmtScheme name="Office">
+      <a:fillStyleLst>
+        <a:solidFill>
+          <a:schemeClr val="phClr"/>
+        </a:solidFill>
+        <a:gradFill rotWithShape="1">
+          <a:gsLst>
+            <a:gs pos="0">
+              <a:schemeClr val="phClr">
+                <a:tint val="50000"/>
+                <a:satMod val="300000"/>
+              </a:schemeClr>
+            </a:gs>
+            <a:gs pos="35000">
+              <a:schemeClr val="phClr">
+                <a:tint val="37000"/>
+                <a:satMod val="300000"/>
+              </a:schemeClr>
+            </a:gs>
+            <a:gs pos="100000">
+              <a:schemeClr val="phClr">
+                <a:tint val="15000"/>
+                <a:satMod val="350000"/>
+              </a:schemeClr>
+            </a:gs>
+          </a:gsLst>
+          <a:lin ang="16200000" scaled="1"/>
+        </a:gradFill>
+        <a:gradFill rotWithShape="1">
+          <a:gsLst>
+            <a:gs pos="0">
+              <a:schemeClr val="phClr">
+                <a:tint val="100000"/>
+                <a:shade val="100000"/>
+                <a:satMod val="130000"/>
+              </a:schemeClr>
+            </a:gs>
+            <a:gs pos="100000">
+              <a:schemeClr val="phClr">
+                <a:tint val="50000"/>
+                <a:shade val="100000"/>
+                <a:satMod val="350000"/>
+              </a:schemeClr>
+            </a:gs>
+          </a:gsLst>
+          <a:lin ang="16200000" scaled="0"/>
+        </a:gradFill>
+      </a:fillStyleLst>
+      <a:lnStyleLst>
+        <a:ln w="9525" cap="flat" cmpd="sng" algn="ctr">
+          <a:solidFill>
+            <a:schemeClr val="phClr">
+              <a:shade val="95000"/>
+              <a:satMod val="105000"/>
+            </a:schemeClr>
+          </a:solidFill>
+          <a:prstDash val="solid"/>
+        </a:ln>
+        <a:ln w="25400" cap="flat" cmpd="sng" algn="ctr">
+          <a:solidFill>
+            <a:schemeClr val="phClr"/>
+          </a:solidFill>
+          <a:prstDash val="solid"/>
+        </a:ln>
+        <a:ln w="38100" cap="flat" cmpd="sng" algn="ctr">
+          <a:solidFill>
+            <a:schemeClr val="phClr"/>
+          </a:solidFill>
+          <a:prstDash val="solid"/>
+        </a:ln>
+      </a:lnStyleLst>
+      <a:effectStyleLst>
+        <a:effectStyle>
+          <a:effectLst>
+            <a:outerShdw blurRad="40000" dist="20000" dir="5400000" rotWithShape="0">
+              <a:srgbClr val="000000">
+                <a:alpha val="38000"/>
+              </a:srgbClr>
+            </a:outerShdw>
+          </a:effectLst>
+        </a:effectStyle>
+        <a:effectStyle>
+          <a:effectLst>
+            <a:outerShdw blurRad="40000" dist="23000" dir="5400000" rotWithShape="0">
+              <a:srgbClr val="000000">
+                <a:alpha val="35000"/>
+              </a:srgbClr>
+            </a:outerShdw>
+          </a:effectLst>
+        </a:effectStyle>
+        <a:effectStyle>
+          <a:effectLst>
+            <a:outerShdw blurRad="40000" dist="23000" dir="5400000" rotWithShape="0">
+              <a:srgbClr val="000000">
+                <a:alpha val="35000"/>
+              </a:srgbClr>
+            </a:outerShdw>
+          </a:effectLst>
+          <a:scene3d>
+            <a:camera prst="orthographicFront">
+              <a:rot lat="0" lon="0" rev="0"/>
+            </a:camera>
+            <a:lightRig rig="threePt" dir="t">
+              <a:rot lat="0" lon="0" rev="1200000"/>
+            </a:lightRig>
+          </a:scene3d>
+          <a:sp3d>
+            <a:bevelT w="63500" h="25400"/>
+          </a:sp3d>
+        </a:effectStyle>
+      </a:effectStyleLst>
+      <a:bgFillStyleLst>
+        <a:solidFill>
+          <a:schemeClr val="phClr"/>
+        </a:solidFill>
+        <a:gradFill rotWithShape="1">
+          <a:gsLst>
+            <a:gs pos="0">
+              <a:schemeClr val="phClr">
+                <a:tint val="40000"/>
+                <a:satMod val="350000"/>
+              </a:schemeClr>
+            </a:gs>
+            <a:gs pos="40000">
+              <a:schemeClr val="phClr">
+                <a:tint val="45000"/>
+                <a:shade val="99000"/>
+                <a:satMod val="350000"/>
+              </a:schemeClr>
+            </a:gs>
+            <a:gs pos="100000">
+              <a:schemeClr val="phClr">
+                <a:shade val="20000"/>
+                <a:satMod val="255000"/>
+              </a:schemeClr>
+            </a:gs>
+          </a:gsLst>
+          <a:path path="circle">
+            <a:fillToRect l="50000" t="-80000" r="50000" b="180000"/>
+          </a:path>
+        </a:gradFill>
+        <a:gradFill rotWithShape="1">
+          <a:gsLst>
+            <a:gs pos="0">
+              <a:schemeClr val="phClr">
+                <a:tint val="80000"/>
+                <a:satMod val="300000"/>
+              </a:schemeClr>
+            </a:gs>
+            <a:gs pos="100000">
+              <a:schemeClr val="phClr">
+                <a:shade val="30000"/>
+                <a:satMod val="200000"/>
+              </a:schemeClr>
+            </a:gs>
+          </a:gsLst>
+          <a:path path="circle">
+            <a:fillToRect l="50000" t="50000" r="50000" b="50000"/>
+          </a:path>
+        </a:gradFill>
+      </a:bgFillStyleLst>
+    </a:fmtScheme>
+  </a:themeElements>
+  <a:objectDefaults/>
+  <a:extraClrSchemeLst/>
+</a:theme>
+</file>
+
+<file path=ppt/theme/theme2.xml><?xml version="1.0" encoding="utf-8"?>
+<a:theme xmlns:a="http://schemas.openxmlformats.org/drawingml/2006/main">
   <a:themeElements>
     <a:clrScheme name="Default">
       <a:dk1>
@@ -10074,284 +10462,7 @@
       </a:bgFillStyleLst>
     </a:fmtScheme>
   </a:themeElements>
-</a:theme>
-</file>
-
-<file path=ppt/theme/theme2.xml><?xml version="1.0" encoding="utf-8"?>
-<a:theme xmlns:a="http://schemas.openxmlformats.org/drawingml/2006/main" xmlns:r="http://schemas.openxmlformats.org/officeDocument/2006/relationships" name="Simple Light">
-  <a:themeElements>
-    <a:clrScheme name="Simple Light">
-      <a:dk1>
-        <a:srgbClr val="000000"/>
-      </a:dk1>
-      <a:lt1>
-        <a:srgbClr val="FFFFFF"/>
-      </a:lt1>
-      <a:dk2>
-        <a:srgbClr val="595959"/>
-      </a:dk2>
-      <a:lt2>
-        <a:srgbClr val="EEEEEE"/>
-      </a:lt2>
-      <a:accent1>
-        <a:srgbClr val="FFAB40"/>
-      </a:accent1>
-      <a:accent2>
-        <a:srgbClr val="212121"/>
-      </a:accent2>
-      <a:accent3>
-        <a:srgbClr val="78909C"/>
-      </a:accent3>
-      <a:accent4>
-        <a:srgbClr val="FFAB40"/>
-      </a:accent4>
-      <a:accent5>
-        <a:srgbClr val="0097A7"/>
-      </a:accent5>
-      <a:accent6>
-        <a:srgbClr val="EEFF41"/>
-      </a:accent6>
-      <a:hlink>
-        <a:srgbClr val="0097A7"/>
-      </a:hlink>
-      <a:folHlink>
-        <a:srgbClr val="0097A7"/>
-      </a:folHlink>
-    </a:clrScheme>
-    <a:fontScheme name="Office">
-      <a:majorFont>
-        <a:latin typeface="Arial"/>
-        <a:ea typeface=""/>
-        <a:cs typeface=""/>
-        <a:font script="Jpan" typeface="ＭＳ Ｐゴシック"/>
-        <a:font script="Hang" typeface="맑은 고딕"/>
-        <a:font script="Hans" typeface="宋体"/>
-        <a:font script="Hant" typeface="新細明體"/>
-        <a:font script="Arab" typeface="Times New Roman"/>
-        <a:font script="Hebr" typeface="Times New Roman"/>
-        <a:font script="Thai" typeface="Angsana New"/>
-        <a:font script="Ethi" typeface="Nyala"/>
-        <a:font script="Beng" typeface="Vrinda"/>
-        <a:font script="Gujr" typeface="Shruti"/>
-        <a:font script="Khmr" typeface="MoolBoran"/>
-        <a:font script="Knda" typeface="Tunga"/>
-        <a:font script="Guru" typeface="Raavi"/>
-        <a:font script="Cans" typeface="Euphemia"/>
-        <a:font script="Cher" typeface="Plantagenet Cherokee"/>
-        <a:font script="Yiii" typeface="Microsoft Yi Baiti"/>
-        <a:font script="Tibt" typeface="Microsoft Himalaya"/>
-        <a:font script="Thaa" typeface="MV Boli"/>
-        <a:font script="Deva" typeface="Mangal"/>
-        <a:font script="Telu" typeface="Gautami"/>
-        <a:font script="Taml" typeface="Latha"/>
-        <a:font script="Syrc" typeface="Estrangelo Edessa"/>
-        <a:font script="Orya" typeface="Kalinga"/>
-        <a:font script="Mlym" typeface="Kartika"/>
-        <a:font script="Laoo" typeface="DokChampa"/>
-        <a:font script="Sinh" typeface="Iskoola Pota"/>
-        <a:font script="Mong" typeface="Mongolian Baiti"/>
-        <a:font script="Viet" typeface="Times New Roman"/>
-        <a:font script="Uigh" typeface="Microsoft Uighur"/>
-        <a:font script="Geor" typeface="Sylfaen"/>
-      </a:majorFont>
-      <a:minorFont>
-        <a:latin typeface="Arial"/>
-        <a:ea typeface=""/>
-        <a:cs typeface=""/>
-        <a:font script="Jpan" typeface="ＭＳ Ｐゴシック"/>
-        <a:font script="Hang" typeface="맑은 고딕"/>
-        <a:font script="Hans" typeface="宋体"/>
-        <a:font script="Hant" typeface="新細明體"/>
-        <a:font script="Arab" typeface="Arial"/>
-        <a:font script="Hebr" typeface="Arial"/>
-        <a:font script="Thai" typeface="Cordia New"/>
-        <a:font script="Ethi" typeface="Nyala"/>
-        <a:font script="Beng" typeface="Vrinda"/>
-        <a:font script="Gujr" typeface="Shruti"/>
-        <a:font script="Khmr" typeface="DaunPenh"/>
-        <a:font script="Knda" typeface="Tunga"/>
-        <a:font script="Guru" typeface="Raavi"/>
-        <a:font script="Cans" typeface="Euphemia"/>
-        <a:font script="Cher" typeface="Plantagenet Cherokee"/>
-        <a:font script="Yiii" typeface="Microsoft Yi Baiti"/>
-        <a:font script="Tibt" typeface="Microsoft Himalaya"/>
-        <a:font script="Thaa" typeface="MV Boli"/>
-        <a:font script="Deva" typeface="Mangal"/>
-        <a:font script="Telu" typeface="Gautami"/>
-        <a:font script="Taml" typeface="Latha"/>
-        <a:font script="Syrc" typeface="Estrangelo Edessa"/>
-        <a:font script="Orya" typeface="Kalinga"/>
-        <a:font script="Mlym" typeface="Kartika"/>
-        <a:font script="Laoo" typeface="DokChampa"/>
-        <a:font script="Sinh" typeface="Iskoola Pota"/>
-        <a:font script="Mong" typeface="Mongolian Baiti"/>
-        <a:font script="Viet" typeface="Arial"/>
-        <a:font script="Uigh" typeface="Microsoft Uighur"/>
-        <a:font script="Geor" typeface="Sylfaen"/>
-      </a:minorFont>
-    </a:fontScheme>
-    <a:fmtScheme name="Office">
-      <a:fillStyleLst>
-        <a:solidFill>
-          <a:schemeClr val="phClr"/>
-        </a:solidFill>
-        <a:gradFill rotWithShape="1">
-          <a:gsLst>
-            <a:gs pos="0">
-              <a:schemeClr val="phClr">
-                <a:tint val="50000"/>
-                <a:satMod val="300000"/>
-              </a:schemeClr>
-            </a:gs>
-            <a:gs pos="35000">
-              <a:schemeClr val="phClr">
-                <a:tint val="37000"/>
-                <a:satMod val="300000"/>
-              </a:schemeClr>
-            </a:gs>
-            <a:gs pos="100000">
-              <a:schemeClr val="phClr">
-                <a:tint val="15000"/>
-                <a:satMod val="350000"/>
-              </a:schemeClr>
-            </a:gs>
-          </a:gsLst>
-          <a:lin ang="16200000" scaled="1"/>
-        </a:gradFill>
-        <a:gradFill rotWithShape="1">
-          <a:gsLst>
-            <a:gs pos="0">
-              <a:schemeClr val="phClr">
-                <a:tint val="100000"/>
-                <a:shade val="100000"/>
-                <a:satMod val="130000"/>
-              </a:schemeClr>
-            </a:gs>
-            <a:gs pos="100000">
-              <a:schemeClr val="phClr">
-                <a:tint val="50000"/>
-                <a:shade val="100000"/>
-                <a:satMod val="350000"/>
-              </a:schemeClr>
-            </a:gs>
-          </a:gsLst>
-          <a:lin ang="16200000" scaled="0"/>
-        </a:gradFill>
-      </a:fillStyleLst>
-      <a:lnStyleLst>
-        <a:ln w="9525" cap="flat" cmpd="sng" algn="ctr">
-          <a:solidFill>
-            <a:schemeClr val="phClr">
-              <a:shade val="95000"/>
-              <a:satMod val="105000"/>
-            </a:schemeClr>
-          </a:solidFill>
-          <a:prstDash val="solid"/>
-        </a:ln>
-        <a:ln w="25400" cap="flat" cmpd="sng" algn="ctr">
-          <a:solidFill>
-            <a:schemeClr val="phClr"/>
-          </a:solidFill>
-          <a:prstDash val="solid"/>
-        </a:ln>
-        <a:ln w="38100" cap="flat" cmpd="sng" algn="ctr">
-          <a:solidFill>
-            <a:schemeClr val="phClr"/>
-          </a:solidFill>
-          <a:prstDash val="solid"/>
-        </a:ln>
-      </a:lnStyleLst>
-      <a:effectStyleLst>
-        <a:effectStyle>
-          <a:effectLst>
-            <a:outerShdw blurRad="40000" dist="20000" dir="5400000" rotWithShape="0">
-              <a:srgbClr val="000000">
-                <a:alpha val="38000"/>
-              </a:srgbClr>
-            </a:outerShdw>
-          </a:effectLst>
-        </a:effectStyle>
-        <a:effectStyle>
-          <a:effectLst>
-            <a:outerShdw blurRad="40000" dist="23000" dir="5400000" rotWithShape="0">
-              <a:srgbClr val="000000">
-                <a:alpha val="35000"/>
-              </a:srgbClr>
-            </a:outerShdw>
-          </a:effectLst>
-        </a:effectStyle>
-        <a:effectStyle>
-          <a:effectLst>
-            <a:outerShdw blurRad="40000" dist="23000" dir="5400000" rotWithShape="0">
-              <a:srgbClr val="000000">
-                <a:alpha val="35000"/>
-              </a:srgbClr>
-            </a:outerShdw>
-          </a:effectLst>
-          <a:scene3d>
-            <a:camera prst="orthographicFront">
-              <a:rot lat="0" lon="0" rev="0"/>
-            </a:camera>
-            <a:lightRig rig="threePt" dir="t">
-              <a:rot lat="0" lon="0" rev="1200000"/>
-            </a:lightRig>
-          </a:scene3d>
-          <a:sp3d>
-            <a:bevelT w="63500" h="25400"/>
-          </a:sp3d>
-        </a:effectStyle>
-      </a:effectStyleLst>
-      <a:bgFillStyleLst>
-        <a:solidFill>
-          <a:schemeClr val="phClr"/>
-        </a:solidFill>
-        <a:gradFill rotWithShape="1">
-          <a:gsLst>
-            <a:gs pos="0">
-              <a:schemeClr val="phClr">
-                <a:tint val="40000"/>
-                <a:satMod val="350000"/>
-              </a:schemeClr>
-            </a:gs>
-            <a:gs pos="40000">
-              <a:schemeClr val="phClr">
-                <a:tint val="45000"/>
-                <a:shade val="99000"/>
-                <a:satMod val="350000"/>
-              </a:schemeClr>
-            </a:gs>
-            <a:gs pos="100000">
-              <a:schemeClr val="phClr">
-                <a:shade val="20000"/>
-                <a:satMod val="255000"/>
-              </a:schemeClr>
-            </a:gs>
-          </a:gsLst>
-          <a:path path="circle">
-            <a:fillToRect l="50000" t="-80000" r="50000" b="180000"/>
-          </a:path>
-        </a:gradFill>
-        <a:gradFill rotWithShape="1">
-          <a:gsLst>
-            <a:gs pos="0">
-              <a:schemeClr val="phClr">
-                <a:tint val="80000"/>
-                <a:satMod val="300000"/>
-              </a:schemeClr>
-            </a:gs>
-            <a:gs pos="100000">
-              <a:schemeClr val="phClr">
-                <a:shade val="30000"/>
-                <a:satMod val="200000"/>
-              </a:schemeClr>
-            </a:gs>
-          </a:gsLst>
-          <a:path path="circle">
-            <a:fillToRect l="50000" t="50000" r="50000" b="50000"/>
-          </a:path>
-        </a:gradFill>
-      </a:bgFillStyleLst>
-    </a:fmtScheme>
-  </a:themeElements>
+  <a:objectDefaults/>
+  <a:extraClrSchemeLst/>
 </a:theme>
 </file>
--- a/Pristatymas/Pristatymas.pptx
+++ b/Pristatymas/Pristatymas.pptx
@@ -1155,7 +1155,7 @@
         </p:nvSpPr>
         <p:spPr>
           <a:xfrm>
-            <a:off x="381300" y="685800"/>
+            <a:off x="381000" y="685800"/>
             <a:ext cx="6096000" cy="3429000"/>
           </a:xfrm>
           <a:custGeom>
@@ -1571,7 +1571,7 @@
         </p:nvSpPr>
         <p:spPr>
           <a:xfrm>
-            <a:off x="381300" y="685800"/>
+            <a:off x="381000" y="685800"/>
             <a:ext cx="6096000" cy="3429000"/>
           </a:xfrm>
           <a:custGeom>
@@ -7083,7 +7083,7 @@
               <a:buNone/>
             </a:pPr>
             <a:r>
-              <a:rPr lang="lt" sz="1200" b="1">
+              <a:rPr lang="lt" sz="1200" b="1" dirty="0">
                 <a:solidFill>
                   <a:srgbClr val="000000"/>
                 </a:solidFill>
@@ -7095,7 +7095,7 @@
               <a:t>Tikslas</a:t>
             </a:r>
             <a:r>
-              <a:rPr lang="lt" sz="1200">
+              <a:rPr lang="lt" sz="1200" dirty="0">
                 <a:solidFill>
                   <a:srgbClr val="000000"/>
                 </a:solidFill>
@@ -7106,7 +7106,7 @@
               </a:rPr>
               <a:t> - sukurti modelį, kuris aptinka plaučius, su nežymiais defektais, kaip vėžinės ląstelės.</a:t>
             </a:r>
-            <a:endParaRPr sz="1200">
+            <a:endParaRPr sz="1200" dirty="0">
               <a:solidFill>
                 <a:srgbClr val="000000"/>
               </a:solidFill>
@@ -7127,7 +7127,7 @@
               <a:buNone/>
             </a:pPr>
             <a:r>
-              <a:rPr lang="lt" sz="1200" b="1">
+              <a:rPr lang="lt" sz="1200" b="1" dirty="0">
                 <a:solidFill>
                   <a:srgbClr val="000000"/>
                 </a:solidFill>
@@ -7139,7 +7139,7 @@
               <a:t>Darbo uždaviniai</a:t>
             </a:r>
             <a:r>
-              <a:rPr lang="lt" sz="1200">
+              <a:rPr lang="lt" sz="1200" dirty="0">
                 <a:solidFill>
                   <a:srgbClr val="000000"/>
                 </a:solidFill>
@@ -7150,7 +7150,7 @@
               </a:rPr>
               <a:t>:</a:t>
             </a:r>
-            <a:endParaRPr sz="1200">
+            <a:endParaRPr sz="1200" dirty="0">
               <a:solidFill>
                 <a:srgbClr val="000000"/>
               </a:solidFill>
@@ -7179,7 +7179,7 @@
               <a:buAutoNum type="arabicPeriod"/>
             </a:pPr>
             <a:r>
-              <a:rPr lang="lt" sz="1200">
+              <a:rPr lang="lt" sz="1200" dirty="0">
                 <a:solidFill>
                   <a:srgbClr val="000000"/>
                 </a:solidFill>
@@ -7190,7 +7190,7 @@
               </a:rPr>
               <a:t>Išanalizuoti neuroninių tinklų veikimo principus ir atlikti objektų aptikimo modelių literatūros analizę.</a:t>
             </a:r>
-            <a:endParaRPr sz="1200">
+            <a:endParaRPr sz="1200" dirty="0">
               <a:solidFill>
                 <a:srgbClr val="000000"/>
               </a:solidFill>
@@ -7219,7 +7219,7 @@
               <a:buAutoNum type="arabicPeriod"/>
             </a:pPr>
             <a:r>
-              <a:rPr lang="lt" sz="1200">
+              <a:rPr lang="lt" sz="1200" dirty="0">
                 <a:solidFill>
                   <a:srgbClr val="000000"/>
                 </a:solidFill>
@@ -7230,7 +7230,7 @@
               </a:rPr>
               <a:t>Išanalizuoti aktyvacijos ir optimizavimo funkcijas, ir atlikus literatūros analizę, nustatyti, kokios geriausiai tinka sukurti modelį.</a:t>
             </a:r>
-            <a:endParaRPr sz="1200">
+            <a:endParaRPr sz="1200" dirty="0">
               <a:solidFill>
                 <a:srgbClr val="000000"/>
               </a:solidFill>
@@ -7259,7 +7259,7 @@
               <a:buAutoNum type="arabicPeriod"/>
             </a:pPr>
             <a:r>
-              <a:rPr lang="lt" sz="1200">
+              <a:rPr lang="lt" sz="1200" dirty="0">
                 <a:solidFill>
                   <a:srgbClr val="000000"/>
                 </a:solidFill>
@@ -7270,7 +7270,7 @@
               </a:rPr>
               <a:t>Surinkti kompiuterinės tomografijos nuotraukas su plaučiais ir juos sužymėti.</a:t>
             </a:r>
-            <a:endParaRPr sz="1200">
+            <a:endParaRPr sz="1200" dirty="0">
               <a:solidFill>
                 <a:srgbClr val="000000"/>
               </a:solidFill>
@@ -7299,7 +7299,7 @@
               <a:buAutoNum type="arabicPeriod"/>
             </a:pPr>
             <a:r>
-              <a:rPr lang="lt" sz="1200">
+              <a:rPr lang="lt" sz="1200" dirty="0">
                 <a:solidFill>
                   <a:srgbClr val="000000"/>
                 </a:solidFill>
@@ -7310,7 +7310,7 @@
               </a:rPr>
               <a:t>Sukurti modelį, kuris aptinka plaučius kompiuterinės tomografijos nuotraukose, kad vėliau tai galėtų būti panaudota tolimesnei IT plėtrai medicinos srityje.</a:t>
             </a:r>
-            <a:endParaRPr sz="1200">
+            <a:endParaRPr sz="1200" dirty="0">
               <a:solidFill>
                 <a:srgbClr val="000000"/>
               </a:solidFill>
@@ -7330,7 +7330,7 @@
               </a:spcAft>
               <a:buNone/>
             </a:pPr>
-            <a:endParaRPr sz="1200">
+            <a:endParaRPr sz="1200" dirty="0">
               <a:solidFill>
                 <a:srgbClr val="000000"/>
               </a:solidFill>
@@ -7461,7 +7461,31 @@
                 <a:cs typeface="Times New Roman"/>
                 <a:sym typeface="Times New Roman"/>
               </a:rPr>
-              <a:t>Atlikta literatūros analizė apie neuroninių tinklų veikimo principus. Taip pat išanalizuota, kaip veikia GPU, priskiriama atmintis ir kaip tai gali padėti pasiekti darbo tikslą. Buvo atliktas mažas bandymas palyginti neuroninių tinklų optimizavimo spartą pasitelkiant CPU ir GPU. Atlikta analizė ir palyginti objektų aptikimo modeliai.</a:t>
+              <a:t>Atlikta literatūros analizė apie neuroninių tinklų veikimo principus. Taip pat išanalizuota, kaip veikia GPU, priskiriama atmintis ir kaip tai gali padėti pasiekti darbo tikslą. Buvo atliktas mažas bandymas palygin</a:t>
+            </a:r>
+            <a:r>
+              <a:rPr lang="en-US" sz="1200" dirty="0">
+                <a:solidFill>
+                  <a:srgbClr val="000000"/>
+                </a:solidFill>
+                <a:latin typeface="Times New Roman"/>
+                <a:ea typeface="Times New Roman"/>
+                <a:cs typeface="Times New Roman"/>
+                <a:sym typeface="Times New Roman"/>
+              </a:rPr>
+              <a:t>ant</a:t>
+            </a:r>
+            <a:r>
+              <a:rPr lang="lt" sz="1200" dirty="0">
+                <a:solidFill>
+                  <a:srgbClr val="000000"/>
+                </a:solidFill>
+                <a:latin typeface="Times New Roman"/>
+                <a:ea typeface="Times New Roman"/>
+                <a:cs typeface="Times New Roman"/>
+                <a:sym typeface="Times New Roman"/>
+              </a:rPr>
+              <a:t> neuroninių tinklų optimizavimo spartą pasitelkiant CPU ir GPU. Atlikta analizė ir palyginti objektų aptikimo modeliai.</a:t>
             </a:r>
             <a:endParaRPr sz="1200" dirty="0">
               <a:solidFill>
@@ -7499,6 +7523,21 @@
               <a:t>Gauti eksperimento rezultatai: </a:t>
             </a:r>
             <a:r>
+              <a:rPr lang="en-US" sz="1200" dirty="0">
+                <a:solidFill>
+                  <a:schemeClr val="dk1"/>
+                </a:solidFill>
+                <a:highlight>
+                  <a:srgbClr val="FFFFFF"/>
+                </a:highlight>
+                <a:latin typeface="Times New Roman"/>
+                <a:ea typeface="Times New Roman"/>
+                <a:cs typeface="Times New Roman"/>
+                <a:sym typeface="Times New Roman"/>
+              </a:rPr>
+              <a:t>v</a:t>
+            </a:r>
+            <a:r>
               <a:rPr lang="lt" sz="1200" dirty="0">
                 <a:solidFill>
                   <a:schemeClr val="dk1"/>
@@ -7511,7 +7550,7 @@
                 <a:cs typeface="Times New Roman"/>
                 <a:sym typeface="Times New Roman"/>
               </a:rPr>
-              <a:t>Vidutiniškai apdoruojant 60 megabaitų duomenų, vienam ciklui tinklas su CPU resursais užtrunka 6 sekundes, o naudojant GPU vidutiniškai vienas žingsnis užtrunka 0.3 sekundės</a:t>
+              <a:t>idutiniškai apdoruojant 60 megabaitų duomenų, vienam ciklui tinklas su CPU resursais užtrunka 6 sekundes, o naudojant GPU vidutiniškai vienas žingsnis užtrunka 0.3 sekundės</a:t>
             </a:r>
             <a:r>
               <a:rPr lang="lt" sz="1200" dirty="0">
@@ -7613,7 +7652,142 @@
                 <a:cs typeface="Times New Roman"/>
                 <a:sym typeface="Times New Roman"/>
               </a:rPr>
-              <a:t>galima teigti, jog ji priveda prie apytiksliai stabilaus gradiento. Jeigu modelis klysta, jis dėl to gali greičiau pasitaisyti. Taip pat šios funkcijos išvestis yra patogi, nes išvesties elementų suma yra visada lygi 1.</a:t>
+              <a:t>ji </a:t>
+            </a:r>
+            <a:r>
+              <a:rPr lang="en-US" sz="1200" dirty="0" err="1">
+                <a:solidFill>
+                  <a:schemeClr val="dk1"/>
+                </a:solidFill>
+                <a:highlight>
+                  <a:srgbClr val="FFFFFF"/>
+                </a:highlight>
+                <a:latin typeface="Times New Roman"/>
+                <a:ea typeface="Times New Roman"/>
+                <a:cs typeface="Times New Roman"/>
+                <a:sym typeface="Times New Roman"/>
+              </a:rPr>
+              <a:t>nulemia</a:t>
+            </a:r>
+            <a:r>
+              <a:rPr lang="en-US" sz="1200" dirty="0">
+                <a:solidFill>
+                  <a:schemeClr val="dk1"/>
+                </a:solidFill>
+                <a:highlight>
+                  <a:srgbClr val="FFFFFF"/>
+                </a:highlight>
+                <a:latin typeface="Times New Roman"/>
+                <a:ea typeface="Times New Roman"/>
+                <a:cs typeface="Times New Roman"/>
+                <a:sym typeface="Times New Roman"/>
+              </a:rPr>
+              <a:t> </a:t>
+            </a:r>
+            <a:r>
+              <a:rPr lang="lt" sz="1200" dirty="0">
+                <a:solidFill>
+                  <a:schemeClr val="dk1"/>
+                </a:solidFill>
+                <a:highlight>
+                  <a:srgbClr val="FFFFFF"/>
+                </a:highlight>
+                <a:latin typeface="Times New Roman"/>
+                <a:ea typeface="Times New Roman"/>
+                <a:cs typeface="Times New Roman"/>
+                <a:sym typeface="Times New Roman"/>
+              </a:rPr>
+              <a:t>stabil</a:t>
+            </a:r>
+            <a:r>
+              <a:rPr lang="lt-LT" sz="1200" dirty="0">
+                <a:solidFill>
+                  <a:schemeClr val="dk1"/>
+                </a:solidFill>
+                <a:highlight>
+                  <a:srgbClr val="FFFFFF"/>
+                </a:highlight>
+                <a:latin typeface="Times New Roman"/>
+                <a:ea typeface="Times New Roman"/>
+                <a:cs typeface="Times New Roman"/>
+                <a:sym typeface="Times New Roman"/>
+              </a:rPr>
+              <a:t>ų</a:t>
+            </a:r>
+            <a:r>
+              <a:rPr lang="lt" sz="1200" dirty="0">
+                <a:solidFill>
+                  <a:schemeClr val="dk1"/>
+                </a:solidFill>
+                <a:highlight>
+                  <a:srgbClr val="FFFFFF"/>
+                </a:highlight>
+                <a:latin typeface="Times New Roman"/>
+                <a:ea typeface="Times New Roman"/>
+                <a:cs typeface="Times New Roman"/>
+                <a:sym typeface="Times New Roman"/>
+              </a:rPr>
+              <a:t> gradient</a:t>
+            </a:r>
+            <a:r>
+              <a:rPr lang="en-US" sz="1200" dirty="0">
+                <a:solidFill>
+                  <a:schemeClr val="dk1"/>
+                </a:solidFill>
+                <a:highlight>
+                  <a:srgbClr val="FFFFFF"/>
+                </a:highlight>
+                <a:latin typeface="Times New Roman"/>
+                <a:ea typeface="Times New Roman"/>
+                <a:cs typeface="Times New Roman"/>
+                <a:sym typeface="Times New Roman"/>
+              </a:rPr>
+              <a:t>ą</a:t>
+            </a:r>
+            <a:r>
+              <a:rPr lang="lt" sz="1200" dirty="0">
+                <a:solidFill>
+                  <a:schemeClr val="dk1"/>
+                </a:solidFill>
+                <a:highlight>
+                  <a:srgbClr val="FFFFFF"/>
+                </a:highlight>
+                <a:latin typeface="Times New Roman"/>
+                <a:ea typeface="Times New Roman"/>
+                <a:cs typeface="Times New Roman"/>
+                <a:sym typeface="Times New Roman"/>
+              </a:rPr>
+              <a:t>. Jeigu modelis klysta, ji</a:t>
+            </a:r>
+            <a:r>
+              <a:rPr lang="en-US" sz="1200" dirty="0">
+                <a:solidFill>
+                  <a:schemeClr val="dk1"/>
+                </a:solidFill>
+                <a:highlight>
+                  <a:srgbClr val="FFFFFF"/>
+                </a:highlight>
+                <a:latin typeface="Times New Roman"/>
+                <a:ea typeface="Times New Roman"/>
+                <a:cs typeface="Times New Roman"/>
+                <a:sym typeface="Times New Roman"/>
+              </a:rPr>
+              <a:t>s</a:t>
+            </a:r>
+            <a:r>
+              <a:rPr lang="lt" sz="1200" dirty="0">
+                <a:solidFill>
+                  <a:schemeClr val="dk1"/>
+                </a:solidFill>
+                <a:highlight>
+                  <a:srgbClr val="FFFFFF"/>
+                </a:highlight>
+                <a:latin typeface="Times New Roman"/>
+                <a:ea typeface="Times New Roman"/>
+                <a:cs typeface="Times New Roman"/>
+                <a:sym typeface="Times New Roman"/>
+              </a:rPr>
+              <a:t> gali greičiau pasitaisyti. Taip pat šios funkcijos išvestis yra patogi, nes jos elementų suma yra visada lygi 1.</a:t>
             </a:r>
             <a:endParaRPr sz="1200" dirty="0">
               <a:solidFill>
@@ -7927,7 +8101,7 @@
               <a:buAutoNum type="arabicPeriod" startAt="3"/>
             </a:pPr>
             <a:r>
-              <a:rPr lang="lt" sz="1200">
+              <a:rPr lang="lt" sz="1200" dirty="0">
                 <a:solidFill>
                   <a:schemeClr val="dk1"/>
                 </a:solidFill>
@@ -7936,9 +8110,33 @@
                 <a:cs typeface="Times New Roman"/>
                 <a:sym typeface="Times New Roman"/>
               </a:rPr>
-              <a:t>Surinktos kompiuterinės tomografijos nuotraukos su plaučiais ir jos sužymėtos. Duomenys buvo gauti iš atviro vėžiu sergančių žmonių kompiuterinės tomografijos nuotraukų duomenų bazės. Duomenys buvo sužymėti naudojant žymėjimo programą. Gautas rezultatas buvo kiekvieno taško koordinatės vaizde, todėl reikėjo pasirašyti pagalbinę programą, kuri iš šių taškų sugeneruoja kaukių failus (1 pav.). Ranka buvo sužymėtos 50 nuotraukų. Jos buvo padaugintos 5 kartus taikant skirtingas tikimybes su Gauso filtru (2 pav.).</a:t>
+              <a:t>Surinktos kompiuterinės tomografijos nuotraukos su plaučiais ir jos sužymėtos. Duomenys buvo gauti iš atviro</a:t>
             </a:r>
-            <a:endParaRPr sz="1200">
+            <a:r>
+              <a:rPr lang="en-US" sz="1200" dirty="0">
+                <a:solidFill>
+                  <a:schemeClr val="dk1"/>
+                </a:solidFill>
+                <a:latin typeface="Times New Roman"/>
+                <a:ea typeface="Times New Roman"/>
+                <a:cs typeface="Times New Roman"/>
+                <a:sym typeface="Times New Roman"/>
+              </a:rPr>
+              <a:t>s</a:t>
+            </a:r>
+            <a:r>
+              <a:rPr lang="lt" sz="1200" dirty="0">
+                <a:solidFill>
+                  <a:schemeClr val="dk1"/>
+                </a:solidFill>
+                <a:latin typeface="Times New Roman"/>
+                <a:ea typeface="Times New Roman"/>
+                <a:cs typeface="Times New Roman"/>
+                <a:sym typeface="Times New Roman"/>
+              </a:rPr>
+              <a:t> vėžiu sergančių žmonių kompiuterinės tomografijos nuotraukų duomenų bazės. Duomenys buvo sužymėti naudojant žymėjimo programą. Gautas rezultatas buvo kiekvieno taško koordinatės vaizde, todėl reikėjo pasirašyti pagalbinę programą, kuri iš šių taškų sugeneruoja kaukių failus (1 pav.). Ranka buvo sužymėtos 50 nuotraukų. Jos buvo padaugintos 5 kartus taikant skirtingas tikimybes su Gauso filtru (2 pav.).</a:t>
+            </a:r>
+            <a:endParaRPr sz="1200" dirty="0">
               <a:solidFill>
                 <a:schemeClr val="dk1"/>
               </a:solidFill>
@@ -9266,7 +9464,7 @@
               <a:buAutoNum type="arabicPeriod"/>
             </a:pPr>
             <a:r>
-              <a:rPr lang="lt" sz="1200">
+              <a:rPr lang="lt" sz="1200" dirty="0">
                 <a:solidFill>
                   <a:schemeClr val="dk1"/>
                 </a:solidFill>
@@ -9280,7 +9478,7 @@
               </a:rPr>
               <a:t>Objektų atpažinimui, kompiuterinės tomografijos nuotraukose, tinka „Mask RCNN Inception V2“ modelis su MSE tikslo funkcija.</a:t>
             </a:r>
-            <a:endParaRPr sz="1200">
+            <a:endParaRPr sz="1200" dirty="0">
               <a:solidFill>
                 <a:schemeClr val="dk1"/>
               </a:solidFill>
@@ -9312,7 +9510,7 @@
               <a:buAutoNum type="arabicPeriod"/>
             </a:pPr>
             <a:r>
-              <a:rPr lang="lt" sz="1200">
+              <a:rPr lang="lt" sz="1200" dirty="0">
                 <a:solidFill>
                   <a:schemeClr val="dk1"/>
                 </a:solidFill>
@@ -9326,7 +9524,7 @@
               </a:rPr>
               <a:t>Norint pagerinti modelio rezultatus, reikia padauginti esamus sužymėtus duomenis, naudojant Gauso filtrą. Tinka ir kitos vaizdų transformacijos, kurios nėra geometrinės.</a:t>
             </a:r>
-            <a:endParaRPr sz="1200">
+            <a:endParaRPr sz="1200" dirty="0">
               <a:solidFill>
                 <a:schemeClr val="dk1"/>
               </a:solidFill>
@@ -9358,7 +9556,7 @@
               <a:buAutoNum type="arabicPeriod"/>
             </a:pPr>
             <a:r>
-              <a:rPr lang="lt" sz="1200">
+              <a:rPr lang="lt" sz="1200" dirty="0">
                 <a:solidFill>
                   <a:schemeClr val="dk1"/>
                 </a:solidFill>
@@ -9370,9 +9568,99 @@
                 <a:cs typeface="Times New Roman"/>
                 <a:sym typeface="Times New Roman"/>
               </a:rPr>
-              <a:t>Nuostoliai nuo 2500 epochos stabiliai laikėsi ir nustojo mažėti (tikslūs tinklo duomenys 7 pav. ir penkių einamųjų elementų vidurkis, aiškesniam rezultatui 8 pav.), todėl, norint pasiekti dar didesnį tinklo tikslumą, reikia sužymėti daugiau duomenų</a:t>
+              <a:t>Nuostoliai nuo 2500 epochos stabiliai laikėsi ir  </a:t>
             </a:r>
-            <a:endParaRPr sz="1200">
+            <a:r>
+              <a:rPr lang="en-US" sz="1200" dirty="0">
+                <a:solidFill>
+                  <a:schemeClr val="dk1"/>
+                </a:solidFill>
+                <a:highlight>
+                  <a:srgbClr val="FFFFFF"/>
+                </a:highlight>
+                <a:latin typeface="Times New Roman"/>
+                <a:ea typeface="Times New Roman"/>
+                <a:cs typeface="Times New Roman"/>
+                <a:sym typeface="Times New Roman"/>
+              </a:rPr>
+              <a:t>n</a:t>
+            </a:r>
+            <a:r>
+              <a:rPr lang="lt-LT" sz="1200" dirty="0">
+                <a:solidFill>
+                  <a:schemeClr val="dk1"/>
+                </a:solidFill>
+                <a:highlight>
+                  <a:srgbClr val="FFFFFF"/>
+                </a:highlight>
+                <a:latin typeface="Times New Roman"/>
+                <a:ea typeface="Times New Roman"/>
+                <a:cs typeface="Times New Roman"/>
+                <a:sym typeface="Times New Roman"/>
+              </a:rPr>
+              <a:t>e</a:t>
+            </a:r>
+            <a:r>
+              <a:rPr lang="lt" sz="1200" dirty="0">
+                <a:solidFill>
+                  <a:schemeClr val="dk1"/>
+                </a:solidFill>
+                <a:highlight>
+                  <a:srgbClr val="FFFFFF"/>
+                </a:highlight>
+                <a:latin typeface="Times New Roman"/>
+                <a:ea typeface="Times New Roman"/>
+                <a:cs typeface="Times New Roman"/>
+                <a:sym typeface="Times New Roman"/>
+              </a:rPr>
+              <a:t>mažė</a:t>
+            </a:r>
+            <a:r>
+              <a:rPr lang="en-US" sz="1200" dirty="0">
+                <a:solidFill>
+                  <a:schemeClr val="dk1"/>
+                </a:solidFill>
+                <a:highlight>
+                  <a:srgbClr val="FFFFFF"/>
+                </a:highlight>
+                <a:latin typeface="Times New Roman"/>
+                <a:ea typeface="Times New Roman"/>
+                <a:cs typeface="Times New Roman"/>
+                <a:sym typeface="Times New Roman"/>
+              </a:rPr>
+              <a:t>j</a:t>
+            </a:r>
+            <a:r>
+              <a:rPr lang="lt-LT" sz="1200" dirty="0">
+                <a:solidFill>
+                  <a:schemeClr val="dk1"/>
+                </a:solidFill>
+                <a:highlight>
+                  <a:srgbClr val="FFFFFF"/>
+                </a:highlight>
+                <a:latin typeface="Times New Roman"/>
+                <a:ea typeface="Times New Roman"/>
+                <a:cs typeface="Times New Roman"/>
+                <a:sym typeface="Times New Roman"/>
+              </a:rPr>
+              <a:t>o</a:t>
+            </a:r>
+            <a:r>
+              <a:rPr lang="lt" sz="1200" dirty="0">
+                <a:solidFill>
+                  <a:schemeClr val="dk1"/>
+                </a:solidFill>
+                <a:highlight>
+                  <a:srgbClr val="FFFFFF"/>
+                </a:highlight>
+                <a:latin typeface="Times New Roman"/>
+                <a:ea typeface="Times New Roman"/>
+                <a:cs typeface="Times New Roman"/>
+                <a:sym typeface="Times New Roman"/>
+              </a:rPr>
+              <a:t> (tikslūs tinklo duomenys 7 pav. ir penkių einamųjų elementų vidurkis, aiškesniam rezultatui 8 pav.), todėl, norint pasiekti dar didesnį tinklo tikslumą, reikia sužymėti daugiau duomenų.</a:t>
+            </a:r>
+            <a:endParaRPr sz="1200" dirty="0">
               <a:solidFill>
                 <a:schemeClr val="dk1"/>
               </a:solidFill>
@@ -9403,7 +9691,7 @@
               <a:buFont typeface="Arial"/>
               <a:buNone/>
             </a:pPr>
-            <a:endParaRPr sz="1200">
+            <a:endParaRPr sz="1200" dirty="0">
               <a:solidFill>
                 <a:schemeClr val="dk1"/>
               </a:solidFill>
@@ -9429,7 +9717,7 @@
               </a:spcAft>
               <a:buNone/>
             </a:pPr>
-            <a:endParaRPr sz="1200">
+            <a:endParaRPr sz="1200" dirty="0">
               <a:latin typeface="Times New Roman"/>
               <a:ea typeface="Times New Roman"/>
               <a:cs typeface="Times New Roman"/>
@@ -9772,7 +10060,7 @@
                 <a:cs typeface="Times New Roman"/>
                 <a:sym typeface="Times New Roman"/>
               </a:rPr>
-              <a:t>Sudarytas modelis netinka, jeigu žmogus serga liga, kuris smarkiai deformuoja organus. Tokiu atveju tinklo optimizavimui reikia skirti daugiau resursų ir reikia sužymėti daugiau duomenų su ligos, kuri smarkiai deformuoja plaučius, atveju. </a:t>
+              <a:t>Sudarytas modelis netinka, jeigu žmogus serga liga, kuris smarkiai deformuoja organus. Tokiu atveju tinklo optimizavimui reikia skirti daugiau resursų ir reikia sužymėti daugiau duomenų. </a:t>
             </a:r>
             <a:endParaRPr sz="1200" dirty="0">
               <a:solidFill>
@@ -9818,7 +10106,52 @@
                 <a:cs typeface="Times New Roman"/>
                 <a:sym typeface="Times New Roman"/>
               </a:rPr>
-              <a:t>Šis darbas parodo, jog pasiekti didelio tikslumo objektų aptikimą kompiuterinės tomografijos nuotraukose, nereikia turėti daug duomenų ir daug resursų. Tai įmanoma padaryti ir naudojant Google Cloud platformą, kuri suteikia nemokamą prieigą prie GPU resursų</a:t>
+              <a:t>Šis darbas parodo, jog </a:t>
+            </a:r>
+            <a:r>
+              <a:rPr lang="en-US" sz="1200" dirty="0">
+                <a:solidFill>
+                  <a:schemeClr val="dk1"/>
+                </a:solidFill>
+                <a:highlight>
+                  <a:srgbClr val="FFFFFF"/>
+                </a:highlight>
+                <a:latin typeface="Times New Roman"/>
+                <a:ea typeface="Times New Roman"/>
+                <a:cs typeface="Times New Roman"/>
+                <a:sym typeface="Times New Roman"/>
+              </a:rPr>
+              <a:t>n</a:t>
+            </a:r>
+            <a:r>
+              <a:rPr lang="lt-LT" sz="1200" dirty="0">
+                <a:solidFill>
+                  <a:schemeClr val="dk1"/>
+                </a:solidFill>
+                <a:highlight>
+                  <a:srgbClr val="FFFFFF"/>
+                </a:highlight>
+                <a:latin typeface="Times New Roman"/>
+                <a:ea typeface="Times New Roman"/>
+                <a:cs typeface="Times New Roman"/>
+                <a:sym typeface="Times New Roman"/>
+              </a:rPr>
+              <a:t>orint </a:t>
+            </a:r>
+            <a:r>
+              <a:rPr lang="lt" sz="1200" dirty="0">
+                <a:solidFill>
+                  <a:schemeClr val="dk1"/>
+                </a:solidFill>
+                <a:highlight>
+                  <a:srgbClr val="FFFFFF"/>
+                </a:highlight>
+                <a:latin typeface="Times New Roman"/>
+                <a:ea typeface="Times New Roman"/>
+                <a:cs typeface="Times New Roman"/>
+                <a:sym typeface="Times New Roman"/>
+              </a:rPr>
+              <a:t>pasiekti didelio tikslumo objektų aptikimą kompiuterinės tomografijos nuotraukose, nereikia turėti daug duomenų ir daug resursų. Tai įmanoma padaryti ir naudojant Google Cloud platformą, kuri suteikia nemokamą prieigą prie GPU resursų.</a:t>
             </a:r>
             <a:endParaRPr sz="1200" dirty="0">
               <a:solidFill>
